--- a/Notes/6_Interval_Estimation_Confidence.pptx
+++ b/Notes/6_Interval_Estimation_Confidence.pptx
@@ -5,7 +5,7 @@
     <p:sldMasterId id="2147483648" r:id="rId1"/>
   </p:sldMasterIdLst>
   <p:notesMasterIdLst>
-    <p:notesMasterId r:id="rId30"/>
+    <p:notesMasterId r:id="rId25"/>
   </p:notesMasterIdLst>
   <p:sldIdLst>
     <p:sldId id="256" r:id="rId2"/>
@@ -28,14 +28,9 @@
     <p:sldId id="268" r:id="rId19"/>
     <p:sldId id="269" r:id="rId20"/>
     <p:sldId id="270" r:id="rId21"/>
-    <p:sldId id="273" r:id="rId22"/>
-    <p:sldId id="274" r:id="rId23"/>
-    <p:sldId id="275" r:id="rId24"/>
-    <p:sldId id="276" r:id="rId25"/>
-    <p:sldId id="277" r:id="rId26"/>
-    <p:sldId id="278" r:id="rId27"/>
-    <p:sldId id="279" r:id="rId28"/>
-    <p:sldId id="280" r:id="rId29"/>
+    <p:sldId id="278" r:id="rId22"/>
+    <p:sldId id="279" r:id="rId23"/>
+    <p:sldId id="301" r:id="rId24"/>
   </p:sldIdLst>
   <p:sldSz cx="9144000" cy="6858000" type="screen4x3"/>
   <p:notesSz cx="6858000" cy="9144000"/>
@@ -134,6 +129,22 @@
       </a:defRPr>
     </a:lvl9pPr>
   </p:defaultTextStyle>
+  <p:extLst>
+    <p:ext uri="{EFAFB233-063F-42B5-8137-9DF3F51BA10A}">
+      <p15:sldGuideLst xmlns:p15="http://schemas.microsoft.com/office/powerpoint/2012/main">
+        <p15:guide id="1" orient="horz" pos="2160">
+          <p15:clr>
+            <a:srgbClr val="A4A3A4"/>
+          </p15:clr>
+        </p15:guide>
+        <p15:guide id="2" pos="2880">
+          <p15:clr>
+            <a:srgbClr val="A4A3A4"/>
+          </p15:clr>
+        </p15:guide>
+      </p15:sldGuideLst>
+    </p:ext>
+  </p:extLst>
 </p:presentation>
 </file>
 
@@ -219,7 +230,7 @@
           <a:p>
             <a:fld id="{DF88F003-B696-4347-8F8C-D9FE9D369C61}" type="datetimeFigureOut">
               <a:rPr lang="en-US" smtClean="0"/>
-              <a:t>3/20/18</a:t>
+              <a:t>4/21/20</a:t>
             </a:fld>
             <a:endParaRPr lang="en-US"/>
           </a:p>
@@ -283,38 +294,37 @@
           <a:p>
             <a:pPr lvl="0"/>
             <a:r>
-              <a:rPr lang="en-US" smtClean="0"/>
+              <a:rPr lang="en-US"/>
               <a:t>Click to edit Master text styles</a:t>
             </a:r>
           </a:p>
           <a:p>
             <a:pPr lvl="1"/>
             <a:r>
-              <a:rPr lang="en-US" smtClean="0"/>
+              <a:rPr lang="en-US"/>
               <a:t>Second level</a:t>
             </a:r>
           </a:p>
           <a:p>
             <a:pPr lvl="2"/>
             <a:r>
-              <a:rPr lang="en-US" smtClean="0"/>
+              <a:rPr lang="en-US"/>
               <a:t>Third level</a:t>
             </a:r>
           </a:p>
           <a:p>
             <a:pPr lvl="3"/>
             <a:r>
-              <a:rPr lang="en-US" smtClean="0"/>
+              <a:rPr lang="en-US"/>
               <a:t>Fourth level</a:t>
             </a:r>
           </a:p>
           <a:p>
             <a:pPr lvl="4"/>
             <a:r>
-              <a:rPr lang="en-US" smtClean="0"/>
+              <a:rPr lang="en-US"/>
               <a:t>Fifth level</a:t>
             </a:r>
-            <a:endParaRPr lang="en-US"/>
           </a:p>
         </p:txBody>
       </p:sp>
@@ -693,10 +703,9 @@
           <a:lstStyle/>
           <a:p>
             <a:r>
-              <a:rPr lang="en-US" smtClean="0"/>
+              <a:rPr lang="en-US"/>
               <a:t>Click to edit Master title style</a:t>
             </a:r>
-            <a:endParaRPr lang="en-US"/>
           </a:p>
         </p:txBody>
       </p:sp>
@@ -812,10 +821,9 @@
           </a:lstStyle>
           <a:p>
             <a:r>
-              <a:rPr lang="en-US" smtClean="0"/>
+              <a:rPr lang="en-US"/>
               <a:t>Click to edit Master subtitle style</a:t>
             </a:r>
-            <a:endParaRPr lang="en-US"/>
           </a:p>
         </p:txBody>
       </p:sp>
@@ -836,7 +844,7 @@
           <a:p>
             <a:fld id="{0CC63279-749B-E54F-8DB0-0710F837BB10}" type="datetimeFigureOut">
               <a:rPr lang="en-US" smtClean="0"/>
-              <a:t>3/20/18</a:t>
+              <a:t>4/21/20</a:t>
             </a:fld>
             <a:endParaRPr lang="en-US"/>
           </a:p>
@@ -930,10 +938,9 @@
           <a:lstStyle/>
           <a:p>
             <a:r>
-              <a:rPr lang="en-US" smtClean="0"/>
+              <a:rPr lang="en-US"/>
               <a:t>Click to edit Master title style</a:t>
             </a:r>
-            <a:endParaRPr lang="en-US"/>
           </a:p>
         </p:txBody>
       </p:sp>
@@ -954,38 +961,37 @@
           <a:p>
             <a:pPr lvl="0"/>
             <a:r>
-              <a:rPr lang="en-US" smtClean="0"/>
+              <a:rPr lang="en-US"/>
               <a:t>Click to edit Master text styles</a:t>
             </a:r>
           </a:p>
           <a:p>
             <a:pPr lvl="1"/>
             <a:r>
-              <a:rPr lang="en-US" smtClean="0"/>
+              <a:rPr lang="en-US"/>
               <a:t>Second level</a:t>
             </a:r>
           </a:p>
           <a:p>
             <a:pPr lvl="2"/>
             <a:r>
-              <a:rPr lang="en-US" smtClean="0"/>
+              <a:rPr lang="en-US"/>
               <a:t>Third level</a:t>
             </a:r>
           </a:p>
           <a:p>
             <a:pPr lvl="3"/>
             <a:r>
-              <a:rPr lang="en-US" smtClean="0"/>
+              <a:rPr lang="en-US"/>
               <a:t>Fourth level</a:t>
             </a:r>
           </a:p>
           <a:p>
             <a:pPr lvl="4"/>
             <a:r>
-              <a:rPr lang="en-US" smtClean="0"/>
+              <a:rPr lang="en-US"/>
               <a:t>Fifth level</a:t>
             </a:r>
-            <a:endParaRPr lang="en-US"/>
           </a:p>
         </p:txBody>
       </p:sp>
@@ -1006,7 +1012,7 @@
           <a:p>
             <a:fld id="{0CC63279-749B-E54F-8DB0-0710F837BB10}" type="datetimeFigureOut">
               <a:rPr lang="en-US" smtClean="0"/>
-              <a:t>3/20/18</a:t>
+              <a:t>4/21/20</a:t>
             </a:fld>
             <a:endParaRPr lang="en-US"/>
           </a:p>
@@ -1105,10 +1111,9 @@
           <a:lstStyle/>
           <a:p>
             <a:r>
-              <a:rPr lang="en-US" smtClean="0"/>
+              <a:rPr lang="en-US"/>
               <a:t>Click to edit Master title style</a:t>
             </a:r>
-            <a:endParaRPr lang="en-US"/>
           </a:p>
         </p:txBody>
       </p:sp>
@@ -1134,38 +1139,37 @@
           <a:p>
             <a:pPr lvl="0"/>
             <a:r>
-              <a:rPr lang="en-US" smtClean="0"/>
+              <a:rPr lang="en-US"/>
               <a:t>Click to edit Master text styles</a:t>
             </a:r>
           </a:p>
           <a:p>
             <a:pPr lvl="1"/>
             <a:r>
-              <a:rPr lang="en-US" smtClean="0"/>
+              <a:rPr lang="en-US"/>
               <a:t>Second level</a:t>
             </a:r>
           </a:p>
           <a:p>
             <a:pPr lvl="2"/>
             <a:r>
-              <a:rPr lang="en-US" smtClean="0"/>
+              <a:rPr lang="en-US"/>
               <a:t>Third level</a:t>
             </a:r>
           </a:p>
           <a:p>
             <a:pPr lvl="3"/>
             <a:r>
-              <a:rPr lang="en-US" smtClean="0"/>
+              <a:rPr lang="en-US"/>
               <a:t>Fourth level</a:t>
             </a:r>
           </a:p>
           <a:p>
             <a:pPr lvl="4"/>
             <a:r>
-              <a:rPr lang="en-US" smtClean="0"/>
+              <a:rPr lang="en-US"/>
               <a:t>Fifth level</a:t>
             </a:r>
-            <a:endParaRPr lang="en-US"/>
           </a:p>
         </p:txBody>
       </p:sp>
@@ -1186,7 +1190,7 @@
           <a:p>
             <a:fld id="{0CC63279-749B-E54F-8DB0-0710F837BB10}" type="datetimeFigureOut">
               <a:rPr lang="en-US" smtClean="0"/>
-              <a:t>3/20/18</a:t>
+              <a:t>4/21/20</a:t>
             </a:fld>
             <a:endParaRPr lang="en-US"/>
           </a:p>
@@ -1280,10 +1284,9 @@
           <a:lstStyle/>
           <a:p>
             <a:r>
-              <a:rPr lang="en-US" smtClean="0"/>
+              <a:rPr lang="en-US"/>
               <a:t>Click to edit Master title style</a:t>
             </a:r>
-            <a:endParaRPr lang="en-US"/>
           </a:p>
         </p:txBody>
       </p:sp>
@@ -1304,38 +1307,37 @@
           <a:p>
             <a:pPr lvl="0"/>
             <a:r>
-              <a:rPr lang="en-US" smtClean="0"/>
+              <a:rPr lang="en-US"/>
               <a:t>Click to edit Master text styles</a:t>
             </a:r>
           </a:p>
           <a:p>
             <a:pPr lvl="1"/>
             <a:r>
-              <a:rPr lang="en-US" smtClean="0"/>
+              <a:rPr lang="en-US"/>
               <a:t>Second level</a:t>
             </a:r>
           </a:p>
           <a:p>
             <a:pPr lvl="2"/>
             <a:r>
-              <a:rPr lang="en-US" smtClean="0"/>
+              <a:rPr lang="en-US"/>
               <a:t>Third level</a:t>
             </a:r>
           </a:p>
           <a:p>
             <a:pPr lvl="3"/>
             <a:r>
-              <a:rPr lang="en-US" smtClean="0"/>
+              <a:rPr lang="en-US"/>
               <a:t>Fourth level</a:t>
             </a:r>
           </a:p>
           <a:p>
             <a:pPr lvl="4"/>
             <a:r>
-              <a:rPr lang="en-US" smtClean="0"/>
+              <a:rPr lang="en-US"/>
               <a:t>Fifth level</a:t>
             </a:r>
-            <a:endParaRPr lang="en-US"/>
           </a:p>
         </p:txBody>
       </p:sp>
@@ -1356,7 +1358,7 @@
           <a:p>
             <a:fld id="{0CC63279-749B-E54F-8DB0-0710F837BB10}" type="datetimeFigureOut">
               <a:rPr lang="en-US" smtClean="0"/>
-              <a:t>3/20/18</a:t>
+              <a:t>4/21/20</a:t>
             </a:fld>
             <a:endParaRPr lang="en-US"/>
           </a:p>
@@ -1459,10 +1461,9 @@
           </a:lstStyle>
           <a:p>
             <a:r>
-              <a:rPr lang="en-US" smtClean="0"/>
+              <a:rPr lang="en-US"/>
               <a:t>Click to edit Master title style</a:t>
             </a:r>
-            <a:endParaRPr lang="en-US"/>
           </a:p>
         </p:txBody>
       </p:sp>
@@ -1579,7 +1580,7 @@
           <a:p>
             <a:pPr lvl="0"/>
             <a:r>
-              <a:rPr lang="en-US" smtClean="0"/>
+              <a:rPr lang="en-US"/>
               <a:t>Click to edit Master text styles</a:t>
             </a:r>
           </a:p>
@@ -1602,7 +1603,7 @@
           <a:p>
             <a:fld id="{0CC63279-749B-E54F-8DB0-0710F837BB10}" type="datetimeFigureOut">
               <a:rPr lang="en-US" smtClean="0"/>
-              <a:t>3/20/18</a:t>
+              <a:t>4/21/20</a:t>
             </a:fld>
             <a:endParaRPr lang="en-US"/>
           </a:p>
@@ -1696,10 +1697,9 @@
           <a:lstStyle/>
           <a:p>
             <a:r>
-              <a:rPr lang="en-US" smtClean="0"/>
+              <a:rPr lang="en-US"/>
               <a:t>Click to edit Master title style</a:t>
             </a:r>
-            <a:endParaRPr lang="en-US"/>
           </a:p>
         </p:txBody>
       </p:sp>
@@ -1753,38 +1753,37 @@
           <a:p>
             <a:pPr lvl="0"/>
             <a:r>
-              <a:rPr lang="en-US" smtClean="0"/>
+              <a:rPr lang="en-US"/>
               <a:t>Click to edit Master text styles</a:t>
             </a:r>
           </a:p>
           <a:p>
             <a:pPr lvl="1"/>
             <a:r>
-              <a:rPr lang="en-US" smtClean="0"/>
+              <a:rPr lang="en-US"/>
               <a:t>Second level</a:t>
             </a:r>
           </a:p>
           <a:p>
             <a:pPr lvl="2"/>
             <a:r>
-              <a:rPr lang="en-US" smtClean="0"/>
+              <a:rPr lang="en-US"/>
               <a:t>Third level</a:t>
             </a:r>
           </a:p>
           <a:p>
             <a:pPr lvl="3"/>
             <a:r>
-              <a:rPr lang="en-US" smtClean="0"/>
+              <a:rPr lang="en-US"/>
               <a:t>Fourth level</a:t>
             </a:r>
           </a:p>
           <a:p>
             <a:pPr lvl="4"/>
             <a:r>
-              <a:rPr lang="en-US" smtClean="0"/>
+              <a:rPr lang="en-US"/>
               <a:t>Fifth level</a:t>
             </a:r>
-            <a:endParaRPr lang="en-US"/>
           </a:p>
         </p:txBody>
       </p:sp>
@@ -1838,38 +1837,37 @@
           <a:p>
             <a:pPr lvl="0"/>
             <a:r>
-              <a:rPr lang="en-US" smtClean="0"/>
+              <a:rPr lang="en-US"/>
               <a:t>Click to edit Master text styles</a:t>
             </a:r>
           </a:p>
           <a:p>
             <a:pPr lvl="1"/>
             <a:r>
-              <a:rPr lang="en-US" smtClean="0"/>
+              <a:rPr lang="en-US"/>
               <a:t>Second level</a:t>
             </a:r>
           </a:p>
           <a:p>
             <a:pPr lvl="2"/>
             <a:r>
-              <a:rPr lang="en-US" smtClean="0"/>
+              <a:rPr lang="en-US"/>
               <a:t>Third level</a:t>
             </a:r>
           </a:p>
           <a:p>
             <a:pPr lvl="3"/>
             <a:r>
-              <a:rPr lang="en-US" smtClean="0"/>
+              <a:rPr lang="en-US"/>
               <a:t>Fourth level</a:t>
             </a:r>
           </a:p>
           <a:p>
             <a:pPr lvl="4"/>
             <a:r>
-              <a:rPr lang="en-US" smtClean="0"/>
+              <a:rPr lang="en-US"/>
               <a:t>Fifth level</a:t>
             </a:r>
-            <a:endParaRPr lang="en-US"/>
           </a:p>
         </p:txBody>
       </p:sp>
@@ -1890,7 +1888,7 @@
           <a:p>
             <a:fld id="{0CC63279-749B-E54F-8DB0-0710F837BB10}" type="datetimeFigureOut">
               <a:rPr lang="en-US" smtClean="0"/>
-              <a:t>3/20/18</a:t>
+              <a:t>4/21/20</a:t>
             </a:fld>
             <a:endParaRPr lang="en-US"/>
           </a:p>
@@ -1988,10 +1986,9 @@
           </a:lstStyle>
           <a:p>
             <a:r>
-              <a:rPr lang="en-US" smtClean="0"/>
+              <a:rPr lang="en-US"/>
               <a:t>Click to edit Master title style</a:t>
             </a:r>
-            <a:endParaRPr lang="en-US"/>
           </a:p>
         </p:txBody>
       </p:sp>
@@ -2054,7 +2051,7 @@
           <a:p>
             <a:pPr lvl="0"/>
             <a:r>
-              <a:rPr lang="en-US" smtClean="0"/>
+              <a:rPr lang="en-US"/>
               <a:t>Click to edit Master text styles</a:t>
             </a:r>
           </a:p>
@@ -2110,38 +2107,37 @@
           <a:p>
             <a:pPr lvl="0"/>
             <a:r>
-              <a:rPr lang="en-US" smtClean="0"/>
+              <a:rPr lang="en-US"/>
               <a:t>Click to edit Master text styles</a:t>
             </a:r>
           </a:p>
           <a:p>
             <a:pPr lvl="1"/>
             <a:r>
-              <a:rPr lang="en-US" smtClean="0"/>
+              <a:rPr lang="en-US"/>
               <a:t>Second level</a:t>
             </a:r>
           </a:p>
           <a:p>
             <a:pPr lvl="2"/>
             <a:r>
-              <a:rPr lang="en-US" smtClean="0"/>
+              <a:rPr lang="en-US"/>
               <a:t>Third level</a:t>
             </a:r>
           </a:p>
           <a:p>
             <a:pPr lvl="3"/>
             <a:r>
-              <a:rPr lang="en-US" smtClean="0"/>
+              <a:rPr lang="en-US"/>
               <a:t>Fourth level</a:t>
             </a:r>
           </a:p>
           <a:p>
             <a:pPr lvl="4"/>
             <a:r>
-              <a:rPr lang="en-US" smtClean="0"/>
+              <a:rPr lang="en-US"/>
               <a:t>Fifth level</a:t>
             </a:r>
-            <a:endParaRPr lang="en-US"/>
           </a:p>
         </p:txBody>
       </p:sp>
@@ -2204,7 +2200,7 @@
           <a:p>
             <a:pPr lvl="0"/>
             <a:r>
-              <a:rPr lang="en-US" smtClean="0"/>
+              <a:rPr lang="en-US"/>
               <a:t>Click to edit Master text styles</a:t>
             </a:r>
           </a:p>
@@ -2260,38 +2256,37 @@
           <a:p>
             <a:pPr lvl="0"/>
             <a:r>
-              <a:rPr lang="en-US" smtClean="0"/>
+              <a:rPr lang="en-US"/>
               <a:t>Click to edit Master text styles</a:t>
             </a:r>
           </a:p>
           <a:p>
             <a:pPr lvl="1"/>
             <a:r>
-              <a:rPr lang="en-US" smtClean="0"/>
+              <a:rPr lang="en-US"/>
               <a:t>Second level</a:t>
             </a:r>
           </a:p>
           <a:p>
             <a:pPr lvl="2"/>
             <a:r>
-              <a:rPr lang="en-US" smtClean="0"/>
+              <a:rPr lang="en-US"/>
               <a:t>Third level</a:t>
             </a:r>
           </a:p>
           <a:p>
             <a:pPr lvl="3"/>
             <a:r>
-              <a:rPr lang="en-US" smtClean="0"/>
+              <a:rPr lang="en-US"/>
               <a:t>Fourth level</a:t>
             </a:r>
           </a:p>
           <a:p>
             <a:pPr lvl="4"/>
             <a:r>
-              <a:rPr lang="en-US" smtClean="0"/>
+              <a:rPr lang="en-US"/>
               <a:t>Fifth level</a:t>
             </a:r>
-            <a:endParaRPr lang="en-US"/>
           </a:p>
         </p:txBody>
       </p:sp>
@@ -2312,7 +2307,7 @@
           <a:p>
             <a:fld id="{0CC63279-749B-E54F-8DB0-0710F837BB10}" type="datetimeFigureOut">
               <a:rPr lang="en-US" smtClean="0"/>
-              <a:t>3/20/18</a:t>
+              <a:t>4/21/20</a:t>
             </a:fld>
             <a:endParaRPr lang="en-US"/>
           </a:p>
@@ -2406,10 +2401,9 @@
           <a:lstStyle/>
           <a:p>
             <a:r>
-              <a:rPr lang="en-US" smtClean="0"/>
+              <a:rPr lang="en-US"/>
               <a:t>Click to edit Master title style</a:t>
             </a:r>
-            <a:endParaRPr lang="en-US"/>
           </a:p>
         </p:txBody>
       </p:sp>
@@ -2430,7 +2424,7 @@
           <a:p>
             <a:fld id="{0CC63279-749B-E54F-8DB0-0710F837BB10}" type="datetimeFigureOut">
               <a:rPr lang="en-US" smtClean="0"/>
-              <a:t>3/20/18</a:t>
+              <a:t>4/21/20</a:t>
             </a:fld>
             <a:endParaRPr lang="en-US"/>
           </a:p>
@@ -2525,7 +2519,7 @@
           <a:p>
             <a:fld id="{0CC63279-749B-E54F-8DB0-0710F837BB10}" type="datetimeFigureOut">
               <a:rPr lang="en-US" smtClean="0"/>
-              <a:t>3/20/18</a:t>
+              <a:t>4/21/20</a:t>
             </a:fld>
             <a:endParaRPr lang="en-US"/>
           </a:p>
@@ -2628,10 +2622,9 @@
           </a:lstStyle>
           <a:p>
             <a:r>
-              <a:rPr lang="en-US" smtClean="0"/>
+              <a:rPr lang="en-US"/>
               <a:t>Click to edit Master title style</a:t>
             </a:r>
-            <a:endParaRPr lang="en-US"/>
           </a:p>
         </p:txBody>
       </p:sp>
@@ -2685,38 +2678,37 @@
           <a:p>
             <a:pPr lvl="0"/>
             <a:r>
-              <a:rPr lang="en-US" smtClean="0"/>
+              <a:rPr lang="en-US"/>
               <a:t>Click to edit Master text styles</a:t>
             </a:r>
           </a:p>
           <a:p>
             <a:pPr lvl="1"/>
             <a:r>
-              <a:rPr lang="en-US" smtClean="0"/>
+              <a:rPr lang="en-US"/>
               <a:t>Second level</a:t>
             </a:r>
           </a:p>
           <a:p>
             <a:pPr lvl="2"/>
             <a:r>
-              <a:rPr lang="en-US" smtClean="0"/>
+              <a:rPr lang="en-US"/>
               <a:t>Third level</a:t>
             </a:r>
           </a:p>
           <a:p>
             <a:pPr lvl="3"/>
             <a:r>
-              <a:rPr lang="en-US" smtClean="0"/>
+              <a:rPr lang="en-US"/>
               <a:t>Fourth level</a:t>
             </a:r>
           </a:p>
           <a:p>
             <a:pPr lvl="4"/>
             <a:r>
-              <a:rPr lang="en-US" smtClean="0"/>
+              <a:rPr lang="en-US"/>
               <a:t>Fifth level</a:t>
             </a:r>
-            <a:endParaRPr lang="en-US"/>
           </a:p>
         </p:txBody>
       </p:sp>
@@ -2779,7 +2771,7 @@
           <a:p>
             <a:pPr lvl="0"/>
             <a:r>
-              <a:rPr lang="en-US" smtClean="0"/>
+              <a:rPr lang="en-US"/>
               <a:t>Click to edit Master text styles</a:t>
             </a:r>
           </a:p>
@@ -2802,7 +2794,7 @@
           <a:p>
             <a:fld id="{0CC63279-749B-E54F-8DB0-0710F837BB10}" type="datetimeFigureOut">
               <a:rPr lang="en-US" smtClean="0"/>
-              <a:t>3/20/18</a:t>
+              <a:t>4/21/20</a:t>
             </a:fld>
             <a:endParaRPr lang="en-US"/>
           </a:p>
@@ -2905,10 +2897,9 @@
           </a:lstStyle>
           <a:p>
             <a:r>
-              <a:rPr lang="en-US" smtClean="0"/>
+              <a:rPr lang="en-US"/>
               <a:t>Click to edit Master title style</a:t>
             </a:r>
-            <a:endParaRPr lang="en-US"/>
           </a:p>
         </p:txBody>
       </p:sp>
@@ -3032,7 +3023,7 @@
           <a:p>
             <a:pPr lvl="0"/>
             <a:r>
-              <a:rPr lang="en-US" smtClean="0"/>
+              <a:rPr lang="en-US"/>
               <a:t>Click to edit Master text styles</a:t>
             </a:r>
           </a:p>
@@ -3055,7 +3046,7 @@
           <a:p>
             <a:fld id="{0CC63279-749B-E54F-8DB0-0710F837BB10}" type="datetimeFigureOut">
               <a:rPr lang="en-US" smtClean="0"/>
-              <a:t>3/20/18</a:t>
+              <a:t>4/21/20</a:t>
             </a:fld>
             <a:endParaRPr lang="en-US"/>
           </a:p>
@@ -3164,10 +3155,9 @@
           <a:lstStyle/>
           <a:p>
             <a:r>
-              <a:rPr lang="en-US" smtClean="0"/>
+              <a:rPr lang="en-US"/>
               <a:t>Click to edit Master title style</a:t>
             </a:r>
-            <a:endParaRPr lang="en-US"/>
           </a:p>
         </p:txBody>
       </p:sp>
@@ -3198,38 +3188,37 @@
           <a:p>
             <a:pPr lvl="0"/>
             <a:r>
-              <a:rPr lang="en-US" smtClean="0"/>
+              <a:rPr lang="en-US"/>
               <a:t>Click to edit Master text styles</a:t>
             </a:r>
           </a:p>
           <a:p>
             <a:pPr lvl="1"/>
             <a:r>
-              <a:rPr lang="en-US" smtClean="0"/>
+              <a:rPr lang="en-US"/>
               <a:t>Second level</a:t>
             </a:r>
           </a:p>
           <a:p>
             <a:pPr lvl="2"/>
             <a:r>
-              <a:rPr lang="en-US" smtClean="0"/>
+              <a:rPr lang="en-US"/>
               <a:t>Third level</a:t>
             </a:r>
           </a:p>
           <a:p>
             <a:pPr lvl="3"/>
             <a:r>
-              <a:rPr lang="en-US" smtClean="0"/>
+              <a:rPr lang="en-US"/>
               <a:t>Fourth level</a:t>
             </a:r>
           </a:p>
           <a:p>
             <a:pPr lvl="4"/>
             <a:r>
-              <a:rPr lang="en-US" smtClean="0"/>
+              <a:rPr lang="en-US"/>
               <a:t>Fifth level</a:t>
             </a:r>
-            <a:endParaRPr lang="en-US"/>
           </a:p>
         </p:txBody>
       </p:sp>
@@ -3268,7 +3257,7 @@
           <a:p>
             <a:fld id="{0CC63279-749B-E54F-8DB0-0710F837BB10}" type="datetimeFigureOut">
               <a:rPr lang="en-US" smtClean="0"/>
-              <a:t>3/20/18</a:t>
+              <a:t>4/21/20</a:t>
             </a:fld>
             <a:endParaRPr lang="en-US"/>
           </a:p>
@@ -3696,7 +3685,7 @@
               </a:tabLst>
             </a:pPr>
             <a:r>
-              <a:rPr lang="en-GB" sz="2600" dirty="0" smtClean="0">
+              <a:rPr lang="en-GB" sz="2600" dirty="0">
                 <a:solidFill>
                   <a:srgbClr val="000000"/>
                 </a:solidFill>
@@ -3705,7 +3694,7 @@
               <a:t>We are interested in </a:t>
             </a:r>
             <a:r>
-              <a:rPr lang="en-GB" sz="2600" b="1" i="1" u="sng" dirty="0" smtClean="0">
+              <a:rPr lang="en-GB" sz="2600" b="1" i="1" u="sng" dirty="0">
                 <a:solidFill>
                   <a:srgbClr val="000000"/>
                 </a:solidFill>
@@ -3714,7 +3703,7 @@
               <a:t>methods that produce</a:t>
             </a:r>
             <a:r>
-              <a:rPr lang="en-GB" sz="2600" dirty="0" smtClean="0">
+              <a:rPr lang="en-GB" sz="2600" dirty="0">
                 <a:solidFill>
                   <a:srgbClr val="000000"/>
                 </a:solidFill>
@@ -3810,7 +3799,7 @@
               </a:tabLst>
             </a:pPr>
             <a:r>
-              <a:rPr lang="en-GB" sz="2600" dirty="0" smtClean="0">
+              <a:rPr lang="en-GB" sz="2600" dirty="0">
                 <a:solidFill>
                   <a:srgbClr val="000000"/>
                 </a:solidFill>
@@ -3818,7 +3807,7 @@
               </a:rPr>
               <a:t>Common interval methods for:</a:t>
             </a:r>
-            <a:endParaRPr lang="en-GB" sz="2600" b="1" dirty="0" smtClean="0">
+            <a:endParaRPr lang="en-GB" sz="2600" b="1" dirty="0">
               <a:solidFill>
                 <a:srgbClr val="000000"/>
               </a:solidFill>
@@ -3848,7 +3837,7 @@
               </a:tabLst>
             </a:pPr>
             <a:r>
-              <a:rPr lang="en-GB" sz="2200" dirty="0" smtClean="0">
+              <a:rPr lang="en-GB" sz="2200" dirty="0">
                 <a:solidFill>
                   <a:srgbClr val="000000"/>
                 </a:solidFill>
@@ -3880,7 +3869,7 @@
               </a:tabLst>
             </a:pPr>
             <a:r>
-              <a:rPr lang="en-GB" sz="2200" dirty="0" smtClean="0">
+              <a:rPr lang="en-GB" sz="2200" dirty="0">
                 <a:solidFill>
                   <a:srgbClr val="000000"/>
                 </a:solidFill>
@@ -3912,7 +3901,7 @@
               </a:tabLst>
             </a:pPr>
             <a:r>
-              <a:rPr lang="en-GB" sz="2200" dirty="0" smtClean="0">
+              <a:rPr lang="en-GB" sz="2200" dirty="0">
                 <a:solidFill>
                   <a:srgbClr val="000000"/>
                 </a:solidFill>
@@ -3944,29 +3933,14 @@
               </a:tabLst>
             </a:pPr>
             <a:r>
-              <a:rPr lang="en-GB" sz="2200" dirty="0" smtClean="0">
+              <a:rPr lang="en-GB" sz="2200" dirty="0">
                 <a:solidFill>
                   <a:srgbClr val="000000"/>
                 </a:solidFill>
                 <a:latin typeface="Times New Roman" pitchFamily="18" charset="0"/>
               </a:rPr>
-              <a:t>Credibility/Probability intervals (Bayesian</a:t>
-            </a:r>
-            <a:r>
-              <a:rPr lang="en-GB" sz="2200" dirty="0">
-                <a:solidFill>
-                  <a:srgbClr val="000000"/>
-                </a:solidFill>
-                <a:latin typeface="Times New Roman" pitchFamily="18" charset="0"/>
-              </a:rPr>
-              <a:t>)</a:t>
-            </a:r>
-            <a:endParaRPr lang="en-GB" sz="2200" dirty="0" smtClean="0">
-              <a:solidFill>
-                <a:srgbClr val="000000"/>
-              </a:solidFill>
-              <a:latin typeface="Times New Roman" pitchFamily="18" charset="0"/>
-            </a:endParaRPr>
+              <a:t>Credibility/Probability intervals (Bayesian)</a:t>
+            </a:r>
           </a:p>
         </p:txBody>
       </p:sp>
@@ -4021,7 +3995,7 @@
               </a:tabLst>
             </a:pPr>
             <a:r>
-              <a:rPr lang="en-US" sz="4000" dirty="0" smtClean="0">
+              <a:rPr lang="en-US" sz="4000" dirty="0">
                 <a:solidFill>
                   <a:schemeClr val="tx1"/>
                 </a:solidFill>
@@ -4083,7 +4057,7 @@
               </a:tabLst>
             </a:pPr>
             <a:r>
-              <a:rPr lang="en-GB" sz="2400" dirty="0" smtClean="0">
+              <a:rPr lang="en-GB" sz="2400" dirty="0">
                 <a:solidFill>
                   <a:srgbClr val="000000"/>
                 </a:solidFill>
@@ -4092,7 +4066,7 @@
               <a:t>Given the assumptions of the methods are satisfied, the interval covers the true value of the parameter </a:t>
             </a:r>
             <a:r>
-              <a:rPr lang="en-GB" sz="2400" b="1" i="1" u="sng" dirty="0" smtClean="0">
+              <a:rPr lang="en-GB" sz="2400" b="1" i="1" u="sng" dirty="0">
                 <a:solidFill>
                   <a:srgbClr val="000000"/>
                 </a:solidFill>
@@ -4101,7 +4075,7 @@
               <a:t>with (approximate) probability at least</a:t>
             </a:r>
             <a:r>
-              <a:rPr lang="en-GB" sz="2400" dirty="0" smtClean="0">
+              <a:rPr lang="en-GB" sz="2400" dirty="0">
                 <a:solidFill>
                   <a:srgbClr val="000000"/>
                 </a:solidFill>
@@ -4110,7 +4084,7 @@
               <a:t> 1 – </a:t>
             </a:r>
             <a:r>
-              <a:rPr lang="en-GB" sz="2400" dirty="0" smtClean="0">
+              <a:rPr lang="en-GB" sz="2400" dirty="0">
                 <a:solidFill>
                   <a:srgbClr val="000000"/>
                 </a:solidFill>
@@ -4120,7 +4094,7 @@
               <a:t>a</a:t>
             </a:r>
             <a:r>
-              <a:rPr lang="en-GB" sz="2400" dirty="0" smtClean="0">
+              <a:rPr lang="en-GB" sz="2400" dirty="0">
                 <a:solidFill>
                   <a:srgbClr val="000000"/>
                 </a:solidFill>
@@ -4188,72 +4162,6 @@
           </a:fontRef>
         </p:style>
       </p:cxnSp>
-      <p:cxnSp>
-        <p:nvCxnSpPr>
-          <p:cNvPr id="12" name="Straight Arrow Connector 11"/>
-          <p:cNvCxnSpPr/>
-          <p:nvPr/>
-        </p:nvCxnSpPr>
-        <p:spPr>
-          <a:xfrm flipH="1">
-            <a:off x="3890214" y="5245754"/>
-            <a:ext cx="1191130" cy="13368"/>
-          </a:xfrm>
-          <a:prstGeom prst="straightConnector1">
-            <a:avLst/>
-          </a:prstGeom>
-          <a:ln>
-            <a:tailEnd type="arrow"/>
-          </a:ln>
-        </p:spPr>
-        <p:style>
-          <a:lnRef idx="2">
-            <a:schemeClr val="accent1"/>
-          </a:lnRef>
-          <a:fillRef idx="0">
-            <a:schemeClr val="accent1"/>
-          </a:fillRef>
-          <a:effectRef idx="1">
-            <a:schemeClr val="accent1"/>
-          </a:effectRef>
-          <a:fontRef idx="minor">
-            <a:schemeClr val="tx1"/>
-          </a:fontRef>
-        </p:style>
-      </p:cxnSp>
-      <p:cxnSp>
-        <p:nvCxnSpPr>
-          <p:cNvPr id="13" name="Straight Arrow Connector 12"/>
-          <p:cNvCxnSpPr/>
-          <p:nvPr/>
-        </p:nvCxnSpPr>
-        <p:spPr>
-          <a:xfrm flipH="1">
-            <a:off x="3890214" y="5732365"/>
-            <a:ext cx="1191130" cy="13368"/>
-          </a:xfrm>
-          <a:prstGeom prst="straightConnector1">
-            <a:avLst/>
-          </a:prstGeom>
-          <a:ln>
-            <a:tailEnd type="arrow"/>
-          </a:ln>
-        </p:spPr>
-        <p:style>
-          <a:lnRef idx="2">
-            <a:schemeClr val="accent1"/>
-          </a:lnRef>
-          <a:fillRef idx="0">
-            <a:schemeClr val="accent1"/>
-          </a:fillRef>
-          <a:effectRef idx="1">
-            <a:schemeClr val="accent1"/>
-          </a:effectRef>
-          <a:fontRef idx="minor">
-            <a:schemeClr val="tx1"/>
-          </a:fontRef>
-        </p:style>
-      </p:cxnSp>
     </p:spTree>
     <p:extLst>
       <p:ext uri="{BB962C8B-B14F-4D97-AF65-F5344CB8AC3E}">
@@ -4267,7 +4175,7 @@
   <p:timing>
     <p:tnLst>
       <p:par>
-        <p:cTn xmlns:p14="http://schemas.microsoft.com/office/powerpoint/2010/main" id="1" dur="indefinite" restart="never" nodeType="tmRoot">
+        <p:cTn id="1" dur="indefinite" restart="never" nodeType="tmRoot">
           <p:childTnLst>
             <p:seq concurrent="1" nextAc="seek">
               <p:cTn id="2" dur="indefinite" nodeType="mainSeq">
@@ -4518,152 +4426,6 @@
                                         <p:cTn id="20" dur="500" fill="hold"/>
                                         <p:tgtEl>
                                           <p:spTgt spid="9"/>
-                                        </p:tgtEl>
-                                        <p:attrNameLst>
-                                          <p:attrName>ppt_y</p:attrName>
-                                        </p:attrNameLst>
-                                      </p:cBhvr>
-                                      <p:tavLst>
-                                        <p:tav tm="0">
-                                          <p:val>
-                                            <p:strVal val="1+#ppt_h/2"/>
-                                          </p:val>
-                                        </p:tav>
-                                        <p:tav tm="100000">
-                                          <p:val>
-                                            <p:strVal val="#ppt_y"/>
-                                          </p:val>
-                                        </p:tav>
-                                      </p:tavLst>
-                                    </p:anim>
-                                  </p:childTnLst>
-                                </p:cTn>
-                              </p:par>
-                              <p:par>
-                                <p:cTn id="21" presetID="2" presetClass="entr" presetSubtype="4" fill="hold" nodeType="withEffect">
-                                  <p:stCondLst>
-                                    <p:cond delay="0"/>
-                                  </p:stCondLst>
-                                  <p:childTnLst>
-                                    <p:set>
-                                      <p:cBhvr>
-                                        <p:cTn id="22" dur="1" fill="hold">
-                                          <p:stCondLst>
-                                            <p:cond delay="0"/>
-                                          </p:stCondLst>
-                                        </p:cTn>
-                                        <p:tgtEl>
-                                          <p:spTgt spid="12"/>
-                                        </p:tgtEl>
-                                        <p:attrNameLst>
-                                          <p:attrName>style.visibility</p:attrName>
-                                        </p:attrNameLst>
-                                      </p:cBhvr>
-                                      <p:to>
-                                        <p:strVal val="visible"/>
-                                      </p:to>
-                                    </p:set>
-                                    <p:anim calcmode="lin" valueType="num">
-                                      <p:cBhvr additive="base">
-                                        <p:cTn id="23" dur="500" fill="hold"/>
-                                        <p:tgtEl>
-                                          <p:spTgt spid="12"/>
-                                        </p:tgtEl>
-                                        <p:attrNameLst>
-                                          <p:attrName>ppt_x</p:attrName>
-                                        </p:attrNameLst>
-                                      </p:cBhvr>
-                                      <p:tavLst>
-                                        <p:tav tm="0">
-                                          <p:val>
-                                            <p:strVal val="#ppt_x"/>
-                                          </p:val>
-                                        </p:tav>
-                                        <p:tav tm="100000">
-                                          <p:val>
-                                            <p:strVal val="#ppt_x"/>
-                                          </p:val>
-                                        </p:tav>
-                                      </p:tavLst>
-                                    </p:anim>
-                                    <p:anim calcmode="lin" valueType="num">
-                                      <p:cBhvr additive="base">
-                                        <p:cTn id="24" dur="500" fill="hold"/>
-                                        <p:tgtEl>
-                                          <p:spTgt spid="12"/>
-                                        </p:tgtEl>
-                                        <p:attrNameLst>
-                                          <p:attrName>ppt_y</p:attrName>
-                                        </p:attrNameLst>
-                                      </p:cBhvr>
-                                      <p:tavLst>
-                                        <p:tav tm="0">
-                                          <p:val>
-                                            <p:strVal val="1+#ppt_h/2"/>
-                                          </p:val>
-                                        </p:tav>
-                                        <p:tav tm="100000">
-                                          <p:val>
-                                            <p:strVal val="#ppt_y"/>
-                                          </p:val>
-                                        </p:tav>
-                                      </p:tavLst>
-                                    </p:anim>
-                                  </p:childTnLst>
-                                </p:cTn>
-                              </p:par>
-                              <p:par>
-                                <p:cTn id="25" presetID="2" presetClass="entr" presetSubtype="4" fill="hold" nodeType="withEffect">
-                                  <p:stCondLst>
-                                    <p:cond delay="0"/>
-                                  </p:stCondLst>
-                                  <p:childTnLst>
-                                    <p:set>
-                                      <p:cBhvr>
-                                        <p:cTn id="26" dur="1" fill="hold">
-                                          <p:stCondLst>
-                                            <p:cond delay="0"/>
-                                          </p:stCondLst>
-                                        </p:cTn>
-                                        <p:tgtEl>
-                                          <p:spTgt spid="13"/>
-                                        </p:tgtEl>
-                                        <p:attrNameLst>
-                                          <p:attrName>style.visibility</p:attrName>
-                                        </p:attrNameLst>
-                                      </p:cBhvr>
-                                      <p:to>
-                                        <p:strVal val="visible"/>
-                                      </p:to>
-                                    </p:set>
-                                    <p:anim calcmode="lin" valueType="num">
-                                      <p:cBhvr additive="base">
-                                        <p:cTn id="27" dur="500" fill="hold"/>
-                                        <p:tgtEl>
-                                          <p:spTgt spid="13"/>
-                                        </p:tgtEl>
-                                        <p:attrNameLst>
-                                          <p:attrName>ppt_x</p:attrName>
-                                        </p:attrNameLst>
-                                      </p:cBhvr>
-                                      <p:tavLst>
-                                        <p:tav tm="0">
-                                          <p:val>
-                                            <p:strVal val="#ppt_x"/>
-                                          </p:val>
-                                        </p:tav>
-                                        <p:tav tm="100000">
-                                          <p:val>
-                                            <p:strVal val="#ppt_x"/>
-                                          </p:val>
-                                        </p:tav>
-                                      </p:tavLst>
-                                    </p:anim>
-                                    <p:anim calcmode="lin" valueType="num">
-                                      <p:cBhvr additive="base">
-                                        <p:cTn id="28" dur="500" fill="hold"/>
-                                        <p:tgtEl>
-                                          <p:spTgt spid="13"/>
                                         </p:tgtEl>
                                         <p:attrNameLst>
                                           <p:attrName>ppt_y</p:attrName>
@@ -4790,7 +4552,7 @@
               </a:tabLst>
             </a:pPr>
             <a:r>
-              <a:rPr lang="en-GB" sz="3200" dirty="0" smtClean="0">
+              <a:rPr lang="en-GB" sz="3200" dirty="0">
                 <a:solidFill>
                   <a:srgbClr val="000000"/>
                 </a:solidFill>
@@ -4799,7 +4561,7 @@
               <a:t>Construction of a </a:t>
             </a:r>
             <a:r>
-              <a:rPr lang="en-GB" sz="3200" b="1" dirty="0" smtClean="0">
+              <a:rPr lang="en-GB" sz="3200" b="1" dirty="0">
                 <a:solidFill>
                   <a:srgbClr val="000000"/>
                 </a:solidFill>
@@ -4808,7 +4570,7 @@
               <a:t>CI for a mean </a:t>
             </a:r>
             <a:r>
-              <a:rPr lang="en-GB" sz="3200" dirty="0" smtClean="0">
+              <a:rPr lang="en-GB" sz="3200" dirty="0">
                 <a:solidFill>
                   <a:srgbClr val="000000"/>
                 </a:solidFill>
@@ -4869,7 +4631,7 @@
               </a:tabLst>
             </a:pPr>
             <a:r>
-              <a:rPr lang="en-GB" sz="4000" dirty="0" smtClean="0">
+              <a:rPr lang="en-GB" sz="4000" dirty="0">
                 <a:solidFill>
                   <a:srgbClr val="000000"/>
                 </a:solidFill>
@@ -4877,12 +4639,6 @@
               </a:rPr>
               <a:t>Confidence Intervals</a:t>
             </a:r>
-            <a:endParaRPr lang="en-GB" sz="4000" dirty="0">
-              <a:solidFill>
-                <a:srgbClr val="000000"/>
-              </a:solidFill>
-              <a:latin typeface="Times New Roman" pitchFamily="18" charset="0"/>
-            </a:endParaRPr>
           </a:p>
         </p:txBody>
       </p:sp>
@@ -4971,7 +4727,7 @@
               </a:tabLst>
             </a:pPr>
             <a:r>
-              <a:rPr lang="en-GB" sz="2800" dirty="0" smtClean="0">
+              <a:rPr lang="en-GB" sz="2800" dirty="0">
                 <a:solidFill>
                   <a:srgbClr val="000000"/>
                 </a:solidFill>
@@ -5035,7 +4791,7 @@
               </a:tabLst>
             </a:pPr>
             <a:r>
-              <a:rPr lang="en-GB" sz="2800" dirty="0" smtClean="0">
+              <a:rPr lang="en-GB" sz="2800" dirty="0">
                 <a:solidFill>
                   <a:srgbClr val="000000"/>
                 </a:solidFill>
@@ -5044,7 +4800,7 @@
               <a:t>Level of confidence 1-</a:t>
             </a:r>
             <a:r>
-              <a:rPr lang="en-US" sz="2800" dirty="0" smtClean="0">
+              <a:rPr lang="en-US" sz="2800" dirty="0">
                 <a:solidFill>
                   <a:schemeClr val="tx1"/>
                 </a:solidFill>
@@ -5053,7 +4809,7 @@
               </a:rPr>
               <a:t>α</a:t>
             </a:r>
-            <a:endParaRPr lang="en-GB" sz="2800" dirty="0" smtClean="0">
+            <a:endParaRPr lang="en-GB" sz="2800" dirty="0">
               <a:solidFill>
                 <a:srgbClr val="000000"/>
               </a:solidFill>
@@ -5086,7 +4842,7 @@
               </a:tabLst>
             </a:pPr>
             <a:r>
-              <a:rPr lang="en-US" sz="2400" dirty="0" smtClean="0">
+              <a:rPr lang="en-US" sz="2400" dirty="0">
                 <a:solidFill>
                   <a:schemeClr val="tx1"/>
                 </a:solidFill>
@@ -5096,7 +4852,7 @@
               <a:t>α </a:t>
             </a:r>
             <a:r>
-              <a:rPr lang="en-GB" sz="2600" dirty="0" smtClean="0">
+              <a:rPr lang="en-GB" sz="2600" dirty="0">
                 <a:solidFill>
                   <a:srgbClr val="000000"/>
                 </a:solidFill>
@@ -5131,7 +4887,7 @@
               </a:tabLst>
             </a:pPr>
             <a:r>
-              <a:rPr lang="en-GB" sz="2600" dirty="0" smtClean="0">
+              <a:rPr lang="en-GB" sz="2600" dirty="0">
                 <a:solidFill>
                   <a:srgbClr val="000000"/>
                 </a:solidFill>
@@ -5140,7 +4896,7 @@
               <a:t>Use </a:t>
             </a:r>
             <a:r>
-              <a:rPr lang="en-US" sz="2400" dirty="0" smtClean="0">
+              <a:rPr lang="en-US" sz="2400" dirty="0">
                 <a:solidFill>
                   <a:schemeClr val="tx1"/>
                 </a:solidFill>
@@ -5150,7 +4906,7 @@
               <a:t>α </a:t>
             </a:r>
             <a:r>
-              <a:rPr lang="en-GB" sz="2600" dirty="0" smtClean="0">
+              <a:rPr lang="en-GB" sz="2600" dirty="0">
                 <a:solidFill>
                   <a:srgbClr val="000000"/>
                 </a:solidFill>
@@ -5159,7 +4915,7 @@
               <a:t>to compute </a:t>
             </a:r>
             <a:r>
-              <a:rPr lang="en-GB" sz="2600" i="1" dirty="0" smtClean="0">
+              <a:rPr lang="en-GB" sz="2600" i="1" dirty="0">
                 <a:solidFill>
                   <a:srgbClr val="000000"/>
                 </a:solidFill>
@@ -5168,7 +4924,7 @@
               <a:t>t</a:t>
             </a:r>
             <a:r>
-              <a:rPr lang="en-GB" sz="2600" i="1" baseline="-25000" dirty="0" smtClean="0">
+              <a:rPr lang="en-GB" sz="2600" i="1" baseline="-25000" dirty="0">
                 <a:solidFill>
                   <a:srgbClr val="000000"/>
                 </a:solidFill>
@@ -5177,29 +4933,14 @@
               <a:t>c</a:t>
             </a:r>
             <a:r>
-              <a:rPr lang="en-GB" sz="2600" dirty="0" smtClean="0">
+              <a:rPr lang="en-GB" sz="2600" dirty="0">
                 <a:solidFill>
                   <a:srgbClr val="000000"/>
                 </a:solidFill>
                 <a:latin typeface="Times New Roman" pitchFamily="18" charset="0"/>
               </a:rPr>
-              <a:t>-</a:t>
-            </a:r>
-            <a:r>
-              <a:rPr lang="en-GB" sz="2600" dirty="0" smtClean="0">
-                <a:solidFill>
-                  <a:srgbClr val="000000"/>
-                </a:solidFill>
-                <a:latin typeface="Times New Roman" pitchFamily="18" charset="0"/>
-              </a:rPr>
-              <a:t>value</a:t>
-            </a:r>
-            <a:endParaRPr lang="en-GB" sz="2600" dirty="0" smtClean="0">
-              <a:solidFill>
-                <a:srgbClr val="000000"/>
-              </a:solidFill>
-              <a:latin typeface="Times New Roman" pitchFamily="18" charset="0"/>
-            </a:endParaRPr>
+              <a:t>-value</a:t>
+            </a:r>
           </a:p>
         </p:txBody>
       </p:sp>
@@ -5256,7 +4997,7 @@
               </a:tabLst>
             </a:pPr>
             <a:r>
-              <a:rPr lang="en-US" sz="2800" dirty="0" smtClean="0">
+              <a:rPr lang="en-US" sz="2800" dirty="0">
                 <a:solidFill>
                   <a:schemeClr val="tx1"/>
                 </a:solidFill>
@@ -5266,14 +5007,14 @@
               <a:t>(1-α)×100% CI for population mean using a sample </a:t>
             </a:r>
             <a:r>
-              <a:rPr lang="en-US" sz="2800" dirty="0" smtClean="0">
+              <a:rPr lang="en-US" sz="2800" dirty="0">
                 <a:latin typeface="Times New Roman" pitchFamily="18" charset="0"/>
                 <a:cs typeface="Times New Roman" pitchFamily="18" charset="0"/>
               </a:rPr>
               <a:t>average and standard error </a:t>
             </a:r>
             <a:r>
-              <a:rPr lang="en-US" sz="2800" dirty="0" smtClean="0">
+              <a:rPr lang="en-US" sz="2800" dirty="0">
                 <a:solidFill>
                   <a:schemeClr val="tx1"/>
                 </a:solidFill>
@@ -5282,7 +5023,7 @@
               </a:rPr>
               <a:t>is:</a:t>
             </a:r>
-            <a:endParaRPr lang="en-GB" sz="2800" dirty="0" smtClean="0">
+            <a:endParaRPr lang="en-GB" sz="2800" dirty="0">
               <a:solidFill>
                 <a:srgbClr val="000000"/>
               </a:solidFill>
@@ -5516,7 +5257,7 @@
               </a:tabLst>
             </a:pPr>
             <a:r>
-              <a:rPr lang="en-GB" sz="2800" dirty="0" smtClean="0">
+              <a:rPr lang="en-GB" sz="2800" dirty="0">
                 <a:solidFill>
                   <a:srgbClr val="000000"/>
                 </a:solidFill>
@@ -5525,7 +5266,7 @@
               <a:t>Sample size </a:t>
             </a:r>
             <a:r>
-              <a:rPr lang="en-GB" sz="2800" i="1" dirty="0" smtClean="0">
+              <a:rPr lang="en-GB" sz="2800" i="1" dirty="0">
                 <a:solidFill>
                   <a:srgbClr val="000000"/>
                 </a:solidFill>
@@ -5549,7 +5290,7 @@
   <p:timing>
     <p:tnLst>
       <p:par>
-        <p:cTn xmlns:p14="http://schemas.microsoft.com/office/powerpoint/2010/main" id="1" dur="indefinite" restart="never" nodeType="tmRoot">
+        <p:cTn id="1" dur="indefinite" restart="never" nodeType="tmRoot">
           <p:childTnLst>
             <p:seq concurrent="1" nextAc="seek">
               <p:cTn id="2" dur="indefinite" nodeType="mainSeq">
@@ -6501,7 +6242,7 @@
               </a:tabLst>
             </a:pPr>
             <a:r>
-              <a:rPr lang="en-GB" sz="2400" dirty="0" smtClean="0">
+              <a:rPr lang="en-GB" sz="2400" dirty="0">
                 <a:solidFill>
                   <a:srgbClr val="000000"/>
                 </a:solidFill>
@@ -6509,12 +6250,6 @@
               </a:rPr>
               <a:t>Compute a 99% two sided confidence interval for the the RI of a glass shard using this sample set:</a:t>
             </a:r>
-            <a:endParaRPr lang="en-GB" sz="2400" dirty="0">
-              <a:solidFill>
-                <a:srgbClr val="000000"/>
-              </a:solidFill>
-              <a:latin typeface="Times New Roman" pitchFamily="18" charset="0"/>
-            </a:endParaRPr>
           </a:p>
         </p:txBody>
       </p:sp>
@@ -6568,7 +6303,7 @@
               </a:tabLst>
             </a:pPr>
             <a:r>
-              <a:rPr lang="en-GB" sz="3600" dirty="0" smtClean="0">
+              <a:rPr lang="en-GB" sz="3600" dirty="0">
                 <a:solidFill>
                   <a:srgbClr val="000000"/>
                 </a:solidFill>
@@ -6576,12 +6311,6 @@
               </a:rPr>
               <a:t>Example: Confidence Intervals</a:t>
             </a:r>
-            <a:endParaRPr lang="en-GB" sz="3600" dirty="0">
-              <a:solidFill>
-                <a:srgbClr val="000000"/>
-              </a:solidFill>
-              <a:latin typeface="Times New Roman" pitchFamily="18" charset="0"/>
-            </a:endParaRPr>
           </a:p>
         </p:txBody>
       </p:sp>
@@ -6608,8 +6337,20 @@
             <a:tbl>
               <a:tblPr/>
               <a:tblGrid>
-                <a:gridCol w="1490663"/>
-                <a:gridCol w="1711325"/>
+                <a:gridCol w="1490663">
+                  <a:extLst>
+                    <a:ext uri="{9D8B030D-6E8A-4147-A177-3AD203B41FA5}">
+                      <a16:colId xmlns:a16="http://schemas.microsoft.com/office/drawing/2014/main" val="20000"/>
+                    </a:ext>
+                  </a:extLst>
+                </a:gridCol>
+                <a:gridCol w="1711325">
+                  <a:extLst>
+                    <a:ext uri="{9D8B030D-6E8A-4147-A177-3AD203B41FA5}">
+                      <a16:colId xmlns:a16="http://schemas.microsoft.com/office/drawing/2014/main" val="20001"/>
+                    </a:ext>
+                  </a:extLst>
+                </a:gridCol>
               </a:tblGrid>
               <a:tr h="190500">
                 <a:tc>
@@ -6700,6 +6441,11 @@
                     </a:lnB>
                   </a:tcPr>
                 </a:tc>
+                <a:extLst>
+                  <a:ext uri="{0D108BD9-81ED-4DB2-BD59-A6C34878D82A}">
+                    <a16:rowId xmlns:a16="http://schemas.microsoft.com/office/drawing/2014/main" val="10000"/>
+                  </a:ext>
+                </a:extLst>
               </a:tr>
               <a:tr h="190500">
                 <a:tc>
@@ -6790,6 +6536,11 @@
                     </a:lnB>
                   </a:tcPr>
                 </a:tc>
+                <a:extLst>
+                  <a:ext uri="{0D108BD9-81ED-4DB2-BD59-A6C34878D82A}">
+                    <a16:rowId xmlns:a16="http://schemas.microsoft.com/office/drawing/2014/main" val="10001"/>
+                  </a:ext>
+                </a:extLst>
               </a:tr>
               <a:tr h="190500">
                 <a:tc>
@@ -6868,6 +6619,11 @@
                     </a:lnB>
                   </a:tcPr>
                 </a:tc>
+                <a:extLst>
+                  <a:ext uri="{0D108BD9-81ED-4DB2-BD59-A6C34878D82A}">
+                    <a16:rowId xmlns:a16="http://schemas.microsoft.com/office/drawing/2014/main" val="10002"/>
+                  </a:ext>
+                </a:extLst>
               </a:tr>
               <a:tr h="190500">
                 <a:tc>
@@ -6946,6 +6702,11 @@
                     </a:lnB>
                   </a:tcPr>
                 </a:tc>
+                <a:extLst>
+                  <a:ext uri="{0D108BD9-81ED-4DB2-BD59-A6C34878D82A}">
+                    <a16:rowId xmlns:a16="http://schemas.microsoft.com/office/drawing/2014/main" val="10003"/>
+                  </a:ext>
+                </a:extLst>
               </a:tr>
               <a:tr h="190500">
                 <a:tc>
@@ -7024,6 +6785,11 @@
                     </a:lnB>
                   </a:tcPr>
                 </a:tc>
+                <a:extLst>
+                  <a:ext uri="{0D108BD9-81ED-4DB2-BD59-A6C34878D82A}">
+                    <a16:rowId xmlns:a16="http://schemas.microsoft.com/office/drawing/2014/main" val="10004"/>
+                  </a:ext>
+                </a:extLst>
               </a:tr>
               <a:tr h="190500">
                 <a:tc>
@@ -7102,6 +6868,11 @@
                     </a:lnB>
                   </a:tcPr>
                 </a:tc>
+                <a:extLst>
+                  <a:ext uri="{0D108BD9-81ED-4DB2-BD59-A6C34878D82A}">
+                    <a16:rowId xmlns:a16="http://schemas.microsoft.com/office/drawing/2014/main" val="10005"/>
+                  </a:ext>
+                </a:extLst>
               </a:tr>
               <a:tr h="190500">
                 <a:tc>
@@ -7180,6 +6951,11 @@
                     </a:lnB>
                   </a:tcPr>
                 </a:tc>
+                <a:extLst>
+                  <a:ext uri="{0D108BD9-81ED-4DB2-BD59-A6C34878D82A}">
+                    <a16:rowId xmlns:a16="http://schemas.microsoft.com/office/drawing/2014/main" val="10006"/>
+                  </a:ext>
+                </a:extLst>
               </a:tr>
               <a:tr h="190500">
                 <a:tc>
@@ -7258,6 +7034,11 @@
                     </a:lnB>
                   </a:tcPr>
                 </a:tc>
+                <a:extLst>
+                  <a:ext uri="{0D108BD9-81ED-4DB2-BD59-A6C34878D82A}">
+                    <a16:rowId xmlns:a16="http://schemas.microsoft.com/office/drawing/2014/main" val="10007"/>
+                  </a:ext>
+                </a:extLst>
               </a:tr>
               <a:tr h="190500">
                 <a:tc>
@@ -7336,6 +7117,11 @@
                     </a:lnB>
                   </a:tcPr>
                 </a:tc>
+                <a:extLst>
+                  <a:ext uri="{0D108BD9-81ED-4DB2-BD59-A6C34878D82A}">
+                    <a16:rowId xmlns:a16="http://schemas.microsoft.com/office/drawing/2014/main" val="10008"/>
+                  </a:ext>
+                </a:extLst>
               </a:tr>
               <a:tr h="190500">
                 <a:tc>
@@ -7414,6 +7200,11 @@
                     </a:lnB>
                   </a:tcPr>
                 </a:tc>
+                <a:extLst>
+                  <a:ext uri="{0D108BD9-81ED-4DB2-BD59-A6C34878D82A}">
+                    <a16:rowId xmlns:a16="http://schemas.microsoft.com/office/drawing/2014/main" val="10009"/>
+                  </a:ext>
+                </a:extLst>
               </a:tr>
               <a:tr h="190500">
                 <a:tc>
@@ -7492,6 +7283,11 @@
                     </a:lnB>
                   </a:tcPr>
                 </a:tc>
+                <a:extLst>
+                  <a:ext uri="{0D108BD9-81ED-4DB2-BD59-A6C34878D82A}">
+                    <a16:rowId xmlns:a16="http://schemas.microsoft.com/office/drawing/2014/main" val="10010"/>
+                  </a:ext>
+                </a:extLst>
               </a:tr>
               <a:tr h="190500">
                 <a:tc>
@@ -7570,6 +7366,11 @@
                     </a:lnB>
                   </a:tcPr>
                 </a:tc>
+                <a:extLst>
+                  <a:ext uri="{0D108BD9-81ED-4DB2-BD59-A6C34878D82A}">
+                    <a16:rowId xmlns:a16="http://schemas.microsoft.com/office/drawing/2014/main" val="10011"/>
+                  </a:ext>
+                </a:extLst>
               </a:tr>
             </a:tbl>
           </a:graphicData>
@@ -7691,16 +7492,12 @@
           <a:lstStyle/>
           <a:p>
             <a:r>
-              <a:rPr lang="en-US" sz="7200" dirty="0" smtClean="0">
+              <a:rPr lang="en-US" sz="7200" dirty="0">
                 <a:latin typeface="Times New Roman"/>
                 <a:cs typeface="Times New Roman"/>
               </a:rPr>
               <a:t>?</a:t>
             </a:r>
-            <a:endParaRPr lang="en-US" sz="7200" dirty="0">
-              <a:latin typeface="Times New Roman"/>
-              <a:cs typeface="Times New Roman"/>
-            </a:endParaRPr>
           </a:p>
         </p:txBody>
       </p:sp>
@@ -7714,13 +7511,6 @@
   <p:clrMapOvr>
     <a:masterClrMapping/>
   </p:clrMapOvr>
-  <p:timing>
-    <p:tnLst>
-      <p:par>
-        <p:cTn xmlns:p14="http://schemas.microsoft.com/office/powerpoint/2010/main" id="1" dur="indefinite" restart="never" nodeType="tmRoot"/>
-      </p:par>
-    </p:tnLst>
-  </p:timing>
 </p:sld>
 </file>
 
@@ -7791,7 +7581,7 @@
               </a:tabLst>
             </a:pPr>
             <a:r>
-              <a:rPr lang="en-GB" sz="3600" dirty="0" smtClean="0">
+              <a:rPr lang="en-GB" sz="3600" dirty="0">
                 <a:solidFill>
                   <a:srgbClr val="000000"/>
                 </a:solidFill>
@@ -7799,12 +7589,6 @@
               </a:rPr>
               <a:t>Example: Confidence Intervals</a:t>
             </a:r>
-            <a:endParaRPr lang="en-GB" sz="3600" dirty="0">
-              <a:solidFill>
-                <a:srgbClr val="000000"/>
-              </a:solidFill>
-              <a:latin typeface="Times New Roman" pitchFamily="18" charset="0"/>
-            </a:endParaRPr>
           </a:p>
         </p:txBody>
       </p:sp>
@@ -7849,7 +7633,7 @@
         <p:spPr>
           <a:xfrm>
             <a:off x="171966" y="1152137"/>
-            <a:ext cx="8880274" cy="4154983"/>
+            <a:ext cx="8880274" cy="4708981"/>
           </a:xfrm>
           <a:prstGeom prst="rect">
             <a:avLst/>
@@ -8529,6 +8313,24 @@
               </a:rPr>
               <a:t>)</a:t>
             </a:r>
+          </a:p>
+          <a:p>
+            <a:endParaRPr lang="en-US" sz="1200" dirty="0">
+              <a:solidFill>
+                <a:srgbClr val="FFFFFF"/>
+              </a:solidFill>
+              <a:latin typeface="Courier"/>
+              <a:cs typeface="Courier"/>
+            </a:endParaRPr>
+          </a:p>
+          <a:p>
+            <a:endParaRPr lang="en-US" sz="1200" dirty="0">
+              <a:solidFill>
+                <a:srgbClr val="FFFFFF"/>
+              </a:solidFill>
+              <a:latin typeface="Courier"/>
+              <a:cs typeface="Courier"/>
+            </a:endParaRPr>
           </a:p>
         </p:txBody>
       </p:sp>
@@ -8602,7 +8404,7 @@
   <p:timing>
     <p:tnLst>
       <p:par>
-        <p:cTn xmlns:p14="http://schemas.microsoft.com/office/powerpoint/2010/main" id="1" dur="indefinite" restart="never" nodeType="tmRoot">
+        <p:cTn id="1" dur="indefinite" restart="never" nodeType="tmRoot">
           <p:childTnLst>
             <p:seq concurrent="1" nextAc="seek">
               <p:cTn id="2" dur="indefinite" nodeType="mainSeq">
@@ -8863,7 +8665,7 @@
               </a:tabLst>
             </a:pPr>
             <a:r>
-              <a:rPr lang="en-GB" sz="2400" dirty="0" smtClean="0">
+              <a:rPr lang="en-GB" sz="2400" dirty="0">
                 <a:solidFill>
                   <a:srgbClr val="000000"/>
                 </a:solidFill>
@@ -8871,12 +8673,6 @@
               </a:rPr>
               <a:t>Compute a 99% two sided confidence interval for the the RI of a glass shard using this sample set:</a:t>
             </a:r>
-            <a:endParaRPr lang="en-GB" sz="2400" dirty="0">
-              <a:solidFill>
-                <a:srgbClr val="000000"/>
-              </a:solidFill>
-              <a:latin typeface="Times New Roman" pitchFamily="18" charset="0"/>
-            </a:endParaRPr>
           </a:p>
         </p:txBody>
       </p:sp>
@@ -8930,7 +8726,7 @@
               </a:tabLst>
             </a:pPr>
             <a:r>
-              <a:rPr lang="en-GB" sz="3600" dirty="0" smtClean="0">
+              <a:rPr lang="en-GB" sz="3600" dirty="0">
                 <a:solidFill>
                   <a:srgbClr val="000000"/>
                 </a:solidFill>
@@ -8938,12 +8734,6 @@
               </a:rPr>
               <a:t>Example: Confidence Intervals</a:t>
             </a:r>
-            <a:endParaRPr lang="en-GB" sz="3600" dirty="0">
-              <a:solidFill>
-                <a:srgbClr val="000000"/>
-              </a:solidFill>
-              <a:latin typeface="Times New Roman" pitchFamily="18" charset="0"/>
-            </a:endParaRPr>
           </a:p>
         </p:txBody>
       </p:sp>
@@ -8964,8 +8754,20 @@
             <a:tbl>
               <a:tblPr/>
               <a:tblGrid>
-                <a:gridCol w="1490663"/>
-                <a:gridCol w="1711325"/>
+                <a:gridCol w="1490663">
+                  <a:extLst>
+                    <a:ext uri="{9D8B030D-6E8A-4147-A177-3AD203B41FA5}">
+                      <a16:colId xmlns:a16="http://schemas.microsoft.com/office/drawing/2014/main" val="20000"/>
+                    </a:ext>
+                  </a:extLst>
+                </a:gridCol>
+                <a:gridCol w="1711325">
+                  <a:extLst>
+                    <a:ext uri="{9D8B030D-6E8A-4147-A177-3AD203B41FA5}">
+                      <a16:colId xmlns:a16="http://schemas.microsoft.com/office/drawing/2014/main" val="20001"/>
+                    </a:ext>
+                  </a:extLst>
+                </a:gridCol>
               </a:tblGrid>
               <a:tr h="190500">
                 <a:tc>
@@ -9056,6 +8858,11 @@
                     </a:lnB>
                   </a:tcPr>
                 </a:tc>
+                <a:extLst>
+                  <a:ext uri="{0D108BD9-81ED-4DB2-BD59-A6C34878D82A}">
+                    <a16:rowId xmlns:a16="http://schemas.microsoft.com/office/drawing/2014/main" val="10000"/>
+                  </a:ext>
+                </a:extLst>
               </a:tr>
               <a:tr h="190500">
                 <a:tc>
@@ -9146,6 +8953,11 @@
                     </a:lnB>
                   </a:tcPr>
                 </a:tc>
+                <a:extLst>
+                  <a:ext uri="{0D108BD9-81ED-4DB2-BD59-A6C34878D82A}">
+                    <a16:rowId xmlns:a16="http://schemas.microsoft.com/office/drawing/2014/main" val="10001"/>
+                  </a:ext>
+                </a:extLst>
               </a:tr>
               <a:tr h="190500">
                 <a:tc>
@@ -9224,6 +9036,11 @@
                     </a:lnB>
                   </a:tcPr>
                 </a:tc>
+                <a:extLst>
+                  <a:ext uri="{0D108BD9-81ED-4DB2-BD59-A6C34878D82A}">
+                    <a16:rowId xmlns:a16="http://schemas.microsoft.com/office/drawing/2014/main" val="10002"/>
+                  </a:ext>
+                </a:extLst>
               </a:tr>
               <a:tr h="190500">
                 <a:tc>
@@ -9302,6 +9119,11 @@
                     </a:lnB>
                   </a:tcPr>
                 </a:tc>
+                <a:extLst>
+                  <a:ext uri="{0D108BD9-81ED-4DB2-BD59-A6C34878D82A}">
+                    <a16:rowId xmlns:a16="http://schemas.microsoft.com/office/drawing/2014/main" val="10003"/>
+                  </a:ext>
+                </a:extLst>
               </a:tr>
               <a:tr h="190500">
                 <a:tc>
@@ -9380,6 +9202,11 @@
                     </a:lnB>
                   </a:tcPr>
                 </a:tc>
+                <a:extLst>
+                  <a:ext uri="{0D108BD9-81ED-4DB2-BD59-A6C34878D82A}">
+                    <a16:rowId xmlns:a16="http://schemas.microsoft.com/office/drawing/2014/main" val="10004"/>
+                  </a:ext>
+                </a:extLst>
               </a:tr>
               <a:tr h="190500">
                 <a:tc>
@@ -9458,6 +9285,11 @@
                     </a:lnB>
                   </a:tcPr>
                 </a:tc>
+                <a:extLst>
+                  <a:ext uri="{0D108BD9-81ED-4DB2-BD59-A6C34878D82A}">
+                    <a16:rowId xmlns:a16="http://schemas.microsoft.com/office/drawing/2014/main" val="10005"/>
+                  </a:ext>
+                </a:extLst>
               </a:tr>
               <a:tr h="190500">
                 <a:tc>
@@ -9536,6 +9368,11 @@
                     </a:lnB>
                   </a:tcPr>
                 </a:tc>
+                <a:extLst>
+                  <a:ext uri="{0D108BD9-81ED-4DB2-BD59-A6C34878D82A}">
+                    <a16:rowId xmlns:a16="http://schemas.microsoft.com/office/drawing/2014/main" val="10006"/>
+                  </a:ext>
+                </a:extLst>
               </a:tr>
               <a:tr h="190500">
                 <a:tc>
@@ -9614,6 +9451,11 @@
                     </a:lnB>
                   </a:tcPr>
                 </a:tc>
+                <a:extLst>
+                  <a:ext uri="{0D108BD9-81ED-4DB2-BD59-A6C34878D82A}">
+                    <a16:rowId xmlns:a16="http://schemas.microsoft.com/office/drawing/2014/main" val="10007"/>
+                  </a:ext>
+                </a:extLst>
               </a:tr>
               <a:tr h="190500">
                 <a:tc>
@@ -9692,6 +9534,11 @@
                     </a:lnB>
                   </a:tcPr>
                 </a:tc>
+                <a:extLst>
+                  <a:ext uri="{0D108BD9-81ED-4DB2-BD59-A6C34878D82A}">
+                    <a16:rowId xmlns:a16="http://schemas.microsoft.com/office/drawing/2014/main" val="10008"/>
+                  </a:ext>
+                </a:extLst>
               </a:tr>
               <a:tr h="190500">
                 <a:tc>
@@ -9770,6 +9617,11 @@
                     </a:lnB>
                   </a:tcPr>
                 </a:tc>
+                <a:extLst>
+                  <a:ext uri="{0D108BD9-81ED-4DB2-BD59-A6C34878D82A}">
+                    <a16:rowId xmlns:a16="http://schemas.microsoft.com/office/drawing/2014/main" val="10009"/>
+                  </a:ext>
+                </a:extLst>
               </a:tr>
               <a:tr h="190500">
                 <a:tc>
@@ -9848,6 +9700,11 @@
                     </a:lnB>
                   </a:tcPr>
                 </a:tc>
+                <a:extLst>
+                  <a:ext uri="{0D108BD9-81ED-4DB2-BD59-A6C34878D82A}">
+                    <a16:rowId xmlns:a16="http://schemas.microsoft.com/office/drawing/2014/main" val="10010"/>
+                  </a:ext>
+                </a:extLst>
               </a:tr>
               <a:tr h="190500">
                 <a:tc>
@@ -9926,6 +9783,11 @@
                     </a:lnB>
                   </a:tcPr>
                 </a:tc>
+                <a:extLst>
+                  <a:ext uri="{0D108BD9-81ED-4DB2-BD59-A6C34878D82A}">
+                    <a16:rowId xmlns:a16="http://schemas.microsoft.com/office/drawing/2014/main" val="10011"/>
+                  </a:ext>
+                </a:extLst>
               </a:tr>
             </a:tbl>
           </a:graphicData>
@@ -9953,7 +9815,7 @@
           <a:lstStyle/>
           <a:p>
             <a:r>
-              <a:rPr lang="en-GB" dirty="0" smtClean="0">
+              <a:rPr lang="en-GB" dirty="0">
                 <a:solidFill>
                   <a:srgbClr val="000000"/>
                 </a:solidFill>
@@ -9965,7 +9827,7 @@
           </a:p>
           <a:p>
             <a:r>
-              <a:rPr lang="en-GB" dirty="0" smtClean="0">
+              <a:rPr lang="en-GB" dirty="0">
                 <a:solidFill>
                   <a:srgbClr val="000000"/>
                 </a:solidFill>
@@ -9999,7 +9861,7 @@
           <a:lstStyle/>
           <a:p>
             <a:r>
-              <a:rPr lang="en-GB" sz="2600" dirty="0" smtClean="0">
+              <a:rPr lang="en-GB" sz="2600" dirty="0">
                 <a:solidFill>
                   <a:srgbClr val="000000"/>
                 </a:solidFill>
@@ -10077,13 +9939,6 @@
   <p:clrMapOvr>
     <a:masterClrMapping/>
   </p:clrMapOvr>
-  <p:timing>
-    <p:tnLst>
-      <p:par>
-        <p:cTn xmlns:p14="http://schemas.microsoft.com/office/powerpoint/2010/main" id="1" dur="indefinite" restart="never" nodeType="tmRoot"/>
-      </p:par>
-    </p:tnLst>
-  </p:timing>
 </p:sld>
 </file>
 
@@ -10154,7 +10009,7 @@
               </a:tabLst>
             </a:pPr>
             <a:r>
-              <a:rPr lang="en-GB" sz="3600" dirty="0" smtClean="0">
+              <a:rPr lang="en-GB" sz="3600" dirty="0">
                 <a:solidFill>
                   <a:srgbClr val="000000"/>
                 </a:solidFill>
@@ -10162,12 +10017,6 @@
               </a:rPr>
               <a:t>Another Exercise</a:t>
             </a:r>
-            <a:endParaRPr lang="en-GB" sz="3600" dirty="0">
-              <a:solidFill>
-                <a:srgbClr val="000000"/>
-              </a:solidFill>
-              <a:latin typeface="Times New Roman" pitchFamily="18" charset="0"/>
-            </a:endParaRPr>
           </a:p>
         </p:txBody>
       </p:sp>
@@ -10225,68 +10074,28 @@
           <a:lstStyle/>
           <a:p>
             <a:r>
-              <a:rPr lang="en-US" dirty="0" smtClean="0">
-                <a:latin typeface="Times New Roman"/>
-                <a:cs typeface="Times New Roman"/>
-              </a:rPr>
-              <a:t>A suspect, one Mr</a:t>
-            </a:r>
-            <a:r>
               <a:rPr lang="en-US" dirty="0">
                 <a:latin typeface="Times New Roman"/>
                 <a:cs typeface="Times New Roman"/>
               </a:rPr>
-              <a:t>.</a:t>
-            </a:r>
-            <a:r>
-              <a:rPr lang="en-US" dirty="0" smtClean="0">
+              <a:t>A suspect, one Mr. B. Mayhew is captured by law enforcement officials in possession of many mini-Ziploc baggies containing what is determined to be very pure, dry methamphetamine. The forensic lab’s analytical balances are reliable to 4-decimal places. The baggies are emptied and collected into one mass of crystals. 10 mass measurements are taken (units </a:t>
+            </a:r>
+            <a:r>
+              <a:rPr lang="en-US" i="1" u="sng" dirty="0">
                 <a:latin typeface="Times New Roman"/>
                 <a:cs typeface="Times New Roman"/>
               </a:rPr>
-              <a:t> B. Mayhew is captured by law enforcement officials in possession of many mini-Ziploc baggies containing what is determined to be very pure, dry </a:t>
+              <a:t>g</a:t>
             </a:r>
             <a:r>
               <a:rPr lang="en-US" dirty="0">
                 <a:latin typeface="Times New Roman"/>
                 <a:cs typeface="Times New Roman"/>
               </a:rPr>
-              <a:t>methamphetamine. The forensic lab’s analytical balances are reliable to 4-decimal places</a:t>
-            </a:r>
-            <a:r>
-              <a:rPr lang="en-US" dirty="0" smtClean="0">
-                <a:latin typeface="Times New Roman"/>
-                <a:cs typeface="Times New Roman"/>
-              </a:rPr>
-              <a:t>. </a:t>
-            </a:r>
-            <a:r>
-              <a:rPr lang="en-US" dirty="0">
-                <a:latin typeface="Times New Roman"/>
-                <a:cs typeface="Times New Roman"/>
-              </a:rPr>
-              <a:t>The baggies are emptied and collected into one mass of crystals. 10 mass measurements are </a:t>
-            </a:r>
-            <a:r>
-              <a:rPr lang="en-US" dirty="0" smtClean="0">
-                <a:latin typeface="Times New Roman"/>
-                <a:cs typeface="Times New Roman"/>
-              </a:rPr>
-              <a:t>taken (units </a:t>
-            </a:r>
-            <a:r>
-              <a:rPr lang="en-US" i="1" u="sng" dirty="0" smtClean="0">
-                <a:latin typeface="Times New Roman"/>
-                <a:cs typeface="Times New Roman"/>
-              </a:rPr>
-              <a:t>g</a:t>
-            </a:r>
-            <a:r>
-              <a:rPr lang="en-US" dirty="0" smtClean="0">
-                <a:latin typeface="Times New Roman"/>
-                <a:cs typeface="Times New Roman"/>
-              </a:rPr>
               <a:t>):</a:t>
             </a:r>
+          </a:p>
+          <a:p>
             <a:endParaRPr lang="en-US" dirty="0">
               <a:latin typeface="Times New Roman"/>
               <a:cs typeface="Times New Roman"/>
@@ -10294,12 +10103,6 @@
           </a:p>
           <a:p>
             <a:endParaRPr lang="en-US" dirty="0">
-              <a:latin typeface="Times New Roman"/>
-              <a:cs typeface="Times New Roman"/>
-            </a:endParaRPr>
-          </a:p>
-          <a:p>
-            <a:endParaRPr lang="en-US" dirty="0" smtClean="0">
               <a:latin typeface="Times New Roman"/>
               <a:cs typeface="Times New Roman"/>
             </a:endParaRPr>
@@ -10332,7 +10135,7 @@
               <a:buAutoNum type="alphaLcPeriod"/>
             </a:pPr>
             <a:r>
-              <a:rPr lang="en-US" dirty="0" smtClean="0">
+              <a:rPr lang="en-US" dirty="0">
                 <a:latin typeface="Times New Roman"/>
                 <a:cs typeface="Times New Roman"/>
               </a:rPr>
@@ -10345,7 +10148,7 @@
               <a:buAutoNum type="alphaLcPeriod"/>
             </a:pPr>
             <a:r>
-              <a:rPr lang="en-US" dirty="0" smtClean="0">
+              <a:rPr lang="en-US" dirty="0">
                 <a:latin typeface="Times New Roman"/>
                 <a:cs typeface="Times New Roman"/>
               </a:rPr>
@@ -10358,7 +10161,7 @@
               <a:buAutoNum type="alphaLcPeriod"/>
             </a:pPr>
             <a:r>
-              <a:rPr lang="en-US" dirty="0" smtClean="0">
+              <a:rPr lang="en-US" dirty="0">
                 <a:latin typeface="Times New Roman"/>
                 <a:cs typeface="Times New Roman"/>
               </a:rPr>
@@ -10389,16 +10192,12 @@
           <a:lstStyle/>
           <a:p>
             <a:r>
-              <a:rPr lang="en-US" dirty="0" smtClean="0">
+              <a:rPr lang="en-US" dirty="0">
                 <a:latin typeface="Times New Roman"/>
                 <a:cs typeface="Times New Roman"/>
               </a:rPr>
               <a:t>49.9996, 49.9994, 49.9993, 49.9996, 49.9995, 49.9995, 49.9995, 49.9994, 49.9995, 49.9994</a:t>
             </a:r>
-            <a:endParaRPr lang="en-US" dirty="0">
-              <a:latin typeface="Times New Roman"/>
-              <a:cs typeface="Times New Roman"/>
-            </a:endParaRPr>
           </a:p>
         </p:txBody>
       </p:sp>
@@ -10412,13 +10211,6 @@
   <p:clrMapOvr>
     <a:masterClrMapping/>
   </p:clrMapOvr>
-  <p:timing>
-    <p:tnLst>
-      <p:par>
-        <p:cTn xmlns:p14="http://schemas.microsoft.com/office/powerpoint/2010/main" id="1" dur="indefinite" restart="never" nodeType="tmRoot"/>
-      </p:par>
-    </p:tnLst>
-  </p:timing>
 </p:sld>
 </file>
 
@@ -10541,7 +10333,7 @@
           </a:p>
           <a:p>
             <a:r>
-              <a:rPr lang="en-US" sz="1350" dirty="0" smtClean="0">
+              <a:rPr lang="en-US" sz="1350" dirty="0">
                 <a:solidFill>
                   <a:srgbClr val="FFFF00"/>
                 </a:solidFill>
@@ -11220,7 +11012,7 @@
           </a:p>
           <a:p>
             <a:r>
-              <a:rPr lang="en-US" sz="1350" dirty="0" smtClean="0">
+              <a:rPr lang="en-US" sz="1350" dirty="0">
                 <a:solidFill>
                   <a:srgbClr val="FFFF00"/>
                 </a:solidFill>
@@ -11425,13 +11217,6 @@
   <p:clrMapOvr>
     <a:masterClrMapping/>
   </p:clrMapOvr>
-  <p:timing>
-    <p:tnLst>
-      <p:par>
-        <p:cTn xmlns:p14="http://schemas.microsoft.com/office/powerpoint/2010/main" id="1" dur="indefinite" restart="never" nodeType="tmRoot"/>
-      </p:par>
-    </p:tnLst>
-  </p:timing>
 </p:sld>
 </file>
 
@@ -11502,7 +11287,7 @@
               </a:tabLst>
             </a:pPr>
             <a:r>
-              <a:rPr lang="en-GB" sz="3600" dirty="0" smtClean="0">
+              <a:rPr lang="en-GB" sz="3600" dirty="0">
                 <a:solidFill>
                   <a:srgbClr val="000000"/>
                 </a:solidFill>
@@ -11510,12 +11295,6 @@
               </a:rPr>
               <a:t>Another Exercise</a:t>
             </a:r>
-            <a:endParaRPr lang="en-GB" sz="3600" dirty="0">
-              <a:solidFill>
-                <a:srgbClr val="000000"/>
-              </a:solidFill>
-              <a:latin typeface="Times New Roman" pitchFamily="18" charset="0"/>
-            </a:endParaRPr>
           </a:p>
         </p:txBody>
       </p:sp>
@@ -11585,13 +11364,6 @@
   <p:clrMapOvr>
     <a:masterClrMapping/>
   </p:clrMapOvr>
-  <p:timing>
-    <p:tnLst>
-      <p:par>
-        <p:cTn xmlns:p14="http://schemas.microsoft.com/office/powerpoint/2010/main" id="1" dur="indefinite" restart="never" nodeType="tmRoot"/>
-      </p:par>
-    </p:tnLst>
-  </p:timing>
 </p:sld>
 </file>
 
@@ -11682,7 +11454,7 @@
           <a:lstStyle/>
           <a:p>
             <a:r>
-              <a:rPr lang="en-US" sz="2400" b="1" dirty="0" smtClean="0">
+              <a:rPr lang="en-US" sz="2400" b="1" dirty="0">
                 <a:solidFill>
                   <a:srgbClr val="000000"/>
                 </a:solidFill>
@@ -11716,7 +11488,7 @@
           <a:lstStyle/>
           <a:p>
             <a:r>
-              <a:rPr lang="en-US" sz="2400" b="1" dirty="0" smtClean="0">
+              <a:rPr lang="en-US" sz="2400" b="1" dirty="0">
                 <a:solidFill>
                   <a:srgbClr val="000000"/>
                 </a:solidFill>
@@ -11778,7 +11550,7 @@
               </a:tabLst>
             </a:pPr>
             <a:r>
-              <a:rPr lang="en-GB" sz="3600" dirty="0" smtClean="0">
+              <a:rPr lang="en-GB" sz="3600" dirty="0">
                 <a:solidFill>
                   <a:srgbClr val="000000"/>
                 </a:solidFill>
@@ -11786,12 +11558,6 @@
               </a:rPr>
               <a:t>Another Exercise</a:t>
             </a:r>
-            <a:endParaRPr lang="en-GB" sz="3600" dirty="0">
-              <a:solidFill>
-                <a:srgbClr val="000000"/>
-              </a:solidFill>
-              <a:latin typeface="Times New Roman" pitchFamily="18" charset="0"/>
-            </a:endParaRPr>
           </a:p>
         </p:txBody>
       </p:sp>
@@ -11837,13 +11603,6 @@
   <p:clrMapOvr>
     <a:masterClrMapping/>
   </p:clrMapOvr>
-  <p:timing>
-    <p:tnLst>
-      <p:par>
-        <p:cTn xmlns:p14="http://schemas.microsoft.com/office/powerpoint/2010/main" id="1" dur="indefinite" restart="never" nodeType="tmRoot"/>
-      </p:par>
-    </p:tnLst>
-  </p:timing>
 </p:sld>
 </file>
 
@@ -11914,29 +11673,14 @@
               </a:tabLst>
             </a:pPr>
             <a:r>
-              <a:rPr lang="en-GB" sz="3200" dirty="0" smtClean="0">
+              <a:rPr lang="en-GB" sz="3200" dirty="0">
                 <a:solidFill>
                   <a:srgbClr val="000000"/>
                 </a:solidFill>
                 <a:latin typeface="Times New Roman" pitchFamily="18" charset="0"/>
               </a:rPr>
-              <a:t>Equation Catalogue: Confidence </a:t>
-            </a:r>
-            <a:r>
-              <a:rPr lang="en-GB" sz="3200" dirty="0" smtClean="0">
-                <a:solidFill>
-                  <a:srgbClr val="000000"/>
-                </a:solidFill>
-                <a:latin typeface="Times New Roman" pitchFamily="18" charset="0"/>
-              </a:rPr>
-              <a:t>Intervals</a:t>
-            </a:r>
-            <a:endParaRPr lang="en-GB" sz="3200" dirty="0">
-              <a:solidFill>
-                <a:srgbClr val="000000"/>
-              </a:solidFill>
-              <a:latin typeface="Times New Roman" pitchFamily="18" charset="0"/>
-            </a:endParaRPr>
+              <a:t>Equation Catalogue: Confidence Intervals</a:t>
+            </a:r>
           </a:p>
         </p:txBody>
       </p:sp>
@@ -12015,7 +11759,7 @@
               </a:tabLst>
             </a:pPr>
             <a:r>
-              <a:rPr lang="en-US" sz="2400" dirty="0" smtClean="0">
+              <a:rPr lang="en-US" sz="2400" dirty="0">
                 <a:solidFill>
                   <a:srgbClr val="000000"/>
                 </a:solidFill>
@@ -12024,7 +11768,7 @@
               <a:t>So how do we compute a (1 − </a:t>
             </a:r>
             <a:r>
-              <a:rPr lang="en-US" sz="2400" dirty="0" smtClean="0">
+              <a:rPr lang="en-US" sz="2400" dirty="0">
                 <a:solidFill>
                   <a:srgbClr val="000000"/>
                 </a:solidFill>
@@ -12034,7 +11778,7 @@
               <a:t>a</a:t>
             </a:r>
             <a:r>
-              <a:rPr lang="en-US" sz="2400" dirty="0" smtClean="0">
+              <a:rPr lang="en-US" sz="2400" dirty="0">
                 <a:solidFill>
                   <a:srgbClr val="000000"/>
                 </a:solidFill>
@@ -12088,7 +11832,7 @@
               </a:tabLst>
             </a:pPr>
             <a:r>
-              <a:rPr lang="en-US" sz="2400" b="1" u="sng" dirty="0" smtClean="0">
+              <a:rPr lang="en-US" sz="2400" b="1" u="sng" dirty="0">
                 <a:solidFill>
                   <a:srgbClr val="000000"/>
                 </a:solidFill>
@@ -12097,7 +11841,7 @@
               <a:t>Case 1a</a:t>
             </a:r>
             <a:r>
-              <a:rPr lang="en-US" sz="2400" dirty="0" smtClean="0">
+              <a:rPr lang="en-US" sz="2400" dirty="0">
                 <a:solidFill>
                   <a:srgbClr val="000000"/>
                 </a:solidFill>
@@ -12106,7 +11850,7 @@
               <a:t>: (1 − </a:t>
             </a:r>
             <a:r>
-              <a:rPr lang="en-US" sz="2400" dirty="0" smtClean="0">
+              <a:rPr lang="en-US" sz="2400" dirty="0">
                 <a:solidFill>
                   <a:srgbClr val="000000"/>
                 </a:solidFill>
@@ -12116,7 +11860,7 @@
               <a:t>a</a:t>
             </a:r>
             <a:r>
-              <a:rPr lang="en-US" sz="2400" dirty="0" smtClean="0">
+              <a:rPr lang="en-US" sz="2400" dirty="0">
                 <a:solidFill>
                   <a:srgbClr val="000000"/>
                 </a:solidFill>
@@ -12125,7 +11869,7 @@
               <a:t>)×100% CIs for the </a:t>
             </a:r>
             <a:r>
-              <a:rPr lang="en-US" sz="2400" b="1" u="sng" dirty="0" smtClean="0">
+              <a:rPr lang="en-US" sz="2400" b="1" u="sng" dirty="0">
                 <a:solidFill>
                   <a:srgbClr val="000000"/>
                 </a:solidFill>
@@ -12134,7 +11878,7 @@
               <a:t>mean</a:t>
             </a:r>
             <a:r>
-              <a:rPr lang="en-US" sz="2400" dirty="0" smtClean="0">
+              <a:rPr lang="en-US" sz="2400" dirty="0">
                 <a:solidFill>
                   <a:srgbClr val="000000"/>
                 </a:solidFill>
@@ -12143,7 +11887,7 @@
               <a:t> </a:t>
             </a:r>
             <a:r>
-              <a:rPr lang="en-US" sz="2400" i="1" dirty="0" smtClean="0">
+              <a:rPr lang="en-US" sz="2400" i="1" dirty="0">
                 <a:solidFill>
                   <a:srgbClr val="000000"/>
                 </a:solidFill>
@@ -12163,7 +11907,7 @@
               <a:t> </a:t>
             </a:r>
             <a:r>
-              <a:rPr lang="en-US" sz="2400" dirty="0" smtClean="0">
+              <a:rPr lang="en-US" sz="2400" dirty="0">
                 <a:solidFill>
                   <a:srgbClr val="000000"/>
                 </a:solidFill>
@@ -12196,7 +11940,7 @@
               </a:tabLst>
             </a:pPr>
             <a:r>
-              <a:rPr lang="en-US" sz="2400" b="1" dirty="0" smtClean="0">
+              <a:rPr lang="en-US" sz="2400" b="1" dirty="0">
                 <a:solidFill>
                   <a:srgbClr val="000000"/>
                 </a:solidFill>
@@ -12206,7 +11950,7 @@
               <a:t>Large sample</a:t>
             </a:r>
             <a:r>
-              <a:rPr lang="en-US" sz="2400" dirty="0" smtClean="0">
+              <a:rPr lang="en-US" sz="2400" dirty="0">
                 <a:solidFill>
                   <a:srgbClr val="000000"/>
                 </a:solidFill>
@@ -12216,7 +11960,7 @@
               <a:t> </a:t>
             </a:r>
             <a:r>
-              <a:rPr lang="en-US" sz="2400" i="1" dirty="0" smtClean="0">
+              <a:rPr lang="en-US" sz="2400" i="1" dirty="0">
                 <a:solidFill>
                   <a:srgbClr val="000000"/>
                 </a:solidFill>
@@ -12226,7 +11970,7 @@
               <a:t>n </a:t>
             </a:r>
             <a:r>
-              <a:rPr lang="en-US" sz="2400" dirty="0" smtClean="0">
+              <a:rPr lang="en-US" sz="2400" dirty="0">
                 <a:solidFill>
                   <a:srgbClr val="000000"/>
                 </a:solidFill>
@@ -12236,7 +11980,7 @@
               <a:t>(</a:t>
             </a:r>
             <a:r>
-              <a:rPr lang="en-US" sz="2400" i="1" u="sng" dirty="0" smtClean="0">
+              <a:rPr lang="en-US" sz="2400" i="1" u="sng" dirty="0">
                 <a:solidFill>
                   <a:srgbClr val="000000"/>
                 </a:solidFill>
@@ -12246,7 +11990,7 @@
               <a:t>at least</a:t>
             </a:r>
             <a:r>
-              <a:rPr lang="en-US" sz="2400" dirty="0" smtClean="0">
+              <a:rPr lang="en-US" sz="2400" dirty="0">
                 <a:solidFill>
                   <a:srgbClr val="000000"/>
                 </a:solidFill>
@@ -12256,7 +12000,7 @@
               <a:t> 30), </a:t>
             </a:r>
             <a:r>
-              <a:rPr lang="en-US" sz="2400" b="1" dirty="0" err="1" smtClean="0">
+              <a:rPr lang="en-US" sz="2400" b="1" dirty="0" err="1">
                 <a:solidFill>
                   <a:srgbClr val="000000"/>
                 </a:solidFill>
@@ -12266,7 +12010,7 @@
               <a:t>sd</a:t>
             </a:r>
             <a:r>
-              <a:rPr lang="en-US" sz="2400" dirty="0" smtClean="0">
+              <a:rPr lang="en-US" sz="2400" dirty="0">
                 <a:solidFill>
                   <a:srgbClr val="000000"/>
                 </a:solidFill>
@@ -12276,7 +12020,7 @@
               <a:t> </a:t>
             </a:r>
             <a:r>
-              <a:rPr lang="en-US" sz="2400" i="1" dirty="0" err="1" smtClean="0">
+              <a:rPr lang="en-US" sz="2400" i="1" dirty="0" err="1">
                 <a:solidFill>
                   <a:srgbClr val="000000"/>
                 </a:solidFill>
@@ -12286,7 +12030,7 @@
               <a:t>s</a:t>
             </a:r>
             <a:r>
-              <a:rPr lang="en-US" sz="2400" i="1" baseline="-25000" dirty="0" err="1" smtClean="0">
+              <a:rPr lang="en-US" sz="2400" i="1" baseline="-25000" dirty="0" err="1">
                 <a:solidFill>
                   <a:srgbClr val="000000"/>
                 </a:solidFill>
@@ -12296,7 +12040,7 @@
               <a:t>X</a:t>
             </a:r>
             <a:r>
-              <a:rPr lang="en-US" sz="2400" i="1" dirty="0" smtClean="0">
+              <a:rPr lang="en-US" sz="2400" i="1" dirty="0">
                 <a:solidFill>
                   <a:srgbClr val="000000"/>
                 </a:solidFill>
@@ -12306,7 +12050,7 @@
               <a:t> </a:t>
             </a:r>
             <a:r>
-              <a:rPr lang="en-US" sz="2400" b="1" dirty="0" smtClean="0">
+              <a:rPr lang="en-US" sz="2400" b="1" dirty="0">
                 <a:solidFill>
                   <a:srgbClr val="000000"/>
                 </a:solidFill>
@@ -12316,7 +12060,7 @@
               <a:t>known</a:t>
             </a:r>
             <a:r>
-              <a:rPr lang="en-US" sz="2400" dirty="0" smtClean="0">
+              <a:rPr lang="en-US" sz="2400" dirty="0">
                 <a:solidFill>
                   <a:srgbClr val="000000"/>
                 </a:solidFill>
@@ -12349,7 +12093,7 @@
           <a:lstStyle/>
           <a:p>
             <a:r>
-              <a:rPr lang="en-US" sz="2400" b="1" dirty="0" smtClean="0">
+              <a:rPr lang="en-US" sz="2400" b="1" dirty="0">
                 <a:solidFill>
                   <a:srgbClr val="000000"/>
                 </a:solidFill>
@@ -12383,7 +12127,7 @@
           <a:lstStyle/>
           <a:p>
             <a:r>
-              <a:rPr lang="en-US" sz="2400" b="1" dirty="0" smtClean="0">
+              <a:rPr lang="en-US" sz="2400" b="1" dirty="0">
                 <a:solidFill>
                   <a:srgbClr val="000000"/>
                 </a:solidFill>
@@ -12417,7 +12161,7 @@
           <a:lstStyle/>
           <a:p>
             <a:r>
-              <a:rPr lang="en-US" sz="2400" b="1" dirty="0" smtClean="0">
+              <a:rPr lang="en-US" sz="2400" b="1" dirty="0">
                 <a:solidFill>
                   <a:srgbClr val="000000"/>
                 </a:solidFill>
@@ -12620,79 +12364,75 @@
           <a:lstStyle/>
           <a:p>
             <a:r>
-              <a:rPr lang="en-US" i="1" dirty="0" smtClean="0">
+              <a:rPr lang="en-US" i="1" dirty="0">
                 <a:latin typeface="Times New Roman"/>
                 <a:cs typeface="Times New Roman"/>
               </a:rPr>
               <a:t>N</a:t>
             </a:r>
             <a:r>
-              <a:rPr lang="en-US" dirty="0" smtClean="0">
+              <a:rPr lang="en-US" dirty="0">
                 <a:latin typeface="Times New Roman"/>
                 <a:cs typeface="Times New Roman"/>
               </a:rPr>
               <a:t>(0,1) </a:t>
             </a:r>
             <a:r>
-              <a:rPr lang="en-US" dirty="0" err="1" smtClean="0">
+              <a:rPr lang="en-US" dirty="0" err="1">
                 <a:latin typeface="Times New Roman"/>
                 <a:cs typeface="Times New Roman"/>
               </a:rPr>
               <a:t>quantiles</a:t>
             </a:r>
             <a:r>
-              <a:rPr lang="en-US" dirty="0" smtClean="0">
+              <a:rPr lang="en-US" dirty="0">
                 <a:latin typeface="Times New Roman"/>
                 <a:cs typeface="Times New Roman"/>
               </a:rPr>
               <a:t> </a:t>
             </a:r>
             <a:r>
-              <a:rPr lang="en-US" b="1" dirty="0" err="1" smtClean="0">
+              <a:rPr lang="en-US" b="1" dirty="0" err="1">
                 <a:latin typeface="Courier"/>
                 <a:cs typeface="Courier"/>
               </a:rPr>
               <a:t>qnorm</a:t>
             </a:r>
             <a:r>
-              <a:rPr lang="en-US" b="1" dirty="0" smtClean="0">
+              <a:rPr lang="en-US" b="1" dirty="0">
                 <a:latin typeface="Courier"/>
                 <a:cs typeface="Courier"/>
               </a:rPr>
               <a:t>(1-a/2)</a:t>
             </a:r>
             <a:r>
-              <a:rPr lang="en-US" dirty="0" smtClean="0">
+              <a:rPr lang="en-US" dirty="0">
                 <a:latin typeface="Times New Roman"/>
                 <a:cs typeface="Times New Roman"/>
               </a:rPr>
               <a:t> or </a:t>
             </a:r>
             <a:r>
-              <a:rPr lang="en-US" b="1" dirty="0" err="1" smtClean="0">
+              <a:rPr lang="en-US" b="1" dirty="0" err="1">
                 <a:latin typeface="Courier"/>
                 <a:cs typeface="Courier"/>
               </a:rPr>
               <a:t>qnorm</a:t>
             </a:r>
             <a:r>
-              <a:rPr lang="en-US" b="1" dirty="0" smtClean="0">
+              <a:rPr lang="en-US" b="1" dirty="0">
                 <a:latin typeface="Courier"/>
                 <a:cs typeface="Courier"/>
               </a:rPr>
               <a:t>(1-a)</a:t>
             </a:r>
             <a:r>
-              <a:rPr lang="en-US" dirty="0" smtClean="0">
+              <a:rPr lang="en-US" dirty="0">
                 <a:latin typeface="Times New Roman"/>
                 <a:cs typeface="Times New Roman"/>
               </a:rPr>
               <a:t> </a:t>
             </a:r>
-            <a:endParaRPr lang="en-US" dirty="0">
-              <a:latin typeface="Times New Roman"/>
-              <a:cs typeface="Times New Roman"/>
-            </a:endParaRPr>
           </a:p>
         </p:txBody>
       </p:sp>
@@ -12781,7 +12521,7 @@
   <p:timing>
     <p:tnLst>
       <p:par>
-        <p:cTn xmlns:p14="http://schemas.microsoft.com/office/powerpoint/2010/main" id="1" dur="indefinite" restart="never" nodeType="tmRoot">
+        <p:cTn id="1" dur="indefinite" restart="never" nodeType="tmRoot">
           <p:childTnLst>
             <p:seq concurrent="1" nextAc="seek">
               <p:cTn id="2" dur="indefinite" nodeType="mainSeq">
@@ -13070,7 +12810,7 @@
               </a:tabLst>
             </a:pPr>
             <a:r>
-              <a:rPr lang="en-US" sz="2400" dirty="0" smtClean="0">
+              <a:rPr lang="en-US" sz="2400" dirty="0">
                 <a:solidFill>
                   <a:srgbClr val="000000"/>
                 </a:solidFill>
@@ -13079,7 +12819,7 @@
               <a:t>So how do we compute a (1 − </a:t>
             </a:r>
             <a:r>
-              <a:rPr lang="en-US" sz="2400" dirty="0" smtClean="0">
+              <a:rPr lang="en-US" sz="2400" dirty="0">
                 <a:solidFill>
                   <a:srgbClr val="000000"/>
                 </a:solidFill>
@@ -13089,7 +12829,7 @@
               <a:t>a</a:t>
             </a:r>
             <a:r>
-              <a:rPr lang="en-US" sz="2400" dirty="0" smtClean="0">
+              <a:rPr lang="en-US" sz="2400" dirty="0">
                 <a:solidFill>
                   <a:srgbClr val="000000"/>
                 </a:solidFill>
@@ -13143,7 +12883,7 @@
               </a:tabLst>
             </a:pPr>
             <a:r>
-              <a:rPr lang="en-US" sz="2400" b="1" u="sng" dirty="0" smtClean="0">
+              <a:rPr lang="en-US" sz="2400" b="1" u="sng" dirty="0">
                 <a:solidFill>
                   <a:srgbClr val="000000"/>
                 </a:solidFill>
@@ -13152,7 +12892,7 @@
               <a:t>Case 1b</a:t>
             </a:r>
             <a:r>
-              <a:rPr lang="en-US" sz="2400" dirty="0" smtClean="0">
+              <a:rPr lang="en-US" sz="2400" dirty="0">
                 <a:solidFill>
                   <a:srgbClr val="000000"/>
                 </a:solidFill>
@@ -13161,7 +12901,7 @@
               <a:t>: (1 − </a:t>
             </a:r>
             <a:r>
-              <a:rPr lang="en-US" sz="2400" dirty="0" smtClean="0">
+              <a:rPr lang="en-US" sz="2400" dirty="0">
                 <a:solidFill>
                   <a:srgbClr val="000000"/>
                 </a:solidFill>
@@ -13171,7 +12911,7 @@
               <a:t>a</a:t>
             </a:r>
             <a:r>
-              <a:rPr lang="en-US" sz="2400" dirty="0" smtClean="0">
+              <a:rPr lang="en-US" sz="2400" dirty="0">
                 <a:solidFill>
                   <a:srgbClr val="000000"/>
                 </a:solidFill>
@@ -13180,7 +12920,7 @@
               <a:t>)×100% CIs for the </a:t>
             </a:r>
             <a:r>
-              <a:rPr lang="en-US" sz="2400" b="1" u="sng" dirty="0" smtClean="0">
+              <a:rPr lang="en-US" sz="2400" b="1" u="sng" dirty="0">
                 <a:solidFill>
                   <a:srgbClr val="000000"/>
                 </a:solidFill>
@@ -13189,7 +12929,7 @@
               <a:t>mean</a:t>
             </a:r>
             <a:r>
-              <a:rPr lang="en-US" sz="2400" dirty="0" smtClean="0">
+              <a:rPr lang="en-US" sz="2400" dirty="0">
                 <a:solidFill>
                   <a:srgbClr val="000000"/>
                 </a:solidFill>
@@ -13198,7 +12938,7 @@
               <a:t> </a:t>
             </a:r>
             <a:r>
-              <a:rPr lang="en-US" sz="2400" i="1" dirty="0" smtClean="0">
+              <a:rPr lang="en-US" sz="2400" i="1" dirty="0">
                 <a:solidFill>
                   <a:srgbClr val="000000"/>
                 </a:solidFill>
@@ -13218,7 +12958,7 @@
               <a:t> </a:t>
             </a:r>
             <a:r>
-              <a:rPr lang="en-US" sz="2400" dirty="0" smtClean="0">
+              <a:rPr lang="en-US" sz="2400" dirty="0">
                 <a:solidFill>
                   <a:srgbClr val="000000"/>
                 </a:solidFill>
@@ -13251,7 +12991,7 @@
               </a:tabLst>
             </a:pPr>
             <a:r>
-              <a:rPr lang="en-US" sz="2400" b="1" dirty="0" smtClean="0">
+              <a:rPr lang="en-US" sz="2400" b="1" dirty="0">
                 <a:solidFill>
                   <a:srgbClr val="000000"/>
                 </a:solidFill>
@@ -13261,7 +13001,7 @@
               <a:t>Large sample</a:t>
             </a:r>
             <a:r>
-              <a:rPr lang="en-US" sz="2400" dirty="0" smtClean="0">
+              <a:rPr lang="en-US" sz="2400" dirty="0">
                 <a:solidFill>
                   <a:srgbClr val="000000"/>
                 </a:solidFill>
@@ -13271,7 +13011,7 @@
               <a:t> </a:t>
             </a:r>
             <a:r>
-              <a:rPr lang="en-US" sz="2400" i="1" dirty="0" smtClean="0">
+              <a:rPr lang="en-US" sz="2400" i="1" dirty="0">
                 <a:solidFill>
                   <a:srgbClr val="000000"/>
                 </a:solidFill>
@@ -13281,7 +13021,7 @@
               <a:t>n </a:t>
             </a:r>
             <a:r>
-              <a:rPr lang="en-US" sz="2400" dirty="0" smtClean="0">
+              <a:rPr lang="en-US" sz="2400" dirty="0">
                 <a:solidFill>
                   <a:srgbClr val="000000"/>
                 </a:solidFill>
@@ -13291,7 +13031,7 @@
               <a:t>(</a:t>
             </a:r>
             <a:r>
-              <a:rPr lang="en-US" sz="2400" i="1" u="sng" dirty="0" smtClean="0">
+              <a:rPr lang="en-US" sz="2400" i="1" u="sng" dirty="0">
                 <a:solidFill>
                   <a:srgbClr val="000000"/>
                 </a:solidFill>
@@ -13301,7 +13041,7 @@
               <a:t>at least</a:t>
             </a:r>
             <a:r>
-              <a:rPr lang="en-US" sz="2400" dirty="0" smtClean="0">
+              <a:rPr lang="en-US" sz="2400" dirty="0">
                 <a:solidFill>
                   <a:srgbClr val="000000"/>
                 </a:solidFill>
@@ -13311,7 +13051,7 @@
               <a:t> 30), </a:t>
             </a:r>
             <a:r>
-              <a:rPr lang="en-US" sz="2400" dirty="0" err="1" smtClean="0">
+              <a:rPr lang="en-US" sz="2400" dirty="0" err="1">
                 <a:solidFill>
                   <a:srgbClr val="000000"/>
                 </a:solidFill>
@@ -13321,7 +13061,7 @@
               <a:t>sd</a:t>
             </a:r>
             <a:r>
-              <a:rPr lang="en-US" sz="2400" dirty="0" smtClean="0">
+              <a:rPr lang="en-US" sz="2400" dirty="0">
                 <a:solidFill>
                   <a:srgbClr val="000000"/>
                 </a:solidFill>
@@ -13331,7 +13071,7 @@
               <a:t> </a:t>
             </a:r>
             <a:r>
-              <a:rPr lang="en-US" sz="2400" i="1" dirty="0" err="1" smtClean="0">
+              <a:rPr lang="en-US" sz="2400" i="1" dirty="0" err="1">
                 <a:solidFill>
                   <a:srgbClr val="000000"/>
                 </a:solidFill>
@@ -13341,7 +13081,7 @@
               <a:t>s</a:t>
             </a:r>
             <a:r>
-              <a:rPr lang="en-US" sz="2400" i="1" baseline="-25000" dirty="0" err="1" smtClean="0">
+              <a:rPr lang="en-US" sz="2400" i="1" baseline="-25000" dirty="0" err="1">
                 <a:solidFill>
                   <a:srgbClr val="000000"/>
                 </a:solidFill>
@@ -13351,7 +13091,7 @@
               <a:t>X</a:t>
             </a:r>
             <a:r>
-              <a:rPr lang="en-US" sz="2400" i="1" dirty="0" smtClean="0">
+              <a:rPr lang="en-US" sz="2400" i="1" dirty="0">
                 <a:solidFill>
                   <a:srgbClr val="000000"/>
                 </a:solidFill>
@@ -13361,7 +13101,7 @@
               <a:t> </a:t>
             </a:r>
             <a:r>
-              <a:rPr lang="en-US" sz="2400" b="1" i="1" u="sng" dirty="0" smtClean="0">
+              <a:rPr lang="en-US" sz="2400" b="1" i="1" u="sng" dirty="0">
                 <a:solidFill>
                   <a:srgbClr val="000000"/>
                 </a:solidFill>
@@ -13371,7 +13111,7 @@
               <a:t>un</a:t>
             </a:r>
             <a:r>
-              <a:rPr lang="en-US" sz="2400" b="1" dirty="0" smtClean="0">
+              <a:rPr lang="en-US" sz="2400" b="1" dirty="0">
                 <a:solidFill>
                   <a:srgbClr val="000000"/>
                 </a:solidFill>
@@ -13381,7 +13121,7 @@
               <a:t>known</a:t>
             </a:r>
             <a:r>
-              <a:rPr lang="en-US" sz="2400" dirty="0" smtClean="0">
+              <a:rPr lang="en-US" sz="2400" dirty="0">
                 <a:solidFill>
                   <a:srgbClr val="000000"/>
                 </a:solidFill>
@@ -13414,7 +13154,7 @@
           <a:lstStyle/>
           <a:p>
             <a:r>
-              <a:rPr lang="en-US" sz="2400" b="1" dirty="0" smtClean="0">
+              <a:rPr lang="en-US" sz="2400" b="1" dirty="0">
                 <a:solidFill>
                   <a:srgbClr val="000000"/>
                 </a:solidFill>
@@ -13448,7 +13188,7 @@
           <a:lstStyle/>
           <a:p>
             <a:r>
-              <a:rPr lang="en-US" sz="2400" b="1" dirty="0" smtClean="0">
+              <a:rPr lang="en-US" sz="2400" b="1" dirty="0">
                 <a:solidFill>
                   <a:srgbClr val="000000"/>
                 </a:solidFill>
@@ -13482,7 +13222,7 @@
           <a:lstStyle/>
           <a:p>
             <a:r>
-              <a:rPr lang="en-US" sz="2400" b="1" dirty="0" smtClean="0">
+              <a:rPr lang="en-US" sz="2400" b="1" dirty="0">
                 <a:solidFill>
                   <a:srgbClr val="000000"/>
                 </a:solidFill>
@@ -13616,29 +13356,14 @@
               </a:tabLst>
             </a:pPr>
             <a:r>
-              <a:rPr lang="en-GB" sz="3200" dirty="0" smtClean="0">
+              <a:rPr lang="en-GB" sz="3200" dirty="0">
                 <a:solidFill>
                   <a:srgbClr val="000000"/>
                 </a:solidFill>
                 <a:latin typeface="Times New Roman" pitchFamily="18" charset="0"/>
               </a:rPr>
-              <a:t>Equation Catalogue: Confidence </a:t>
-            </a:r>
-            <a:r>
-              <a:rPr lang="en-GB" sz="3200" dirty="0" smtClean="0">
-                <a:solidFill>
-                  <a:srgbClr val="000000"/>
-                </a:solidFill>
-                <a:latin typeface="Times New Roman" pitchFamily="18" charset="0"/>
-              </a:rPr>
-              <a:t>Intervals</a:t>
-            </a:r>
-            <a:endParaRPr lang="en-GB" sz="3200" dirty="0">
-              <a:solidFill>
-                <a:srgbClr val="000000"/>
-              </a:solidFill>
-              <a:latin typeface="Times New Roman" pitchFamily="18" charset="0"/>
-            </a:endParaRPr>
+              <a:t>Equation Catalogue: Confidence Intervals</a:t>
+            </a:r>
           </a:p>
         </p:txBody>
       </p:sp>
@@ -13652,13 +13377,6 @@
   <p:clrMapOvr>
     <a:masterClrMapping/>
   </p:clrMapOvr>
-  <p:timing>
-    <p:tnLst>
-      <p:par>
-        <p:cTn xmlns:p14="http://schemas.microsoft.com/office/powerpoint/2010/main" id="1" dur="indefinite" restart="never" nodeType="tmRoot"/>
-      </p:par>
-    </p:tnLst>
-  </p:timing>
 </p:sld>
 </file>
 
@@ -13729,7 +13447,7 @@
               </a:tabLst>
             </a:pPr>
             <a:r>
-              <a:rPr lang="en-GB" sz="4000" dirty="0" smtClean="0">
+              <a:rPr lang="en-GB" sz="4000" dirty="0">
                 <a:solidFill>
                   <a:srgbClr val="000000"/>
                 </a:solidFill>
@@ -13737,12 +13455,6 @@
               </a:rPr>
               <a:t>Confidence Intervals</a:t>
             </a:r>
-            <a:endParaRPr lang="en-GB" sz="4000" dirty="0">
-              <a:solidFill>
-                <a:srgbClr val="000000"/>
-              </a:solidFill>
-              <a:latin typeface="Times New Roman" pitchFamily="18" charset="0"/>
-            </a:endParaRPr>
           </a:p>
         </p:txBody>
       </p:sp>
@@ -13796,7 +13508,7 @@
               </a:tabLst>
             </a:pPr>
             <a:r>
-              <a:rPr lang="en-US" sz="2800" i="1" dirty="0" smtClean="0">
+              <a:rPr lang="en-US" sz="2800" i="1" dirty="0">
                 <a:solidFill>
                   <a:srgbClr val="000000"/>
                 </a:solidFill>
@@ -13806,7 +13518,7 @@
               <a:t>q</a:t>
             </a:r>
             <a:r>
-              <a:rPr lang="en-US" sz="2800" dirty="0" smtClean="0">
+              <a:rPr lang="en-US" sz="2800" dirty="0">
                 <a:solidFill>
                   <a:srgbClr val="000000"/>
                 </a:solidFill>
@@ -13816,7 +13528,7 @@
               <a:t> is a parameter we are interested in and assume we don</a:t>
             </a:r>
             <a:r>
-              <a:rPr lang="fr-FR" sz="2800" dirty="0" smtClean="0">
+              <a:rPr lang="fr-FR" sz="2800" dirty="0">
                 <a:solidFill>
                   <a:srgbClr val="000000"/>
                 </a:solidFill>
@@ -13826,7 +13538,7 @@
               <a:t>’</a:t>
             </a:r>
             <a:r>
-              <a:rPr lang="en-US" sz="2800" dirty="0" smtClean="0">
+              <a:rPr lang="en-US" sz="2800" dirty="0">
                 <a:solidFill>
                   <a:srgbClr val="000000"/>
                 </a:solidFill>
@@ -13866,40 +13578,30 @@
                 <a:latin typeface="Times New Roman" pitchFamily="18" charset="0"/>
                 <a:cs typeface="Times New Roman" pitchFamily="18" charset="0"/>
               </a:rPr>
-              <a:t>e</a:t>
-            </a:r>
-            <a:r>
-              <a:rPr lang="en-US" sz="2800" dirty="0" smtClean="0">
+              <a:t>e.g. </a:t>
+            </a:r>
+            <a:r>
+              <a:rPr lang="en-US" sz="2400" dirty="0">
                 <a:solidFill>
                   <a:srgbClr val="000000"/>
                 </a:solidFill>
                 <a:latin typeface="Times New Roman" pitchFamily="18" charset="0"/>
                 <a:cs typeface="Times New Roman" pitchFamily="18" charset="0"/>
               </a:rPr>
-              <a:t>.g. </a:t>
-            </a:r>
-            <a:r>
-              <a:rPr lang="en-US" sz="2400" dirty="0" smtClean="0">
+              <a:t>a mean, a </a:t>
+            </a:r>
+            <a:r>
+              <a:rPr lang="en-US" sz="2400" dirty="0" err="1">
                 <a:solidFill>
                   <a:srgbClr val="000000"/>
                 </a:solidFill>
                 <a:latin typeface="Times New Roman" pitchFamily="18" charset="0"/>
                 <a:cs typeface="Times New Roman" pitchFamily="18" charset="0"/>
               </a:rPr>
-              <a:t>a mean, a </a:t>
-            </a:r>
-            <a:r>
-              <a:rPr lang="en-US" sz="2400" dirty="0" err="1" smtClean="0">
-                <a:solidFill>
-                  <a:srgbClr val="000000"/>
-                </a:solidFill>
-                <a:latin typeface="Times New Roman" pitchFamily="18" charset="0"/>
-                <a:cs typeface="Times New Roman" pitchFamily="18" charset="0"/>
-              </a:rPr>
               <a:t>sd</a:t>
             </a:r>
             <a:r>
-              <a:rPr lang="en-US" sz="2400" dirty="0" smtClean="0">
+              <a:rPr lang="en-US" sz="2400" dirty="0">
                 <a:solidFill>
                   <a:srgbClr val="000000"/>
                 </a:solidFill>
@@ -13986,7 +13688,7 @@
               </a:tabLst>
             </a:pPr>
             <a:r>
-              <a:rPr lang="en-US" sz="2800" dirty="0" smtClean="0">
+              <a:rPr lang="en-US" sz="2800" dirty="0">
                 <a:solidFill>
                   <a:srgbClr val="000000"/>
                 </a:solidFill>
@@ -14040,7 +13742,7 @@
               </a:tabLst>
             </a:pPr>
             <a:r>
-              <a:rPr lang="en-US" sz="2400" dirty="0" smtClean="0">
+              <a:rPr lang="en-US" sz="2400" dirty="0">
                 <a:solidFill>
                   <a:srgbClr val="000000"/>
                 </a:solidFill>
@@ -14049,7 +13751,7 @@
               <a:t>Then </a:t>
             </a:r>
             <a:r>
-              <a:rPr lang="en-US" sz="2400" i="1" u="sng" dirty="0" smtClean="0">
+              <a:rPr lang="en-US" sz="2400" i="1" u="sng" dirty="0">
                 <a:solidFill>
                   <a:srgbClr val="000000"/>
                 </a:solidFill>
@@ -14058,7 +13760,7 @@
               <a:t>BEFORE</a:t>
             </a:r>
             <a:r>
-              <a:rPr lang="en-US" sz="2400" dirty="0" smtClean="0">
+              <a:rPr lang="en-US" sz="2400" dirty="0">
                 <a:solidFill>
                   <a:srgbClr val="000000"/>
                 </a:solidFill>
@@ -14067,7 +13769,7 @@
               <a:t> we collect the data, we can devise </a:t>
             </a:r>
             <a:r>
-              <a:rPr lang="en-US" sz="2400" i="1" u="sng" dirty="0" smtClean="0">
+              <a:rPr lang="en-US" sz="2400" i="1" u="sng" dirty="0">
                 <a:solidFill>
                   <a:srgbClr val="000000"/>
                 </a:solidFill>
@@ -14076,7 +13778,7 @@
               <a:t>procedure</a:t>
             </a:r>
             <a:r>
-              <a:rPr lang="en-US" sz="2400" dirty="0" smtClean="0">
+              <a:rPr lang="en-US" sz="2400" dirty="0">
                 <a:solidFill>
                   <a:srgbClr val="000000"/>
                 </a:solidFill>
@@ -14084,7 +13786,7 @@
               </a:rPr>
               <a:t> such that: </a:t>
             </a:r>
-            <a:endParaRPr lang="en-US" sz="1400" dirty="0" smtClean="0">
+            <a:endParaRPr lang="en-US" sz="1400" dirty="0">
               <a:solidFill>
                 <a:schemeClr val="tx1"/>
               </a:solidFill>
@@ -14183,16 +13885,12 @@
           <a:lstStyle/>
           <a:p>
             <a:r>
-              <a:rPr lang="en-US" dirty="0" smtClean="0">
+              <a:rPr lang="en-US" dirty="0">
                 <a:latin typeface="Times New Roman"/>
                 <a:cs typeface="Times New Roman"/>
               </a:rPr>
               <a:t>Estimates we will get from the sample we have yet to collect</a:t>
             </a:r>
-            <a:endParaRPr lang="en-US" dirty="0">
-              <a:latin typeface="Times New Roman"/>
-              <a:cs typeface="Times New Roman"/>
-            </a:endParaRPr>
           </a:p>
         </p:txBody>
       </p:sp>
@@ -14263,7 +13961,7 @@
   <p:timing>
     <p:tnLst>
       <p:par>
-        <p:cTn xmlns:p14="http://schemas.microsoft.com/office/powerpoint/2010/main" id="1" dur="indefinite" restart="never" nodeType="tmRoot">
+        <p:cTn id="1" dur="indefinite" restart="never" nodeType="tmRoot">
           <p:childTnLst>
             <p:seq concurrent="1" nextAc="seek">
               <p:cTn id="2" dur="indefinite" nodeType="mainSeq">
@@ -14946,7 +14644,7 @@
               </a:tabLst>
             </a:pPr>
             <a:r>
-              <a:rPr lang="en-US" sz="2400" dirty="0" smtClean="0">
+              <a:rPr lang="en-US" sz="2400" dirty="0">
                 <a:solidFill>
                   <a:srgbClr val="000000"/>
                 </a:solidFill>
@@ -14955,7 +14653,7 @@
               <a:t>So how do we compute a (1 − </a:t>
             </a:r>
             <a:r>
-              <a:rPr lang="en-US" sz="2400" dirty="0" smtClean="0">
+              <a:rPr lang="en-US" sz="2400" dirty="0">
                 <a:solidFill>
                   <a:srgbClr val="000000"/>
                 </a:solidFill>
@@ -14965,7 +14663,7 @@
               <a:t>a</a:t>
             </a:r>
             <a:r>
-              <a:rPr lang="en-US" sz="2400" dirty="0" smtClean="0">
+              <a:rPr lang="en-US" sz="2400" dirty="0">
                 <a:solidFill>
                   <a:srgbClr val="000000"/>
                 </a:solidFill>
@@ -15019,7 +14717,7 @@
               </a:tabLst>
             </a:pPr>
             <a:r>
-              <a:rPr lang="en-US" sz="2400" b="1" u="sng" dirty="0" smtClean="0">
+              <a:rPr lang="en-US" sz="2400" b="1" u="sng" dirty="0">
                 <a:solidFill>
                   <a:srgbClr val="000000"/>
                 </a:solidFill>
@@ -15028,7 +14726,7 @@
               <a:t>Case 1c</a:t>
             </a:r>
             <a:r>
-              <a:rPr lang="en-US" sz="2400" dirty="0" smtClean="0">
+              <a:rPr lang="en-US" sz="2400" dirty="0">
                 <a:solidFill>
                   <a:srgbClr val="000000"/>
                 </a:solidFill>
@@ -15037,7 +14735,7 @@
               <a:t>: (1 − </a:t>
             </a:r>
             <a:r>
-              <a:rPr lang="en-US" sz="2400" dirty="0" smtClean="0">
+              <a:rPr lang="en-US" sz="2400" dirty="0">
                 <a:solidFill>
                   <a:srgbClr val="000000"/>
                 </a:solidFill>
@@ -15047,7 +14745,7 @@
               <a:t>a</a:t>
             </a:r>
             <a:r>
-              <a:rPr lang="en-US" sz="2400" dirty="0" smtClean="0">
+              <a:rPr lang="en-US" sz="2400" dirty="0">
                 <a:solidFill>
                   <a:srgbClr val="000000"/>
                 </a:solidFill>
@@ -15056,7 +14754,7 @@
               <a:t>)×100% CIs for the </a:t>
             </a:r>
             <a:r>
-              <a:rPr lang="en-US" sz="2400" b="1" u="sng" dirty="0" smtClean="0">
+              <a:rPr lang="en-US" sz="2400" b="1" u="sng" dirty="0">
                 <a:solidFill>
                   <a:srgbClr val="000000"/>
                 </a:solidFill>
@@ -15065,7 +14763,7 @@
               <a:t>mean</a:t>
             </a:r>
             <a:r>
-              <a:rPr lang="en-US" sz="2400" dirty="0" smtClean="0">
+              <a:rPr lang="en-US" sz="2400" dirty="0">
                 <a:solidFill>
                   <a:srgbClr val="000000"/>
                 </a:solidFill>
@@ -15074,7 +14772,7 @@
               <a:t> </a:t>
             </a:r>
             <a:r>
-              <a:rPr lang="en-US" sz="2400" i="1" dirty="0" smtClean="0">
+              <a:rPr lang="en-US" sz="2400" i="1" dirty="0">
                 <a:solidFill>
                   <a:srgbClr val="000000"/>
                 </a:solidFill>
@@ -15094,7 +14792,7 @@
               <a:t> </a:t>
             </a:r>
             <a:r>
-              <a:rPr lang="en-US" sz="2400" dirty="0" smtClean="0">
+              <a:rPr lang="en-US" sz="2400" dirty="0">
                 <a:solidFill>
                   <a:srgbClr val="000000"/>
                 </a:solidFill>
@@ -15127,7 +14825,7 @@
               </a:tabLst>
             </a:pPr>
             <a:r>
-              <a:rPr lang="en-US" sz="2400" b="1" dirty="0" smtClean="0">
+              <a:rPr lang="en-US" sz="2400" b="1" dirty="0">
                 <a:solidFill>
                   <a:srgbClr val="000000"/>
                 </a:solidFill>
@@ -15137,7 +14835,7 @@
               <a:t>Small sample</a:t>
             </a:r>
             <a:r>
-              <a:rPr lang="en-US" sz="2400" dirty="0" smtClean="0">
+              <a:rPr lang="en-US" sz="2400" dirty="0">
                 <a:solidFill>
                   <a:srgbClr val="000000"/>
                 </a:solidFill>
@@ -15147,7 +14845,7 @@
               <a:t> </a:t>
             </a:r>
             <a:r>
-              <a:rPr lang="en-US" sz="2400" i="1" dirty="0" smtClean="0">
+              <a:rPr lang="en-US" sz="2400" i="1" dirty="0">
                 <a:solidFill>
                   <a:srgbClr val="000000"/>
                 </a:solidFill>
@@ -15157,7 +14855,7 @@
               <a:t>n</a:t>
             </a:r>
             <a:r>
-              <a:rPr lang="en-US" sz="2400" dirty="0" smtClean="0">
+              <a:rPr lang="en-US" sz="2400" dirty="0">
                 <a:solidFill>
                   <a:srgbClr val="000000"/>
                 </a:solidFill>
@@ -15167,7 +14865,7 @@
               <a:t>, </a:t>
             </a:r>
             <a:r>
-              <a:rPr lang="en-US" sz="2400" dirty="0" err="1" smtClean="0">
+              <a:rPr lang="en-US" sz="2400" dirty="0" err="1">
                 <a:solidFill>
                   <a:srgbClr val="000000"/>
                 </a:solidFill>
@@ -15177,7 +14875,7 @@
               <a:t>sd</a:t>
             </a:r>
             <a:r>
-              <a:rPr lang="en-US" sz="2400" dirty="0" smtClean="0">
+              <a:rPr lang="en-US" sz="2400" dirty="0">
                 <a:solidFill>
                   <a:srgbClr val="000000"/>
                 </a:solidFill>
@@ -15187,7 +14885,7 @@
               <a:t> </a:t>
             </a:r>
             <a:r>
-              <a:rPr lang="en-US" sz="2400" i="1" dirty="0" err="1" smtClean="0">
+              <a:rPr lang="en-US" sz="2400" i="1" dirty="0" err="1">
                 <a:solidFill>
                   <a:srgbClr val="000000"/>
                 </a:solidFill>
@@ -15197,7 +14895,7 @@
               <a:t>s</a:t>
             </a:r>
             <a:r>
-              <a:rPr lang="en-US" sz="2400" i="1" baseline="-25000" dirty="0" err="1" smtClean="0">
+              <a:rPr lang="en-US" sz="2400" i="1" baseline="-25000" dirty="0" err="1">
                 <a:solidFill>
                   <a:srgbClr val="000000"/>
                 </a:solidFill>
@@ -15207,7 +14905,7 @@
               <a:t>X</a:t>
             </a:r>
             <a:r>
-              <a:rPr lang="en-US" sz="2400" i="1" dirty="0" smtClean="0">
+              <a:rPr lang="en-US" sz="2400" i="1" dirty="0">
                 <a:solidFill>
                   <a:srgbClr val="000000"/>
                 </a:solidFill>
@@ -15217,7 +14915,7 @@
               <a:t> </a:t>
             </a:r>
             <a:r>
-              <a:rPr lang="en-US" sz="2400" b="1" i="1" u="sng" dirty="0" smtClean="0">
+              <a:rPr lang="en-US" sz="2400" b="1" i="1" u="sng" dirty="0">
                 <a:solidFill>
                   <a:srgbClr val="000000"/>
                 </a:solidFill>
@@ -15227,7 +14925,7 @@
               <a:t>un</a:t>
             </a:r>
             <a:r>
-              <a:rPr lang="en-US" sz="2400" b="1" dirty="0" smtClean="0">
+              <a:rPr lang="en-US" sz="2400" b="1" dirty="0">
                 <a:solidFill>
                   <a:srgbClr val="000000"/>
                 </a:solidFill>
@@ -15237,7 +14935,7 @@
               <a:t>known</a:t>
             </a:r>
             <a:r>
-              <a:rPr lang="en-US" sz="2400" dirty="0" smtClean="0">
+              <a:rPr lang="en-US" sz="2400" dirty="0">
                 <a:solidFill>
                   <a:srgbClr val="000000"/>
                 </a:solidFill>
@@ -15270,7 +14968,7 @@
           <a:lstStyle/>
           <a:p>
             <a:r>
-              <a:rPr lang="en-US" sz="2400" b="1" dirty="0" smtClean="0">
+              <a:rPr lang="en-US" sz="2400" b="1" dirty="0">
                 <a:solidFill>
                   <a:srgbClr val="000000"/>
                 </a:solidFill>
@@ -15304,7 +15002,7 @@
           <a:lstStyle/>
           <a:p>
             <a:r>
-              <a:rPr lang="en-US" sz="2400" b="1" dirty="0" smtClean="0">
+              <a:rPr lang="en-US" sz="2400" b="1" dirty="0">
                 <a:solidFill>
                   <a:srgbClr val="000000"/>
                 </a:solidFill>
@@ -15338,7 +15036,7 @@
           <a:lstStyle/>
           <a:p>
             <a:r>
-              <a:rPr lang="en-US" sz="2400" b="1" dirty="0" smtClean="0">
+              <a:rPr lang="en-US" sz="2400" b="1" dirty="0">
                 <a:solidFill>
                   <a:srgbClr val="000000"/>
                 </a:solidFill>
@@ -15541,93 +15239,89 @@
           <a:lstStyle/>
           <a:p>
             <a:r>
-              <a:rPr lang="en-US" i="1" dirty="0" smtClean="0">
+              <a:rPr lang="en-US" i="1" dirty="0">
                 <a:latin typeface="Times New Roman"/>
                 <a:cs typeface="Times New Roman"/>
               </a:rPr>
               <a:t>Student-t</a:t>
             </a:r>
             <a:r>
-              <a:rPr lang="en-US" dirty="0" smtClean="0">
+              <a:rPr lang="en-US" dirty="0">
                 <a:latin typeface="Times New Roman"/>
                 <a:cs typeface="Times New Roman"/>
               </a:rPr>
               <a:t>(</a:t>
             </a:r>
             <a:r>
-              <a:rPr lang="en-US" i="1" dirty="0" smtClean="0">
+              <a:rPr lang="en-US" i="1" dirty="0">
                 <a:latin typeface="Times New Roman"/>
                 <a:cs typeface="Times New Roman"/>
               </a:rPr>
               <a:t>n</a:t>
             </a:r>
             <a:r>
-              <a:rPr lang="en-US" dirty="0" smtClean="0">
+              <a:rPr lang="en-US" dirty="0">
                 <a:latin typeface="Times New Roman"/>
                 <a:cs typeface="Times New Roman"/>
               </a:rPr>
               <a:t>-1) </a:t>
             </a:r>
             <a:r>
-              <a:rPr lang="en-US" dirty="0" err="1" smtClean="0">
+              <a:rPr lang="en-US" dirty="0" err="1">
                 <a:latin typeface="Times New Roman"/>
                 <a:cs typeface="Times New Roman"/>
               </a:rPr>
               <a:t>quantiles</a:t>
             </a:r>
             <a:r>
-              <a:rPr lang="en-US" dirty="0" smtClean="0">
+              <a:rPr lang="en-US" dirty="0">
                 <a:latin typeface="Times New Roman"/>
                 <a:cs typeface="Times New Roman"/>
               </a:rPr>
               <a:t> </a:t>
             </a:r>
             <a:r>
-              <a:rPr lang="en-US" b="1" dirty="0" err="1" smtClean="0">
+              <a:rPr lang="en-US" b="1" dirty="0" err="1">
                 <a:latin typeface="Courier"/>
                 <a:cs typeface="Courier"/>
               </a:rPr>
               <a:t>qt</a:t>
             </a:r>
             <a:r>
-              <a:rPr lang="en-US" b="1" dirty="0" smtClean="0">
+              <a:rPr lang="en-US" b="1" dirty="0">
                 <a:latin typeface="Courier"/>
                 <a:cs typeface="Courier"/>
               </a:rPr>
               <a:t>(1-a/2,df=n-1)</a:t>
             </a:r>
             <a:r>
-              <a:rPr lang="en-US" dirty="0" smtClean="0">
+              <a:rPr lang="en-US" dirty="0">
                 <a:latin typeface="Times New Roman"/>
                 <a:cs typeface="Times New Roman"/>
               </a:rPr>
               <a:t> or  </a:t>
             </a:r>
             <a:r>
-              <a:rPr lang="en-US" b="1" dirty="0" err="1" smtClean="0">
+              <a:rPr lang="en-US" b="1" dirty="0" err="1">
                 <a:latin typeface="Courier"/>
                 <a:cs typeface="Courier"/>
               </a:rPr>
               <a:t>qt</a:t>
             </a:r>
             <a:r>
-              <a:rPr lang="en-US" b="1" dirty="0" smtClean="0">
+              <a:rPr lang="en-US" b="1" dirty="0">
                 <a:latin typeface="Courier"/>
                 <a:cs typeface="Courier"/>
               </a:rPr>
               <a:t>(1-a,df=n-1)</a:t>
             </a:r>
             <a:r>
-              <a:rPr lang="en-US" dirty="0" smtClean="0">
+              <a:rPr lang="en-US" dirty="0">
                 <a:latin typeface="Times New Roman"/>
                 <a:cs typeface="Times New Roman"/>
               </a:rPr>
               <a:t> </a:t>
             </a:r>
-            <a:endParaRPr lang="en-US" dirty="0">
-              <a:latin typeface="Times New Roman"/>
-              <a:cs typeface="Times New Roman"/>
-            </a:endParaRPr>
           </a:p>
         </p:txBody>
       </p:sp>
@@ -15753,29 +15447,14 @@
               </a:tabLst>
             </a:pPr>
             <a:r>
-              <a:rPr lang="en-GB" sz="3200" dirty="0" smtClean="0">
+              <a:rPr lang="en-GB" sz="3200" dirty="0">
                 <a:solidFill>
                   <a:srgbClr val="000000"/>
                 </a:solidFill>
                 <a:latin typeface="Times New Roman" pitchFamily="18" charset="0"/>
               </a:rPr>
-              <a:t>Equation Catalogue: Confidence </a:t>
-            </a:r>
-            <a:r>
-              <a:rPr lang="en-GB" sz="3200" dirty="0" smtClean="0">
-                <a:solidFill>
-                  <a:srgbClr val="000000"/>
-                </a:solidFill>
-                <a:latin typeface="Times New Roman" pitchFamily="18" charset="0"/>
-              </a:rPr>
-              <a:t>Intervals</a:t>
-            </a:r>
-            <a:endParaRPr lang="en-GB" sz="3200" dirty="0">
-              <a:solidFill>
-                <a:srgbClr val="000000"/>
-              </a:solidFill>
-              <a:latin typeface="Times New Roman" pitchFamily="18" charset="0"/>
-            </a:endParaRPr>
+              <a:t>Equation Catalogue: Confidence Intervals</a:t>
+            </a:r>
           </a:p>
         </p:txBody>
       </p:sp>
@@ -15792,7 +15471,7 @@
   <p:timing>
     <p:tnLst>
       <p:par>
-        <p:cTn xmlns:p14="http://schemas.microsoft.com/office/powerpoint/2010/main" id="1" dur="indefinite" restart="never" nodeType="tmRoot">
+        <p:cTn id="1" dur="indefinite" restart="never" nodeType="tmRoot">
           <p:childTnLst>
             <p:seq concurrent="1" nextAc="seek">
               <p:cTn id="2" dur="indefinite" nodeType="mainSeq">
@@ -16006,1421 +15685,6 @@
           <a:chExt cx="0" cy="0"/>
         </a:xfrm>
       </p:grpSpPr>
-      <p:pic>
-        <p:nvPicPr>
-          <p:cNvPr id="3" name="Picture 2"/>
-          <p:cNvPicPr>
-            <a:picLocks noChangeAspect="1" noChangeArrowheads="1"/>
-          </p:cNvPicPr>
-          <p:nvPr/>
-        </p:nvPicPr>
-        <p:blipFill>
-          <a:blip r:embed="rId2" cstate="print"/>
-          <a:srcRect/>
-          <a:stretch>
-            <a:fillRect/>
-          </a:stretch>
-        </p:blipFill>
-        <p:spPr bwMode="auto">
-          <a:xfrm>
-            <a:off x="484188" y="76200"/>
-            <a:ext cx="8202612" cy="239712"/>
-          </a:xfrm>
-          <a:prstGeom prst="rect">
-            <a:avLst/>
-          </a:prstGeom>
-          <a:noFill/>
-          <a:ln w="9525">
-            <a:noFill/>
-            <a:round/>
-            <a:headEnd/>
-            <a:tailEnd/>
-          </a:ln>
-        </p:spPr>
-      </p:pic>
-      <p:sp>
-        <p:nvSpPr>
-          <p:cNvPr id="4" name="Rectangle 3"/>
-          <p:cNvSpPr/>
-          <p:nvPr/>
-        </p:nvSpPr>
-        <p:spPr>
-          <a:xfrm>
-            <a:off x="0" y="1156726"/>
-            <a:ext cx="8839200" cy="830997"/>
-          </a:xfrm>
-          <a:prstGeom prst="rect">
-            <a:avLst/>
-          </a:prstGeom>
-        </p:spPr>
-        <p:txBody>
-          <a:bodyPr wrap="square">
-            <a:spAutoFit/>
-          </a:bodyPr>
-          <a:lstStyle/>
-          <a:p>
-            <a:pPr marL="430213" indent="-323850">
-              <a:spcBef>
-                <a:spcPts val="800"/>
-              </a:spcBef>
-              <a:buFont typeface="Times New Roman" pitchFamily="18" charset="0"/>
-              <a:buChar char="•"/>
-              <a:tabLst>
-                <a:tab pos="430213" algn="l"/>
-                <a:tab pos="1344613" algn="l"/>
-                <a:tab pos="2259013" algn="l"/>
-                <a:tab pos="3173413" algn="l"/>
-                <a:tab pos="4087813" algn="l"/>
-                <a:tab pos="5002213" algn="l"/>
-                <a:tab pos="5916613" algn="l"/>
-                <a:tab pos="6831013" algn="l"/>
-                <a:tab pos="7745413" algn="l"/>
-                <a:tab pos="8659813" algn="l"/>
-                <a:tab pos="9574213" algn="l"/>
-                <a:tab pos="10488613" algn="l"/>
-              </a:tabLst>
-            </a:pPr>
-            <a:r>
-              <a:rPr lang="en-US" sz="2400" dirty="0" smtClean="0">
-                <a:solidFill>
-                  <a:srgbClr val="000000"/>
-                </a:solidFill>
-                <a:latin typeface="Times New Roman" pitchFamily="18" charset="0"/>
-              </a:rPr>
-              <a:t>So how do we compute a (1 − </a:t>
-            </a:r>
-            <a:r>
-              <a:rPr lang="en-US" sz="2400" dirty="0" smtClean="0">
-                <a:solidFill>
-                  <a:srgbClr val="000000"/>
-                </a:solidFill>
-                <a:latin typeface="Symbol" charset="2"/>
-                <a:cs typeface="Symbol" charset="2"/>
-              </a:rPr>
-              <a:t>a</a:t>
-            </a:r>
-            <a:r>
-              <a:rPr lang="en-US" sz="2400" dirty="0" smtClean="0">
-                <a:solidFill>
-                  <a:srgbClr val="000000"/>
-                </a:solidFill>
-                <a:latin typeface="Times New Roman" pitchFamily="18" charset="0"/>
-              </a:rPr>
-              <a:t>)×100% confidence interval given a set of data??</a:t>
-            </a:r>
-          </a:p>
-        </p:txBody>
-      </p:sp>
-      <p:sp>
-        <p:nvSpPr>
-          <p:cNvPr id="5" name="Rectangle 4"/>
-          <p:cNvSpPr/>
-          <p:nvPr/>
-        </p:nvSpPr>
-        <p:spPr>
-          <a:xfrm>
-            <a:off x="18720" y="2140123"/>
-            <a:ext cx="8839200" cy="933589"/>
-          </a:xfrm>
-          <a:prstGeom prst="rect">
-            <a:avLst/>
-          </a:prstGeom>
-        </p:spPr>
-        <p:txBody>
-          <a:bodyPr wrap="square">
-            <a:spAutoFit/>
-          </a:bodyPr>
-          <a:lstStyle/>
-          <a:p>
-            <a:pPr marL="430213" indent="-323850">
-              <a:spcBef>
-                <a:spcPts val="800"/>
-              </a:spcBef>
-              <a:buFont typeface="Times New Roman" pitchFamily="18" charset="0"/>
-              <a:buChar char="•"/>
-              <a:tabLst>
-                <a:tab pos="430213" algn="l"/>
-                <a:tab pos="1344613" algn="l"/>
-                <a:tab pos="2259013" algn="l"/>
-                <a:tab pos="3173413" algn="l"/>
-                <a:tab pos="4087813" algn="l"/>
-                <a:tab pos="5002213" algn="l"/>
-                <a:tab pos="5916613" algn="l"/>
-                <a:tab pos="6831013" algn="l"/>
-                <a:tab pos="7745413" algn="l"/>
-                <a:tab pos="8659813" algn="l"/>
-                <a:tab pos="9574213" algn="l"/>
-                <a:tab pos="10488613" algn="l"/>
-              </a:tabLst>
-            </a:pPr>
-            <a:r>
-              <a:rPr lang="en-US" sz="2400" b="1" u="sng" dirty="0" smtClean="0">
-                <a:solidFill>
-                  <a:srgbClr val="000000"/>
-                </a:solidFill>
-                <a:latin typeface="Times New Roman" pitchFamily="18" charset="0"/>
-              </a:rPr>
-              <a:t>Case 2a</a:t>
-            </a:r>
-            <a:r>
-              <a:rPr lang="en-US" sz="2400" dirty="0" smtClean="0">
-                <a:solidFill>
-                  <a:srgbClr val="000000"/>
-                </a:solidFill>
-                <a:latin typeface="Times New Roman" pitchFamily="18" charset="0"/>
-              </a:rPr>
-              <a:t>: (1 − </a:t>
-            </a:r>
-            <a:r>
-              <a:rPr lang="en-US" sz="2400" dirty="0" smtClean="0">
-                <a:solidFill>
-                  <a:srgbClr val="000000"/>
-                </a:solidFill>
-                <a:latin typeface="Symbol" charset="2"/>
-                <a:cs typeface="Symbol" charset="2"/>
-              </a:rPr>
-              <a:t>a</a:t>
-            </a:r>
-            <a:r>
-              <a:rPr lang="en-US" sz="2400" dirty="0" smtClean="0">
-                <a:solidFill>
-                  <a:srgbClr val="000000"/>
-                </a:solidFill>
-                <a:latin typeface="Times New Roman" pitchFamily="18" charset="0"/>
-              </a:rPr>
-              <a:t>)×100% CIs for a </a:t>
-            </a:r>
-            <a:r>
-              <a:rPr lang="en-US" sz="2400" b="1" u="sng" dirty="0" smtClean="0">
-                <a:solidFill>
-                  <a:srgbClr val="000000"/>
-                </a:solidFill>
-                <a:latin typeface="Times New Roman" pitchFamily="18" charset="0"/>
-              </a:rPr>
-              <a:t>proportion</a:t>
-            </a:r>
-            <a:r>
-              <a:rPr lang="en-US" sz="2400" dirty="0" smtClean="0">
-                <a:solidFill>
-                  <a:srgbClr val="000000"/>
-                </a:solidFill>
-                <a:latin typeface="Times New Roman" pitchFamily="18" charset="0"/>
-              </a:rPr>
-              <a:t> </a:t>
-            </a:r>
-            <a:r>
-              <a:rPr lang="en-US" sz="2400" i="1" dirty="0" smtClean="0">
-                <a:solidFill>
-                  <a:srgbClr val="000000"/>
-                </a:solidFill>
-                <a:latin typeface="Times New Roman" pitchFamily="18" charset="0"/>
-              </a:rPr>
-              <a:t>p</a:t>
-            </a:r>
-            <a:r>
-              <a:rPr lang="en-US" sz="2400" i="1" dirty="0" smtClean="0">
-                <a:solidFill>
-                  <a:srgbClr val="000000"/>
-                </a:solidFill>
-                <a:latin typeface="Times New Roman"/>
-                <a:cs typeface="Times New Roman"/>
-              </a:rPr>
-              <a:t> </a:t>
-            </a:r>
-            <a:r>
-              <a:rPr lang="en-US" sz="2400" dirty="0" smtClean="0">
-                <a:solidFill>
-                  <a:srgbClr val="000000"/>
-                </a:solidFill>
-                <a:latin typeface="Times New Roman"/>
-                <a:cs typeface="Times New Roman"/>
-              </a:rPr>
-              <a:t>:</a:t>
-            </a:r>
-          </a:p>
-          <a:p>
-            <a:pPr marL="887413" lvl="1" indent="-323850">
-              <a:spcBef>
-                <a:spcPts val="800"/>
-              </a:spcBef>
-              <a:buFont typeface="Times New Roman" pitchFamily="18" charset="0"/>
-              <a:buChar char="•"/>
-              <a:tabLst>
-                <a:tab pos="430213" algn="l"/>
-                <a:tab pos="1344613" algn="l"/>
-                <a:tab pos="2259013" algn="l"/>
-                <a:tab pos="3173413" algn="l"/>
-                <a:tab pos="4087813" algn="l"/>
-                <a:tab pos="5002213" algn="l"/>
-                <a:tab pos="5916613" algn="l"/>
-                <a:tab pos="6831013" algn="l"/>
-                <a:tab pos="7745413" algn="l"/>
-                <a:tab pos="8659813" algn="l"/>
-                <a:tab pos="9574213" algn="l"/>
-                <a:tab pos="10488613" algn="l"/>
-              </a:tabLst>
-            </a:pPr>
-            <a:r>
-              <a:rPr lang="en-US" sz="2400" b="1" dirty="0" smtClean="0">
-                <a:solidFill>
-                  <a:srgbClr val="000000"/>
-                </a:solidFill>
-                <a:latin typeface="Times New Roman"/>
-                <a:cs typeface="Times New Roman"/>
-              </a:rPr>
-              <a:t>Large sample</a:t>
-            </a:r>
-            <a:r>
-              <a:rPr lang="en-US" sz="2400" dirty="0" smtClean="0">
-                <a:solidFill>
-                  <a:srgbClr val="000000"/>
-                </a:solidFill>
-                <a:latin typeface="Times New Roman"/>
-                <a:cs typeface="Times New Roman"/>
-              </a:rPr>
-              <a:t> </a:t>
-            </a:r>
-            <a:r>
-              <a:rPr lang="en-US" sz="2400" i="1" dirty="0" smtClean="0">
-                <a:solidFill>
-                  <a:srgbClr val="000000"/>
-                </a:solidFill>
-                <a:latin typeface="Times New Roman"/>
-                <a:cs typeface="Times New Roman"/>
-              </a:rPr>
-              <a:t>n </a:t>
-            </a:r>
-            <a:r>
-              <a:rPr lang="en-US" sz="2400" dirty="0" smtClean="0">
-                <a:solidFill>
-                  <a:srgbClr val="000000"/>
-                </a:solidFill>
-                <a:latin typeface="Times New Roman"/>
-                <a:cs typeface="Times New Roman"/>
-              </a:rPr>
-              <a:t>(</a:t>
-            </a:r>
-            <a:r>
-              <a:rPr lang="en-US" sz="2400" i="1" u="sng" dirty="0" smtClean="0">
-                <a:solidFill>
-                  <a:srgbClr val="000000"/>
-                </a:solidFill>
-                <a:latin typeface="Times New Roman"/>
-                <a:cs typeface="Times New Roman"/>
-              </a:rPr>
-              <a:t>at least</a:t>
-            </a:r>
-            <a:r>
-              <a:rPr lang="en-US" sz="2400" dirty="0" smtClean="0">
-                <a:solidFill>
-                  <a:srgbClr val="000000"/>
-                </a:solidFill>
-                <a:latin typeface="Times New Roman"/>
-                <a:cs typeface="Times New Roman"/>
-              </a:rPr>
-              <a:t> 30)</a:t>
-            </a:r>
-            <a:r>
-              <a:rPr lang="en-US" sz="2400" i="1" dirty="0" smtClean="0">
-                <a:solidFill>
-                  <a:srgbClr val="000000"/>
-                </a:solidFill>
-                <a:latin typeface="Times New Roman"/>
-                <a:cs typeface="Times New Roman"/>
-              </a:rPr>
-              <a:t>,</a:t>
-            </a:r>
-            <a:r>
-              <a:rPr lang="en-US" sz="2400" dirty="0" smtClean="0">
-                <a:solidFill>
-                  <a:srgbClr val="000000"/>
-                </a:solidFill>
-                <a:latin typeface="Times New Roman"/>
-                <a:cs typeface="Times New Roman"/>
-              </a:rPr>
-              <a:t> </a:t>
-            </a:r>
-            <a:r>
-              <a:rPr lang="en-US" sz="2400" i="1" dirty="0" smtClean="0">
-                <a:solidFill>
-                  <a:srgbClr val="000000"/>
-                </a:solidFill>
-                <a:latin typeface="Times New Roman"/>
-                <a:cs typeface="Times New Roman"/>
-              </a:rPr>
-              <a:t>p</a:t>
-            </a:r>
-            <a:r>
-              <a:rPr lang="en-US" sz="2400" dirty="0" smtClean="0">
-                <a:solidFill>
-                  <a:srgbClr val="000000"/>
-                </a:solidFill>
-                <a:latin typeface="Times New Roman"/>
-                <a:cs typeface="Times New Roman"/>
-              </a:rPr>
-              <a:t> </a:t>
-            </a:r>
-            <a:r>
-              <a:rPr lang="en-US" sz="2400" u="sng" dirty="0" smtClean="0">
-                <a:solidFill>
-                  <a:srgbClr val="000000"/>
-                </a:solidFill>
-                <a:latin typeface="Times New Roman"/>
-                <a:cs typeface="Times New Roman"/>
-              </a:rPr>
-              <a:t>not too close to 0 or 1</a:t>
-            </a:r>
-            <a:r>
-              <a:rPr lang="en-US" sz="2400" dirty="0" smtClean="0">
-                <a:solidFill>
-                  <a:srgbClr val="000000"/>
-                </a:solidFill>
-                <a:latin typeface="Times New Roman" pitchFamily="18" charset="0"/>
-              </a:rPr>
-              <a:t>: </a:t>
-            </a:r>
-          </a:p>
-        </p:txBody>
-      </p:sp>
-      <p:sp>
-        <p:nvSpPr>
-          <p:cNvPr id="10" name="Rectangle 9"/>
-          <p:cNvSpPr/>
-          <p:nvPr/>
-        </p:nvSpPr>
-        <p:spPr>
-          <a:xfrm>
-            <a:off x="5751118" y="3372555"/>
-            <a:ext cx="1504438" cy="461665"/>
-          </a:xfrm>
-          <a:prstGeom prst="rect">
-            <a:avLst/>
-          </a:prstGeom>
-        </p:spPr>
-        <p:txBody>
-          <a:bodyPr wrap="none">
-            <a:spAutoFit/>
-          </a:bodyPr>
-          <a:lstStyle/>
-          <a:p>
-            <a:r>
-              <a:rPr lang="en-US" sz="2400" b="1" dirty="0" smtClean="0">
-                <a:solidFill>
-                  <a:srgbClr val="000000"/>
-                </a:solidFill>
-                <a:latin typeface="Times New Roman" pitchFamily="18" charset="0"/>
-              </a:rPr>
-              <a:t>Two sided</a:t>
-            </a:r>
-            <a:endParaRPr lang="en-US" sz="2400" b="1" dirty="0"/>
-          </a:p>
-        </p:txBody>
-      </p:sp>
-      <p:sp>
-        <p:nvSpPr>
-          <p:cNvPr id="11" name="Rectangle 10"/>
-          <p:cNvSpPr/>
-          <p:nvPr/>
-        </p:nvSpPr>
-        <p:spPr>
-          <a:xfrm>
-            <a:off x="5748297" y="4371615"/>
-            <a:ext cx="3291736" cy="461665"/>
-          </a:xfrm>
-          <a:prstGeom prst="rect">
-            <a:avLst/>
-          </a:prstGeom>
-        </p:spPr>
-        <p:txBody>
-          <a:bodyPr wrap="none">
-            <a:spAutoFit/>
-          </a:bodyPr>
-          <a:lstStyle/>
-          <a:p>
-            <a:r>
-              <a:rPr lang="en-US" sz="2400" b="1" dirty="0" smtClean="0">
-                <a:solidFill>
-                  <a:srgbClr val="000000"/>
-                </a:solidFill>
-                <a:latin typeface="Times New Roman" pitchFamily="18" charset="0"/>
-              </a:rPr>
-              <a:t>One sided, lower bound</a:t>
-            </a:r>
-            <a:endParaRPr lang="en-US" sz="2400" b="1" dirty="0"/>
-          </a:p>
-        </p:txBody>
-      </p:sp>
-      <p:sp>
-        <p:nvSpPr>
-          <p:cNvPr id="12" name="Rectangle 11"/>
-          <p:cNvSpPr/>
-          <p:nvPr/>
-        </p:nvSpPr>
-        <p:spPr>
-          <a:xfrm>
-            <a:off x="5745476" y="5370675"/>
-            <a:ext cx="3343584" cy="461665"/>
-          </a:xfrm>
-          <a:prstGeom prst="rect">
-            <a:avLst/>
-          </a:prstGeom>
-        </p:spPr>
-        <p:txBody>
-          <a:bodyPr wrap="none">
-            <a:spAutoFit/>
-          </a:bodyPr>
-          <a:lstStyle/>
-          <a:p>
-            <a:r>
-              <a:rPr lang="en-US" sz="2400" b="1" dirty="0" smtClean="0">
-                <a:solidFill>
-                  <a:srgbClr val="000000"/>
-                </a:solidFill>
-                <a:latin typeface="Times New Roman" pitchFamily="18" charset="0"/>
-              </a:rPr>
-              <a:t>One sided, upper bound</a:t>
-            </a:r>
-            <a:endParaRPr lang="en-US" sz="2400" b="1" dirty="0"/>
-          </a:p>
-        </p:txBody>
-      </p:sp>
-      <p:pic>
-        <p:nvPicPr>
-          <p:cNvPr id="6" name="Picture 5"/>
-          <p:cNvPicPr>
-            <a:picLocks noChangeAspect="1"/>
-          </p:cNvPicPr>
-          <p:nvPr/>
-        </p:nvPicPr>
-        <p:blipFill>
-          <a:blip r:embed="rId3"/>
-          <a:stretch>
-            <a:fillRect/>
-          </a:stretch>
-        </p:blipFill>
-        <p:spPr>
-          <a:xfrm>
-            <a:off x="554743" y="3248325"/>
-            <a:ext cx="4474106" cy="585895"/>
-          </a:xfrm>
-          <a:prstGeom prst="rect">
-            <a:avLst/>
-          </a:prstGeom>
-        </p:spPr>
-      </p:pic>
-      <p:pic>
-        <p:nvPicPr>
-          <p:cNvPr id="16" name="Picture 15"/>
-          <p:cNvPicPr>
-            <a:picLocks noChangeAspect="1"/>
-          </p:cNvPicPr>
-          <p:nvPr/>
-        </p:nvPicPr>
-        <p:blipFill>
-          <a:blip r:embed="rId4"/>
-          <a:stretch>
-            <a:fillRect/>
-          </a:stretch>
-        </p:blipFill>
-        <p:spPr>
-          <a:xfrm>
-            <a:off x="554743" y="5295899"/>
-            <a:ext cx="2686327" cy="605111"/>
-          </a:xfrm>
-          <a:prstGeom prst="rect">
-            <a:avLst/>
-          </a:prstGeom>
-        </p:spPr>
-      </p:pic>
-      <p:pic>
-        <p:nvPicPr>
-          <p:cNvPr id="29" name="Picture 28"/>
-          <p:cNvPicPr>
-            <a:picLocks noChangeAspect="1"/>
-          </p:cNvPicPr>
-          <p:nvPr/>
-        </p:nvPicPr>
-        <p:blipFill>
-          <a:blip r:embed="rId5"/>
-          <a:stretch>
-            <a:fillRect/>
-          </a:stretch>
-        </p:blipFill>
-        <p:spPr>
-          <a:xfrm>
-            <a:off x="554743" y="4294009"/>
-            <a:ext cx="2686327" cy="605111"/>
-          </a:xfrm>
-          <a:prstGeom prst="rect">
-            <a:avLst/>
-          </a:prstGeom>
-        </p:spPr>
-      </p:pic>
-      <p:sp>
-        <p:nvSpPr>
-          <p:cNvPr id="30" name="TextBox 29"/>
-          <p:cNvSpPr txBox="1"/>
-          <p:nvPr/>
-        </p:nvSpPr>
-        <p:spPr>
-          <a:xfrm>
-            <a:off x="2665075" y="6192334"/>
-            <a:ext cx="1500806" cy="430887"/>
-          </a:xfrm>
-          <a:prstGeom prst="rect">
-            <a:avLst/>
-          </a:prstGeom>
-          <a:noFill/>
-        </p:spPr>
-        <p:txBody>
-          <a:bodyPr wrap="none" rtlCol="0">
-            <a:spAutoFit/>
-          </a:bodyPr>
-          <a:lstStyle/>
-          <a:p>
-            <a:r>
-              <a:rPr lang="en-US" sz="2200" dirty="0" smtClean="0">
-                <a:latin typeface="Times New Roman"/>
-                <a:cs typeface="Times New Roman"/>
-              </a:rPr>
-              <a:t>Remember:</a:t>
-            </a:r>
-            <a:endParaRPr lang="en-US" sz="2200" dirty="0">
-              <a:latin typeface="Times New Roman"/>
-              <a:cs typeface="Times New Roman"/>
-            </a:endParaRPr>
-          </a:p>
-        </p:txBody>
-      </p:sp>
-      <p:pic>
-        <p:nvPicPr>
-          <p:cNvPr id="31" name="Picture 30"/>
-          <p:cNvPicPr>
-            <a:picLocks noChangeAspect="1"/>
-          </p:cNvPicPr>
-          <p:nvPr/>
-        </p:nvPicPr>
-        <p:blipFill>
-          <a:blip r:embed="rId6"/>
-          <a:stretch>
-            <a:fillRect/>
-          </a:stretch>
-        </p:blipFill>
-        <p:spPr>
-          <a:xfrm>
-            <a:off x="4236508" y="6019861"/>
-            <a:ext cx="2120900" cy="726450"/>
-          </a:xfrm>
-          <a:prstGeom prst="rect">
-            <a:avLst/>
-          </a:prstGeom>
-        </p:spPr>
-      </p:pic>
-      <p:sp>
-        <p:nvSpPr>
-          <p:cNvPr id="14" name="Rectangle 4"/>
-          <p:cNvSpPr>
-            <a:spLocks noChangeArrowheads="1"/>
-          </p:cNvSpPr>
-          <p:nvPr/>
-        </p:nvSpPr>
-        <p:spPr bwMode="auto">
-          <a:xfrm>
-            <a:off x="231775" y="394726"/>
-            <a:ext cx="8607425" cy="762000"/>
-          </a:xfrm>
-          <a:prstGeom prst="rect">
-            <a:avLst/>
-          </a:prstGeom>
-          <a:noFill/>
-          <a:ln w="9525">
-            <a:noFill/>
-            <a:round/>
-            <a:headEnd/>
-            <a:tailEnd/>
-          </a:ln>
-        </p:spPr>
-        <p:txBody>
-          <a:bodyPr lIns="0" tIns="0" rIns="0" bIns="0" anchor="ctr"/>
-          <a:lstStyle/>
-          <a:p>
-            <a:pPr algn="ctr">
-              <a:lnSpc>
-                <a:spcPct val="100000"/>
-              </a:lnSpc>
-              <a:buFont typeface="Times New Roman" pitchFamily="18" charset="0"/>
-              <a:buNone/>
-              <a:tabLst>
-                <a:tab pos="0" algn="l"/>
-                <a:tab pos="914400" algn="l"/>
-                <a:tab pos="1828800" algn="l"/>
-                <a:tab pos="2743200" algn="l"/>
-                <a:tab pos="3657600" algn="l"/>
-                <a:tab pos="4572000" algn="l"/>
-                <a:tab pos="5486400" algn="l"/>
-                <a:tab pos="6400800" algn="l"/>
-                <a:tab pos="7315200" algn="l"/>
-                <a:tab pos="8229600" algn="l"/>
-                <a:tab pos="9144000" algn="l"/>
-                <a:tab pos="10058400" algn="l"/>
-              </a:tabLst>
-            </a:pPr>
-            <a:r>
-              <a:rPr lang="en-GB" sz="3200" dirty="0" smtClean="0">
-                <a:solidFill>
-                  <a:srgbClr val="000000"/>
-                </a:solidFill>
-                <a:latin typeface="Times New Roman" pitchFamily="18" charset="0"/>
-              </a:rPr>
-              <a:t>Equation Catalogue: Confidence </a:t>
-            </a:r>
-            <a:r>
-              <a:rPr lang="en-GB" sz="3200" dirty="0" smtClean="0">
-                <a:solidFill>
-                  <a:srgbClr val="000000"/>
-                </a:solidFill>
-                <a:latin typeface="Times New Roman" pitchFamily="18" charset="0"/>
-              </a:rPr>
-              <a:t>Intervals</a:t>
-            </a:r>
-            <a:endParaRPr lang="en-GB" sz="3200" dirty="0">
-              <a:solidFill>
-                <a:srgbClr val="000000"/>
-              </a:solidFill>
-              <a:latin typeface="Times New Roman" pitchFamily="18" charset="0"/>
-            </a:endParaRPr>
-          </a:p>
-        </p:txBody>
-      </p:sp>
-    </p:spTree>
-    <p:extLst>
-      <p:ext uri="{BB962C8B-B14F-4D97-AF65-F5344CB8AC3E}">
-        <p14:creationId xmlns:p14="http://schemas.microsoft.com/office/powerpoint/2010/main" val="3591318811"/>
-      </p:ext>
-    </p:extLst>
-  </p:cSld>
-  <p:clrMapOvr>
-    <a:masterClrMapping/>
-  </p:clrMapOvr>
-  <p:timing>
-    <p:tnLst>
-      <p:par>
-        <p:cTn xmlns:p14="http://schemas.microsoft.com/office/powerpoint/2010/main" id="1" dur="indefinite" restart="never" nodeType="tmRoot"/>
-      </p:par>
-    </p:tnLst>
-  </p:timing>
-</p:sld>
-</file>
-
-<file path=ppt/slides/slide22.xml><?xml version="1.0" encoding="utf-8"?>
-<p:sld xmlns:a="http://schemas.openxmlformats.org/drawingml/2006/main" xmlns:r="http://schemas.openxmlformats.org/officeDocument/2006/relationships" xmlns:p="http://schemas.openxmlformats.org/presentationml/2006/main">
-  <p:cSld>
-    <p:spTree>
-      <p:nvGrpSpPr>
-        <p:cNvPr id="1" name=""/>
-        <p:cNvGrpSpPr/>
-        <p:nvPr/>
-      </p:nvGrpSpPr>
-      <p:grpSpPr>
-        <a:xfrm>
-          <a:off x="0" y="0"/>
-          <a:ext cx="0" cy="0"/>
-          <a:chOff x="0" y="0"/>
-          <a:chExt cx="0" cy="0"/>
-        </a:xfrm>
-      </p:grpSpPr>
-      <p:pic>
-        <p:nvPicPr>
-          <p:cNvPr id="3" name="Picture 2"/>
-          <p:cNvPicPr>
-            <a:picLocks noChangeAspect="1" noChangeArrowheads="1"/>
-          </p:cNvPicPr>
-          <p:nvPr/>
-        </p:nvPicPr>
-        <p:blipFill>
-          <a:blip r:embed="rId2" cstate="print"/>
-          <a:srcRect/>
-          <a:stretch>
-            <a:fillRect/>
-          </a:stretch>
-        </p:blipFill>
-        <p:spPr bwMode="auto">
-          <a:xfrm>
-            <a:off x="484188" y="76200"/>
-            <a:ext cx="8202612" cy="239712"/>
-          </a:xfrm>
-          <a:prstGeom prst="rect">
-            <a:avLst/>
-          </a:prstGeom>
-          <a:noFill/>
-          <a:ln w="9525">
-            <a:noFill/>
-            <a:round/>
-            <a:headEnd/>
-            <a:tailEnd/>
-          </a:ln>
-        </p:spPr>
-      </p:pic>
-      <p:sp>
-        <p:nvSpPr>
-          <p:cNvPr id="4" name="Rectangle 3"/>
-          <p:cNvSpPr/>
-          <p:nvPr/>
-        </p:nvSpPr>
-        <p:spPr>
-          <a:xfrm>
-            <a:off x="0" y="1156726"/>
-            <a:ext cx="8839200" cy="830997"/>
-          </a:xfrm>
-          <a:prstGeom prst="rect">
-            <a:avLst/>
-          </a:prstGeom>
-        </p:spPr>
-        <p:txBody>
-          <a:bodyPr wrap="square">
-            <a:spAutoFit/>
-          </a:bodyPr>
-          <a:lstStyle/>
-          <a:p>
-            <a:pPr marL="430213" indent="-323850">
-              <a:spcBef>
-                <a:spcPts val="800"/>
-              </a:spcBef>
-              <a:buFont typeface="Times New Roman" pitchFamily="18" charset="0"/>
-              <a:buChar char="•"/>
-              <a:tabLst>
-                <a:tab pos="430213" algn="l"/>
-                <a:tab pos="1344613" algn="l"/>
-                <a:tab pos="2259013" algn="l"/>
-                <a:tab pos="3173413" algn="l"/>
-                <a:tab pos="4087813" algn="l"/>
-                <a:tab pos="5002213" algn="l"/>
-                <a:tab pos="5916613" algn="l"/>
-                <a:tab pos="6831013" algn="l"/>
-                <a:tab pos="7745413" algn="l"/>
-                <a:tab pos="8659813" algn="l"/>
-                <a:tab pos="9574213" algn="l"/>
-                <a:tab pos="10488613" algn="l"/>
-              </a:tabLst>
-            </a:pPr>
-            <a:r>
-              <a:rPr lang="en-US" sz="2400" dirty="0" smtClean="0">
-                <a:solidFill>
-                  <a:srgbClr val="000000"/>
-                </a:solidFill>
-                <a:latin typeface="Times New Roman" pitchFamily="18" charset="0"/>
-              </a:rPr>
-              <a:t>So how do we compute a (1 − </a:t>
-            </a:r>
-            <a:r>
-              <a:rPr lang="en-US" sz="2400" dirty="0" smtClean="0">
-                <a:solidFill>
-                  <a:srgbClr val="000000"/>
-                </a:solidFill>
-                <a:latin typeface="Symbol" charset="2"/>
-                <a:cs typeface="Symbol" charset="2"/>
-              </a:rPr>
-              <a:t>a</a:t>
-            </a:r>
-            <a:r>
-              <a:rPr lang="en-US" sz="2400" dirty="0" smtClean="0">
-                <a:solidFill>
-                  <a:srgbClr val="000000"/>
-                </a:solidFill>
-                <a:latin typeface="Times New Roman" pitchFamily="18" charset="0"/>
-              </a:rPr>
-              <a:t>)×100% confidence interval given a set of data??</a:t>
-            </a:r>
-          </a:p>
-        </p:txBody>
-      </p:sp>
-      <p:sp>
-        <p:nvSpPr>
-          <p:cNvPr id="5" name="Rectangle 4"/>
-          <p:cNvSpPr/>
-          <p:nvPr/>
-        </p:nvSpPr>
-        <p:spPr>
-          <a:xfrm>
-            <a:off x="18720" y="2140123"/>
-            <a:ext cx="8839200" cy="933589"/>
-          </a:xfrm>
-          <a:prstGeom prst="rect">
-            <a:avLst/>
-          </a:prstGeom>
-        </p:spPr>
-        <p:txBody>
-          <a:bodyPr wrap="square">
-            <a:spAutoFit/>
-          </a:bodyPr>
-          <a:lstStyle/>
-          <a:p>
-            <a:pPr marL="430213" indent="-323850">
-              <a:spcBef>
-                <a:spcPts val="800"/>
-              </a:spcBef>
-              <a:buFont typeface="Times New Roman" pitchFamily="18" charset="0"/>
-              <a:buChar char="•"/>
-              <a:tabLst>
-                <a:tab pos="430213" algn="l"/>
-                <a:tab pos="1344613" algn="l"/>
-                <a:tab pos="2259013" algn="l"/>
-                <a:tab pos="3173413" algn="l"/>
-                <a:tab pos="4087813" algn="l"/>
-                <a:tab pos="5002213" algn="l"/>
-                <a:tab pos="5916613" algn="l"/>
-                <a:tab pos="6831013" algn="l"/>
-                <a:tab pos="7745413" algn="l"/>
-                <a:tab pos="8659813" algn="l"/>
-                <a:tab pos="9574213" algn="l"/>
-                <a:tab pos="10488613" algn="l"/>
-              </a:tabLst>
-            </a:pPr>
-            <a:r>
-              <a:rPr lang="en-US" sz="2400" b="1" u="sng" dirty="0" smtClean="0">
-                <a:solidFill>
-                  <a:srgbClr val="000000"/>
-                </a:solidFill>
-                <a:latin typeface="Times New Roman" pitchFamily="18" charset="0"/>
-              </a:rPr>
-              <a:t>Case 2b</a:t>
-            </a:r>
-            <a:r>
-              <a:rPr lang="en-US" sz="2400" dirty="0" smtClean="0">
-                <a:solidFill>
-                  <a:srgbClr val="000000"/>
-                </a:solidFill>
-                <a:latin typeface="Times New Roman" pitchFamily="18" charset="0"/>
-              </a:rPr>
-              <a:t>: (1 − </a:t>
-            </a:r>
-            <a:r>
-              <a:rPr lang="en-US" sz="2400" dirty="0" smtClean="0">
-                <a:solidFill>
-                  <a:srgbClr val="000000"/>
-                </a:solidFill>
-                <a:latin typeface="Symbol" charset="2"/>
-                <a:cs typeface="Symbol" charset="2"/>
-              </a:rPr>
-              <a:t>a</a:t>
-            </a:r>
-            <a:r>
-              <a:rPr lang="en-US" sz="2400" dirty="0" smtClean="0">
-                <a:solidFill>
-                  <a:srgbClr val="000000"/>
-                </a:solidFill>
-                <a:latin typeface="Times New Roman" pitchFamily="18" charset="0"/>
-              </a:rPr>
-              <a:t>)×100% CIs for a </a:t>
-            </a:r>
-            <a:r>
-              <a:rPr lang="en-US" sz="2400" b="1" u="sng" dirty="0" smtClean="0">
-                <a:solidFill>
-                  <a:srgbClr val="000000"/>
-                </a:solidFill>
-                <a:latin typeface="Times New Roman" pitchFamily="18" charset="0"/>
-              </a:rPr>
-              <a:t>proportion</a:t>
-            </a:r>
-            <a:r>
-              <a:rPr lang="en-US" sz="2400" dirty="0" smtClean="0">
-                <a:solidFill>
-                  <a:srgbClr val="000000"/>
-                </a:solidFill>
-                <a:latin typeface="Times New Roman" pitchFamily="18" charset="0"/>
-              </a:rPr>
-              <a:t> </a:t>
-            </a:r>
-            <a:r>
-              <a:rPr lang="en-US" sz="2400" i="1" dirty="0" smtClean="0">
-                <a:solidFill>
-                  <a:srgbClr val="000000"/>
-                </a:solidFill>
-                <a:latin typeface="Times New Roman" pitchFamily="18" charset="0"/>
-              </a:rPr>
-              <a:t>p</a:t>
-            </a:r>
-            <a:r>
-              <a:rPr lang="en-US" sz="2400" i="1" dirty="0" smtClean="0">
-                <a:solidFill>
-                  <a:srgbClr val="000000"/>
-                </a:solidFill>
-                <a:latin typeface="Times New Roman"/>
-                <a:cs typeface="Times New Roman"/>
-              </a:rPr>
-              <a:t> </a:t>
-            </a:r>
-            <a:r>
-              <a:rPr lang="en-US" sz="2400" dirty="0" smtClean="0">
-                <a:solidFill>
-                  <a:srgbClr val="000000"/>
-                </a:solidFill>
-                <a:latin typeface="Times New Roman"/>
-                <a:cs typeface="Times New Roman"/>
-              </a:rPr>
-              <a:t>:</a:t>
-            </a:r>
-          </a:p>
-          <a:p>
-            <a:pPr marL="887413" lvl="1" indent="-323850">
-              <a:spcBef>
-                <a:spcPts val="800"/>
-              </a:spcBef>
-              <a:buFont typeface="Times New Roman" pitchFamily="18" charset="0"/>
-              <a:buChar char="•"/>
-              <a:tabLst>
-                <a:tab pos="430213" algn="l"/>
-                <a:tab pos="1344613" algn="l"/>
-                <a:tab pos="2259013" algn="l"/>
-                <a:tab pos="3173413" algn="l"/>
-                <a:tab pos="4087813" algn="l"/>
-                <a:tab pos="5002213" algn="l"/>
-                <a:tab pos="5916613" algn="l"/>
-                <a:tab pos="6831013" algn="l"/>
-                <a:tab pos="7745413" algn="l"/>
-                <a:tab pos="8659813" algn="l"/>
-                <a:tab pos="9574213" algn="l"/>
-                <a:tab pos="10488613" algn="l"/>
-              </a:tabLst>
-            </a:pPr>
-            <a:r>
-              <a:rPr lang="en-US" sz="2400" b="1" dirty="0" smtClean="0">
-                <a:solidFill>
-                  <a:srgbClr val="000000"/>
-                </a:solidFill>
-                <a:latin typeface="Times New Roman"/>
-                <a:cs typeface="Times New Roman"/>
-              </a:rPr>
-              <a:t>Small sample</a:t>
-            </a:r>
-            <a:r>
-              <a:rPr lang="en-US" sz="2400" dirty="0" smtClean="0">
-                <a:solidFill>
-                  <a:srgbClr val="000000"/>
-                </a:solidFill>
-                <a:latin typeface="Times New Roman"/>
-                <a:cs typeface="Times New Roman"/>
-              </a:rPr>
-              <a:t> </a:t>
-            </a:r>
-            <a:r>
-              <a:rPr lang="en-US" sz="2400" i="1" dirty="0" smtClean="0">
-                <a:solidFill>
-                  <a:srgbClr val="000000"/>
-                </a:solidFill>
-                <a:latin typeface="Times New Roman"/>
-                <a:cs typeface="Times New Roman"/>
-              </a:rPr>
-              <a:t>n </a:t>
-            </a:r>
-            <a:r>
-              <a:rPr lang="en-US" sz="2400" dirty="0" smtClean="0">
-                <a:solidFill>
-                  <a:srgbClr val="000000"/>
-                </a:solidFill>
-                <a:latin typeface="Times New Roman"/>
-                <a:cs typeface="Times New Roman"/>
-              </a:rPr>
-              <a:t>and/or </a:t>
-            </a:r>
-            <a:r>
-              <a:rPr lang="en-US" sz="2400" i="1" dirty="0" smtClean="0">
-                <a:solidFill>
-                  <a:srgbClr val="000000"/>
-                </a:solidFill>
-                <a:latin typeface="Times New Roman"/>
-                <a:cs typeface="Times New Roman"/>
-              </a:rPr>
-              <a:t>p</a:t>
-            </a:r>
-            <a:r>
-              <a:rPr lang="en-US" sz="2400" dirty="0" smtClean="0">
-                <a:solidFill>
-                  <a:srgbClr val="000000"/>
-                </a:solidFill>
-                <a:latin typeface="Times New Roman"/>
-                <a:cs typeface="Times New Roman"/>
-              </a:rPr>
-              <a:t> </a:t>
-            </a:r>
-            <a:r>
-              <a:rPr lang="en-US" sz="2400" u="sng" dirty="0" smtClean="0">
-                <a:solidFill>
-                  <a:srgbClr val="000000"/>
-                </a:solidFill>
-                <a:latin typeface="Times New Roman"/>
-                <a:cs typeface="Times New Roman"/>
-              </a:rPr>
-              <a:t>close to 0/1</a:t>
-            </a:r>
-            <a:r>
-              <a:rPr lang="en-US" sz="2400" dirty="0" smtClean="0">
-                <a:solidFill>
-                  <a:srgbClr val="000000"/>
-                </a:solidFill>
-                <a:latin typeface="Times New Roman" pitchFamily="18" charset="0"/>
-              </a:rPr>
-              <a:t>:</a:t>
-            </a:r>
-          </a:p>
-        </p:txBody>
-      </p:sp>
-      <p:sp>
-        <p:nvSpPr>
-          <p:cNvPr id="10" name="Rectangle 9"/>
-          <p:cNvSpPr/>
-          <p:nvPr/>
-        </p:nvSpPr>
-        <p:spPr>
-          <a:xfrm>
-            <a:off x="6243265" y="5864548"/>
-            <a:ext cx="1504438" cy="461665"/>
-          </a:xfrm>
-          <a:prstGeom prst="rect">
-            <a:avLst/>
-          </a:prstGeom>
-        </p:spPr>
-        <p:txBody>
-          <a:bodyPr wrap="none">
-            <a:spAutoFit/>
-          </a:bodyPr>
-          <a:lstStyle/>
-          <a:p>
-            <a:r>
-              <a:rPr lang="en-US" sz="2400" b="1" dirty="0" smtClean="0">
-                <a:solidFill>
-                  <a:srgbClr val="000000"/>
-                </a:solidFill>
-                <a:latin typeface="Times New Roman" pitchFamily="18" charset="0"/>
-              </a:rPr>
-              <a:t>Two sided</a:t>
-            </a:r>
-            <a:endParaRPr lang="en-US" sz="2400" b="1" dirty="0"/>
-          </a:p>
-        </p:txBody>
-      </p:sp>
-      <p:pic>
-        <p:nvPicPr>
-          <p:cNvPr id="7" name="Picture 6"/>
-          <p:cNvPicPr>
-            <a:picLocks noChangeAspect="1"/>
-          </p:cNvPicPr>
-          <p:nvPr/>
-        </p:nvPicPr>
-        <p:blipFill>
-          <a:blip r:embed="rId3"/>
-          <a:stretch>
-            <a:fillRect/>
-          </a:stretch>
-        </p:blipFill>
-        <p:spPr>
-          <a:xfrm>
-            <a:off x="3413105" y="3194802"/>
-            <a:ext cx="2516632" cy="404738"/>
-          </a:xfrm>
-          <a:prstGeom prst="rect">
-            <a:avLst/>
-          </a:prstGeom>
-        </p:spPr>
-      </p:pic>
-      <p:pic>
-        <p:nvPicPr>
-          <p:cNvPr id="13" name="Picture 12"/>
-          <p:cNvPicPr>
-            <a:picLocks noChangeAspect="1"/>
-          </p:cNvPicPr>
-          <p:nvPr/>
-        </p:nvPicPr>
-        <p:blipFill>
-          <a:blip r:embed="rId4"/>
-          <a:stretch>
-            <a:fillRect/>
-          </a:stretch>
-        </p:blipFill>
-        <p:spPr>
-          <a:xfrm>
-            <a:off x="3441325" y="3708585"/>
-            <a:ext cx="3080256" cy="749024"/>
-          </a:xfrm>
-          <a:prstGeom prst="rect">
-            <a:avLst/>
-          </a:prstGeom>
-        </p:spPr>
-      </p:pic>
-      <p:pic>
-        <p:nvPicPr>
-          <p:cNvPr id="14" name="Picture 13"/>
-          <p:cNvPicPr>
-            <a:picLocks noChangeAspect="1"/>
-          </p:cNvPicPr>
-          <p:nvPr/>
-        </p:nvPicPr>
-        <p:blipFill>
-          <a:blip r:embed="rId5"/>
-          <a:stretch>
-            <a:fillRect/>
-          </a:stretch>
-        </p:blipFill>
-        <p:spPr>
-          <a:xfrm>
-            <a:off x="3471801" y="4471720"/>
-            <a:ext cx="2908670" cy="907909"/>
-          </a:xfrm>
-          <a:prstGeom prst="rect">
-            <a:avLst/>
-          </a:prstGeom>
-        </p:spPr>
-      </p:pic>
-      <p:sp>
-        <p:nvSpPr>
-          <p:cNvPr id="15" name="Rectangle 14"/>
-          <p:cNvSpPr/>
-          <p:nvPr/>
-        </p:nvSpPr>
-        <p:spPr>
-          <a:xfrm>
-            <a:off x="192525" y="3873144"/>
-            <a:ext cx="2617814" cy="523220"/>
-          </a:xfrm>
-          <a:prstGeom prst="rect">
-            <a:avLst/>
-          </a:prstGeom>
-        </p:spPr>
-        <p:txBody>
-          <a:bodyPr wrap="none">
-            <a:spAutoFit/>
-          </a:bodyPr>
-          <a:lstStyle/>
-          <a:p>
-            <a:r>
-              <a:rPr lang="en-US" sz="2800" dirty="0" err="1" smtClean="0">
-                <a:solidFill>
-                  <a:srgbClr val="000000"/>
-                </a:solidFill>
-                <a:latin typeface="Times New Roman"/>
-                <a:cs typeface="Times New Roman"/>
-              </a:rPr>
-              <a:t>Define</a:t>
-            </a:r>
-            <a:r>
-              <a:rPr lang="en-US" sz="2800" baseline="30000" dirty="0" err="1" smtClean="0">
-                <a:solidFill>
-                  <a:srgbClr val="000000"/>
-                </a:solidFill>
-                <a:latin typeface="Times New Roman"/>
-                <a:cs typeface="Times New Roman"/>
-              </a:rPr>
-              <a:t>Agresti</a:t>
-            </a:r>
-            <a:r>
-              <a:rPr lang="en-US" sz="2800" baseline="30000" dirty="0" smtClean="0">
-                <a:solidFill>
-                  <a:srgbClr val="000000"/>
-                </a:solidFill>
-                <a:latin typeface="Times New Roman"/>
-                <a:cs typeface="Times New Roman"/>
-              </a:rPr>
-              <a:t>, </a:t>
-            </a:r>
-            <a:r>
-              <a:rPr lang="en-US" sz="2800" baseline="30000" dirty="0" err="1" smtClean="0">
-                <a:solidFill>
-                  <a:srgbClr val="000000"/>
-                </a:solidFill>
-                <a:latin typeface="Times New Roman"/>
-                <a:cs typeface="Times New Roman"/>
-              </a:rPr>
-              <a:t>Coull</a:t>
-            </a:r>
-            <a:r>
-              <a:rPr lang="en-US" sz="2800" dirty="0" smtClean="0">
-                <a:solidFill>
-                  <a:srgbClr val="000000"/>
-                </a:solidFill>
-                <a:latin typeface="Times New Roman"/>
-                <a:cs typeface="Times New Roman"/>
-              </a:rPr>
-              <a:t>:</a:t>
-            </a:r>
-            <a:endParaRPr lang="en-US" sz="2800" dirty="0"/>
-          </a:p>
-        </p:txBody>
-      </p:sp>
-      <p:pic>
-        <p:nvPicPr>
-          <p:cNvPr id="16" name="Picture 15"/>
-          <p:cNvPicPr>
-            <a:picLocks noChangeAspect="1"/>
-          </p:cNvPicPr>
-          <p:nvPr/>
-        </p:nvPicPr>
-        <p:blipFill>
-          <a:blip r:embed="rId6"/>
-          <a:stretch>
-            <a:fillRect/>
-          </a:stretch>
-        </p:blipFill>
-        <p:spPr>
-          <a:xfrm>
-            <a:off x="808741" y="5829809"/>
-            <a:ext cx="5400145" cy="571169"/>
-          </a:xfrm>
-          <a:prstGeom prst="rect">
-            <a:avLst/>
-          </a:prstGeom>
-        </p:spPr>
-      </p:pic>
-      <p:sp>
-        <p:nvSpPr>
-          <p:cNvPr id="17" name="Left Brace 16"/>
-          <p:cNvSpPr/>
-          <p:nvPr/>
-        </p:nvSpPr>
-        <p:spPr>
-          <a:xfrm>
-            <a:off x="2836801" y="3194802"/>
-            <a:ext cx="635000" cy="2007074"/>
-          </a:xfrm>
-          <a:prstGeom prst="leftBrace">
-            <a:avLst/>
-          </a:prstGeom>
-        </p:spPr>
-        <p:style>
-          <a:lnRef idx="2">
-            <a:schemeClr val="accent1"/>
-          </a:lnRef>
-          <a:fillRef idx="0">
-            <a:schemeClr val="accent1"/>
-          </a:fillRef>
-          <a:effectRef idx="1">
-            <a:schemeClr val="accent1"/>
-          </a:effectRef>
-          <a:fontRef idx="minor">
-            <a:schemeClr val="tx1"/>
-          </a:fontRef>
-        </p:style>
-        <p:txBody>
-          <a:bodyPr rtlCol="0" anchor="ctr"/>
-          <a:lstStyle/>
-          <a:p>
-            <a:pPr algn="ctr"/>
-            <a:endParaRPr lang="en-US"/>
-          </a:p>
-        </p:txBody>
-      </p:sp>
-      <p:sp>
-        <p:nvSpPr>
-          <p:cNvPr id="18" name="Rectangle 4"/>
-          <p:cNvSpPr>
-            <a:spLocks noChangeArrowheads="1"/>
-          </p:cNvSpPr>
-          <p:nvPr/>
-        </p:nvSpPr>
-        <p:spPr bwMode="auto">
-          <a:xfrm>
-            <a:off x="231775" y="394726"/>
-            <a:ext cx="8607425" cy="762000"/>
-          </a:xfrm>
-          <a:prstGeom prst="rect">
-            <a:avLst/>
-          </a:prstGeom>
-          <a:noFill/>
-          <a:ln w="9525">
-            <a:noFill/>
-            <a:round/>
-            <a:headEnd/>
-            <a:tailEnd/>
-          </a:ln>
-        </p:spPr>
-        <p:txBody>
-          <a:bodyPr lIns="0" tIns="0" rIns="0" bIns="0" anchor="ctr"/>
-          <a:lstStyle/>
-          <a:p>
-            <a:pPr algn="ctr">
-              <a:lnSpc>
-                <a:spcPct val="100000"/>
-              </a:lnSpc>
-              <a:buFont typeface="Times New Roman" pitchFamily="18" charset="0"/>
-              <a:buNone/>
-              <a:tabLst>
-                <a:tab pos="0" algn="l"/>
-                <a:tab pos="914400" algn="l"/>
-                <a:tab pos="1828800" algn="l"/>
-                <a:tab pos="2743200" algn="l"/>
-                <a:tab pos="3657600" algn="l"/>
-                <a:tab pos="4572000" algn="l"/>
-                <a:tab pos="5486400" algn="l"/>
-                <a:tab pos="6400800" algn="l"/>
-                <a:tab pos="7315200" algn="l"/>
-                <a:tab pos="8229600" algn="l"/>
-                <a:tab pos="9144000" algn="l"/>
-                <a:tab pos="10058400" algn="l"/>
-              </a:tabLst>
-            </a:pPr>
-            <a:r>
-              <a:rPr lang="en-GB" sz="3200" dirty="0" smtClean="0">
-                <a:solidFill>
-                  <a:srgbClr val="000000"/>
-                </a:solidFill>
-                <a:latin typeface="Times New Roman" pitchFamily="18" charset="0"/>
-              </a:rPr>
-              <a:t>Equation Catalogue: Confidence </a:t>
-            </a:r>
-            <a:r>
-              <a:rPr lang="en-GB" sz="3200" dirty="0" smtClean="0">
-                <a:solidFill>
-                  <a:srgbClr val="000000"/>
-                </a:solidFill>
-                <a:latin typeface="Times New Roman" pitchFamily="18" charset="0"/>
-              </a:rPr>
-              <a:t>Intervals</a:t>
-            </a:r>
-            <a:endParaRPr lang="en-GB" sz="3200" dirty="0">
-              <a:solidFill>
-                <a:srgbClr val="000000"/>
-              </a:solidFill>
-              <a:latin typeface="Times New Roman" pitchFamily="18" charset="0"/>
-            </a:endParaRPr>
-          </a:p>
-        </p:txBody>
-      </p:sp>
-    </p:spTree>
-    <p:extLst>
-      <p:ext uri="{BB962C8B-B14F-4D97-AF65-F5344CB8AC3E}">
-        <p14:creationId xmlns:p14="http://schemas.microsoft.com/office/powerpoint/2010/main" val="2756865228"/>
-      </p:ext>
-    </p:extLst>
-  </p:cSld>
-  <p:clrMapOvr>
-    <a:masterClrMapping/>
-  </p:clrMapOvr>
-  <p:timing>
-    <p:tnLst>
-      <p:par>
-        <p:cTn xmlns:p14="http://schemas.microsoft.com/office/powerpoint/2010/main" id="1" dur="indefinite" restart="never" nodeType="tmRoot"/>
-      </p:par>
-    </p:tnLst>
-  </p:timing>
-</p:sld>
-</file>
-
-<file path=ppt/slides/slide23.xml><?xml version="1.0" encoding="utf-8"?>
-<p:sld xmlns:a="http://schemas.openxmlformats.org/drawingml/2006/main" xmlns:r="http://schemas.openxmlformats.org/officeDocument/2006/relationships" xmlns:p="http://schemas.openxmlformats.org/presentationml/2006/main">
-  <p:cSld>
-    <p:spTree>
-      <p:nvGrpSpPr>
-        <p:cNvPr id="1" name=""/>
-        <p:cNvGrpSpPr/>
-        <p:nvPr/>
-      </p:nvGrpSpPr>
-      <p:grpSpPr>
-        <a:xfrm>
-          <a:off x="0" y="0"/>
-          <a:ext cx="0" cy="0"/>
-          <a:chOff x="0" y="0"/>
-          <a:chExt cx="0" cy="0"/>
-        </a:xfrm>
-      </p:grpSpPr>
       <p:sp>
         <p:nvSpPr>
           <p:cNvPr id="2" name="Rectangle 4"/>
@@ -17471,501 +15735,14 @@
               </a:tabLst>
             </a:pPr>
             <a:r>
-              <a:rPr lang="en-GB" sz="3200" dirty="0" smtClean="0">
+              <a:rPr lang="en-GB" sz="4000" dirty="0">
                 <a:solidFill>
                   <a:srgbClr val="000000"/>
                 </a:solidFill>
                 <a:latin typeface="Times New Roman" pitchFamily="18" charset="0"/>
               </a:rPr>
-              <a:t>Example: Confidence Intervals</a:t>
-            </a:r>
-            <a:endParaRPr lang="en-GB" sz="3200" dirty="0">
-              <a:solidFill>
-                <a:srgbClr val="000000"/>
-              </a:solidFill>
-              <a:latin typeface="Times New Roman" pitchFamily="18" charset="0"/>
-            </a:endParaRPr>
-          </a:p>
-        </p:txBody>
-      </p:sp>
-      <p:pic>
-        <p:nvPicPr>
-          <p:cNvPr id="3" name="Picture 2"/>
-          <p:cNvPicPr>
-            <a:picLocks noChangeAspect="1" noChangeArrowheads="1"/>
-          </p:cNvPicPr>
-          <p:nvPr/>
-        </p:nvPicPr>
-        <p:blipFill>
-          <a:blip r:embed="rId2" cstate="print"/>
-          <a:srcRect/>
-          <a:stretch>
-            <a:fillRect/>
-          </a:stretch>
-        </p:blipFill>
-        <p:spPr bwMode="auto">
-          <a:xfrm>
-            <a:off x="484188" y="76200"/>
-            <a:ext cx="8202612" cy="239712"/>
-          </a:xfrm>
-          <a:prstGeom prst="rect">
-            <a:avLst/>
-          </a:prstGeom>
-          <a:noFill/>
-          <a:ln w="9525">
-            <a:noFill/>
-            <a:round/>
-            <a:headEnd/>
-            <a:tailEnd/>
-          </a:ln>
-        </p:spPr>
-      </p:pic>
-      <p:sp>
-        <p:nvSpPr>
-          <p:cNvPr id="4" name="Rectangle 3"/>
-          <p:cNvSpPr/>
-          <p:nvPr/>
-        </p:nvSpPr>
-        <p:spPr>
-          <a:xfrm>
-            <a:off x="192263" y="1334279"/>
-            <a:ext cx="8607425" cy="1477328"/>
-          </a:xfrm>
-          <a:prstGeom prst="rect">
-            <a:avLst/>
-          </a:prstGeom>
-        </p:spPr>
-        <p:txBody>
-          <a:bodyPr wrap="square">
-            <a:spAutoFit/>
-          </a:bodyPr>
-          <a:lstStyle/>
-          <a:p>
-            <a:r>
-              <a:rPr lang="en-US" dirty="0" smtClean="0">
-                <a:latin typeface="Times New Roman"/>
-                <a:cs typeface="Times New Roman"/>
-              </a:rPr>
-              <a:t>Saunders, Davis and </a:t>
-            </a:r>
-            <a:r>
-              <a:rPr lang="en-US" dirty="0" err="1" smtClean="0">
-                <a:latin typeface="Times New Roman"/>
-                <a:cs typeface="Times New Roman"/>
-              </a:rPr>
-              <a:t>Buscaglia</a:t>
-            </a:r>
-            <a:r>
-              <a:rPr lang="en-US" dirty="0" smtClean="0">
-                <a:latin typeface="Times New Roman"/>
-                <a:cs typeface="Times New Roman"/>
-              </a:rPr>
-              <a:t> define random match probability (RMP) in handwriting analysis as “[T]he chance </a:t>
-            </a:r>
-            <a:r>
-              <a:rPr lang="en-US" dirty="0">
-                <a:latin typeface="Times New Roman"/>
-                <a:cs typeface="Times New Roman"/>
-              </a:rPr>
-              <a:t>of randomly selecting two individuals from some relevant population and then randomly selecting two writing samples, one from each individual’s available body of handwriting, that are declared to ‘‘match’’ on the basis of the chosen comparison </a:t>
-            </a:r>
-            <a:r>
-              <a:rPr lang="en-US" dirty="0" smtClean="0">
-                <a:latin typeface="Times New Roman"/>
-                <a:cs typeface="Times New Roman"/>
-              </a:rPr>
-              <a:t>procedure.”</a:t>
-            </a:r>
-            <a:endParaRPr lang="en-US" dirty="0">
-              <a:latin typeface="Times New Roman"/>
-              <a:cs typeface="Times New Roman"/>
-            </a:endParaRPr>
-          </a:p>
-        </p:txBody>
-      </p:sp>
-      <p:sp>
-        <p:nvSpPr>
-          <p:cNvPr id="5" name="Rectangle 4"/>
-          <p:cNvSpPr/>
-          <p:nvPr/>
-        </p:nvSpPr>
-        <p:spPr>
-          <a:xfrm>
-            <a:off x="192263" y="2968347"/>
-            <a:ext cx="8607425" cy="1754327"/>
-          </a:xfrm>
-          <a:prstGeom prst="rect">
-            <a:avLst/>
-          </a:prstGeom>
-        </p:spPr>
-        <p:txBody>
-          <a:bodyPr wrap="square">
-            <a:spAutoFit/>
-          </a:bodyPr>
-          <a:lstStyle/>
-          <a:p>
-            <a:r>
-              <a:rPr lang="en-US" dirty="0" smtClean="0">
-                <a:latin typeface="Times New Roman"/>
-                <a:cs typeface="Times New Roman"/>
-              </a:rPr>
-              <a:t>Say a suspect is apprehended in an a case and is alleged to have written a threatening letter. A database search yields 100 “best matching” individuals (one writing sample each). Assume this serves as a sample from a “relevant population”. It is known that none were actually produced by the suspect with the exception of the writing sample they produced. Each item in the sample compared to the others (</a:t>
-            </a:r>
-            <a:r>
-              <a:rPr lang="en-US" i="1" dirty="0" smtClean="0">
-                <a:latin typeface="Times New Roman"/>
-                <a:cs typeface="Times New Roman"/>
-              </a:rPr>
-              <a:t>n</a:t>
-            </a:r>
-            <a:r>
-              <a:rPr lang="en-US" dirty="0" smtClean="0">
-                <a:latin typeface="Times New Roman"/>
-                <a:cs typeface="Times New Roman"/>
-              </a:rPr>
-              <a:t> = 4950 comparisons) and two pairs are found to “match”. The estimated RMP is thus 2/4950 = 0.0004.</a:t>
-            </a:r>
-            <a:endParaRPr lang="en-US" dirty="0">
-              <a:latin typeface="Times New Roman"/>
-              <a:cs typeface="Times New Roman"/>
-            </a:endParaRPr>
-          </a:p>
-        </p:txBody>
-      </p:sp>
-      <p:sp>
-        <p:nvSpPr>
-          <p:cNvPr id="6" name="Rectangle 5"/>
-          <p:cNvSpPr/>
-          <p:nvPr/>
-        </p:nvSpPr>
-        <p:spPr>
-          <a:xfrm>
-            <a:off x="192263" y="5084997"/>
-            <a:ext cx="8607425" cy="646331"/>
-          </a:xfrm>
-          <a:prstGeom prst="rect">
-            <a:avLst/>
-          </a:prstGeom>
-        </p:spPr>
-        <p:txBody>
-          <a:bodyPr wrap="square">
-            <a:spAutoFit/>
-          </a:bodyPr>
-          <a:lstStyle/>
-          <a:p>
-            <a:r>
-              <a:rPr lang="en-US" dirty="0" smtClean="0">
-                <a:latin typeface="Times New Roman"/>
-                <a:cs typeface="Times New Roman"/>
-              </a:rPr>
-              <a:t>Compute the estimated two sided CI (</a:t>
-            </a:r>
-            <a:r>
-              <a:rPr lang="en-US" dirty="0">
-                <a:latin typeface="Times New Roman"/>
-                <a:cs typeface="Times New Roman"/>
-              </a:rPr>
-              <a:t>n</a:t>
-            </a:r>
-            <a:r>
-              <a:rPr lang="en-US" dirty="0" smtClean="0">
-                <a:latin typeface="Times New Roman"/>
-                <a:cs typeface="Times New Roman"/>
-              </a:rPr>
-              <a:t>eglecting correlations) for this RMP at the 95% level of confidence.</a:t>
-            </a:r>
-            <a:endParaRPr lang="en-US" dirty="0">
-              <a:latin typeface="Times New Roman"/>
-              <a:cs typeface="Times New Roman"/>
-            </a:endParaRPr>
-          </a:p>
-        </p:txBody>
-      </p:sp>
-    </p:spTree>
-    <p:extLst>
-      <p:ext uri="{BB962C8B-B14F-4D97-AF65-F5344CB8AC3E}">
-        <p14:creationId xmlns:p14="http://schemas.microsoft.com/office/powerpoint/2010/main" val="946809488"/>
-      </p:ext>
-    </p:extLst>
-  </p:cSld>
-  <p:clrMapOvr>
-    <a:masterClrMapping/>
-  </p:clrMapOvr>
-  <p:timing>
-    <p:tnLst>
-      <p:par>
-        <p:cTn xmlns:p14="http://schemas.microsoft.com/office/powerpoint/2010/main" id="1" dur="indefinite" restart="never" nodeType="tmRoot"/>
-      </p:par>
-    </p:tnLst>
-  </p:timing>
-</p:sld>
-</file>
-
-<file path=ppt/slides/slide24.xml><?xml version="1.0" encoding="utf-8"?>
-<p:sld xmlns:a="http://schemas.openxmlformats.org/drawingml/2006/main" xmlns:r="http://schemas.openxmlformats.org/officeDocument/2006/relationships" xmlns:p="http://schemas.openxmlformats.org/presentationml/2006/main">
-  <p:cSld>
-    <p:spTree>
-      <p:nvGrpSpPr>
-        <p:cNvPr id="1" name=""/>
-        <p:cNvGrpSpPr/>
-        <p:nvPr/>
-      </p:nvGrpSpPr>
-      <p:grpSpPr>
-        <a:xfrm>
-          <a:off x="0" y="0"/>
-          <a:ext cx="0" cy="0"/>
-          <a:chOff x="0" y="0"/>
-          <a:chExt cx="0" cy="0"/>
-        </a:xfrm>
-      </p:grpSpPr>
-      <p:sp>
-        <p:nvSpPr>
-          <p:cNvPr id="2" name="Rectangle 4"/>
-          <p:cNvSpPr>
-            <a:spLocks noChangeArrowheads="1"/>
-          </p:cNvSpPr>
-          <p:nvPr/>
-        </p:nvSpPr>
-        <p:spPr bwMode="auto">
-          <a:xfrm>
-            <a:off x="231775" y="394726"/>
-            <a:ext cx="8607425" cy="762000"/>
-          </a:xfrm>
-          <a:prstGeom prst="rect">
-            <a:avLst/>
-          </a:prstGeom>
-          <a:noFill/>
-          <a:ln w="9525">
-            <a:noFill/>
-            <a:round/>
-            <a:headEnd/>
-            <a:tailEnd/>
-          </a:ln>
-        </p:spPr>
-        <p:txBody>
-          <a:bodyPr lIns="0" tIns="0" rIns="0" bIns="0" anchor="ctr"/>
-          <a:lstStyle/>
-          <a:p>
-            <a:pPr algn="ctr">
-              <a:lnSpc>
-                <a:spcPct val="100000"/>
-              </a:lnSpc>
-              <a:buFont typeface="Times New Roman" pitchFamily="18" charset="0"/>
-              <a:buNone/>
-              <a:tabLst>
-                <a:tab pos="0" algn="l"/>
-                <a:tab pos="914400" algn="l"/>
-                <a:tab pos="1828800" algn="l"/>
-                <a:tab pos="2743200" algn="l"/>
-                <a:tab pos="3657600" algn="l"/>
-                <a:tab pos="4572000" algn="l"/>
-                <a:tab pos="5486400" algn="l"/>
-                <a:tab pos="6400800" algn="l"/>
-                <a:tab pos="7315200" algn="l"/>
-                <a:tab pos="8229600" algn="l"/>
-                <a:tab pos="9144000" algn="l"/>
-                <a:tab pos="10058400" algn="l"/>
-              </a:tabLst>
-            </a:pPr>
-            <a:r>
-              <a:rPr lang="en-GB" sz="3200" dirty="0" smtClean="0">
-                <a:solidFill>
-                  <a:srgbClr val="000000"/>
-                </a:solidFill>
-                <a:latin typeface="Times New Roman" pitchFamily="18" charset="0"/>
-              </a:rPr>
-              <a:t>Example: Confidence Intervals</a:t>
-            </a:r>
-            <a:endParaRPr lang="en-GB" sz="3200" dirty="0">
-              <a:solidFill>
-                <a:srgbClr val="000000"/>
-              </a:solidFill>
-              <a:latin typeface="Times New Roman" pitchFamily="18" charset="0"/>
-            </a:endParaRPr>
-          </a:p>
-        </p:txBody>
-      </p:sp>
-      <p:pic>
-        <p:nvPicPr>
-          <p:cNvPr id="3" name="Picture 2"/>
-          <p:cNvPicPr>
-            <a:picLocks noChangeAspect="1" noChangeArrowheads="1"/>
-          </p:cNvPicPr>
-          <p:nvPr/>
-        </p:nvPicPr>
-        <p:blipFill>
-          <a:blip r:embed="rId2" cstate="print"/>
-          <a:srcRect/>
-          <a:stretch>
-            <a:fillRect/>
-          </a:stretch>
-        </p:blipFill>
-        <p:spPr bwMode="auto">
-          <a:xfrm>
-            <a:off x="484188" y="76200"/>
-            <a:ext cx="8202612" cy="239712"/>
-          </a:xfrm>
-          <a:prstGeom prst="rect">
-            <a:avLst/>
-          </a:prstGeom>
-          <a:noFill/>
-          <a:ln w="9525">
-            <a:noFill/>
-            <a:round/>
-            <a:headEnd/>
-            <a:tailEnd/>
-          </a:ln>
-        </p:spPr>
-      </p:pic>
-      <p:pic>
-        <p:nvPicPr>
-          <p:cNvPr id="4" name="Picture 3"/>
-          <p:cNvPicPr>
-            <a:picLocks noChangeAspect="1"/>
-          </p:cNvPicPr>
-          <p:nvPr/>
-        </p:nvPicPr>
-        <p:blipFill>
-          <a:blip r:embed="rId3"/>
-          <a:stretch>
-            <a:fillRect/>
-          </a:stretch>
-        </p:blipFill>
-        <p:spPr>
-          <a:xfrm>
-            <a:off x="1752600" y="1308108"/>
-            <a:ext cx="5626100" cy="3733800"/>
-          </a:xfrm>
-          <a:prstGeom prst="rect">
-            <a:avLst/>
-          </a:prstGeom>
-        </p:spPr>
-      </p:pic>
-      <p:pic>
-        <p:nvPicPr>
-          <p:cNvPr id="5" name="Picture 4"/>
-          <p:cNvPicPr>
-            <a:picLocks noChangeAspect="1"/>
-          </p:cNvPicPr>
-          <p:nvPr/>
-        </p:nvPicPr>
-        <p:blipFill>
-          <a:blip r:embed="rId4"/>
-          <a:stretch>
-            <a:fillRect/>
-          </a:stretch>
-        </p:blipFill>
-        <p:spPr>
-          <a:xfrm>
-            <a:off x="3094122" y="5566610"/>
-            <a:ext cx="2755900" cy="457200"/>
-          </a:xfrm>
-          <a:prstGeom prst="rect">
-            <a:avLst/>
-          </a:prstGeom>
-        </p:spPr>
-      </p:pic>
-    </p:spTree>
-    <p:extLst>
-      <p:ext uri="{BB962C8B-B14F-4D97-AF65-F5344CB8AC3E}">
-        <p14:creationId xmlns:p14="http://schemas.microsoft.com/office/powerpoint/2010/main" val="652675271"/>
-      </p:ext>
-    </p:extLst>
-  </p:cSld>
-  <p:clrMapOvr>
-    <a:masterClrMapping/>
-  </p:clrMapOvr>
-  <p:timing>
-    <p:tnLst>
-      <p:par>
-        <p:cTn xmlns:p14="http://schemas.microsoft.com/office/powerpoint/2010/main" id="1" dur="indefinite" restart="never" nodeType="tmRoot"/>
-      </p:par>
-    </p:tnLst>
-  </p:timing>
-</p:sld>
-</file>
-
-<file path=ppt/slides/slide25.xml><?xml version="1.0" encoding="utf-8"?>
-<p:sld xmlns:a="http://schemas.openxmlformats.org/drawingml/2006/main" xmlns:r="http://schemas.openxmlformats.org/officeDocument/2006/relationships" xmlns:p="http://schemas.openxmlformats.org/presentationml/2006/main">
-  <p:cSld>
-    <p:spTree>
-      <p:nvGrpSpPr>
-        <p:cNvPr id="1" name=""/>
-        <p:cNvGrpSpPr/>
-        <p:nvPr/>
-      </p:nvGrpSpPr>
-      <p:grpSpPr>
-        <a:xfrm>
-          <a:off x="0" y="0"/>
-          <a:ext cx="0" cy="0"/>
-          <a:chOff x="0" y="0"/>
-          <a:chExt cx="0" cy="0"/>
-        </a:xfrm>
-      </p:grpSpPr>
-      <p:sp>
-        <p:nvSpPr>
-          <p:cNvPr id="2" name="Rectangle 4"/>
-          <p:cNvSpPr>
-            <a:spLocks noChangeArrowheads="1"/>
-          </p:cNvSpPr>
-          <p:nvPr/>
-        </p:nvSpPr>
-        <p:spPr bwMode="auto">
-          <a:xfrm>
-            <a:off x="231775" y="394726"/>
-            <a:ext cx="8607425" cy="762000"/>
-          </a:xfrm>
-          <a:prstGeom prst="rect">
-            <a:avLst/>
-          </a:prstGeom>
-          <a:noFill/>
-          <a:ln w="9525">
-            <a:noFill/>
-            <a:round/>
-            <a:headEnd/>
-            <a:tailEnd/>
-          </a:ln>
-        </p:spPr>
-        <p:txBody>
-          <a:bodyPr lIns="0" tIns="0" rIns="0" bIns="0" anchor="ctr"/>
-          <a:lstStyle/>
-          <a:p>
-            <a:pPr algn="ctr">
-              <a:lnSpc>
-                <a:spcPct val="100000"/>
-              </a:lnSpc>
-              <a:buFont typeface="Times New Roman" pitchFamily="18" charset="0"/>
-              <a:buNone/>
-              <a:tabLst>
-                <a:tab pos="0" algn="l"/>
-                <a:tab pos="914400" algn="l"/>
-                <a:tab pos="1828800" algn="l"/>
-                <a:tab pos="2743200" algn="l"/>
-                <a:tab pos="3657600" algn="l"/>
-                <a:tab pos="4572000" algn="l"/>
-                <a:tab pos="5486400" algn="l"/>
-                <a:tab pos="6400800" algn="l"/>
-                <a:tab pos="7315200" algn="l"/>
-                <a:tab pos="8229600" algn="l"/>
-                <a:tab pos="9144000" algn="l"/>
-                <a:tab pos="10058400" algn="l"/>
-              </a:tabLst>
-            </a:pPr>
-            <a:r>
-              <a:rPr lang="en-GB" sz="4000" dirty="0" smtClean="0">
-                <a:solidFill>
-                  <a:srgbClr val="000000"/>
-                </a:solidFill>
-                <a:latin typeface="Times New Roman" pitchFamily="18" charset="0"/>
-              </a:rPr>
-              <a:t>Confidence Intervals</a:t>
-            </a:r>
-            <a:endParaRPr lang="en-GB" sz="4000" dirty="0">
-              <a:solidFill>
-                <a:srgbClr val="000000"/>
-              </a:solidFill>
-              <a:latin typeface="Times New Roman" pitchFamily="18" charset="0"/>
-            </a:endParaRPr>
+              <a:t>Bootstrap Confidence Intervals</a:t>
+            </a:r>
           </a:p>
         </p:txBody>
       </p:sp>
@@ -18044,7 +15821,7 @@
               </a:tabLst>
             </a:pPr>
             <a:r>
-              <a:rPr lang="en-US" sz="2400" dirty="0" smtClean="0">
+              <a:rPr lang="en-US" sz="2400" dirty="0">
                 <a:solidFill>
                   <a:srgbClr val="000000"/>
                 </a:solidFill>
@@ -18053,7 +15830,7 @@
               <a:t>So how do we compute a (1 − </a:t>
             </a:r>
             <a:r>
-              <a:rPr lang="en-US" sz="2400" dirty="0" smtClean="0">
+              <a:rPr lang="en-US" sz="2400" dirty="0">
                 <a:solidFill>
                   <a:srgbClr val="000000"/>
                 </a:solidFill>
@@ -18063,487 +15840,7 @@
               <a:t>a</a:t>
             </a:r>
             <a:r>
-              <a:rPr lang="en-US" sz="2400" dirty="0" smtClean="0">
-                <a:solidFill>
-                  <a:srgbClr val="000000"/>
-                </a:solidFill>
-                <a:latin typeface="Times New Roman" pitchFamily="18" charset="0"/>
-              </a:rPr>
-              <a:t>)×100% confidence interval given a set of data??</a:t>
-            </a:r>
-          </a:p>
-        </p:txBody>
-      </p:sp>
-      <p:sp>
-        <p:nvSpPr>
-          <p:cNvPr id="5" name="Rectangle 4"/>
-          <p:cNvSpPr/>
-          <p:nvPr/>
-        </p:nvSpPr>
-        <p:spPr>
-          <a:xfrm>
-            <a:off x="18720" y="2140123"/>
-            <a:ext cx="8839200" cy="933589"/>
-          </a:xfrm>
-          <a:prstGeom prst="rect">
-            <a:avLst/>
-          </a:prstGeom>
-        </p:spPr>
-        <p:txBody>
-          <a:bodyPr wrap="square">
-            <a:spAutoFit/>
-          </a:bodyPr>
-          <a:lstStyle/>
-          <a:p>
-            <a:pPr marL="430213" indent="-323850">
-              <a:spcBef>
-                <a:spcPts val="800"/>
-              </a:spcBef>
-              <a:buFont typeface="Times New Roman" pitchFamily="18" charset="0"/>
-              <a:buChar char="•"/>
-              <a:tabLst>
-                <a:tab pos="430213" algn="l"/>
-                <a:tab pos="1344613" algn="l"/>
-                <a:tab pos="2259013" algn="l"/>
-                <a:tab pos="3173413" algn="l"/>
-                <a:tab pos="4087813" algn="l"/>
-                <a:tab pos="5002213" algn="l"/>
-                <a:tab pos="5916613" algn="l"/>
-                <a:tab pos="6831013" algn="l"/>
-                <a:tab pos="7745413" algn="l"/>
-                <a:tab pos="8659813" algn="l"/>
-                <a:tab pos="9574213" algn="l"/>
-                <a:tab pos="10488613" algn="l"/>
-              </a:tabLst>
-            </a:pPr>
-            <a:r>
-              <a:rPr lang="en-US" sz="2400" b="1" u="sng" dirty="0" smtClean="0">
-                <a:solidFill>
-                  <a:srgbClr val="000000"/>
-                </a:solidFill>
-                <a:latin typeface="Times New Roman" pitchFamily="18" charset="0"/>
-              </a:rPr>
-              <a:t>Case 3</a:t>
-            </a:r>
-            <a:r>
-              <a:rPr lang="en-US" sz="2400" dirty="0" smtClean="0">
-                <a:solidFill>
-                  <a:srgbClr val="000000"/>
-                </a:solidFill>
-                <a:latin typeface="Times New Roman" pitchFamily="18" charset="0"/>
-              </a:rPr>
-              <a:t>: (1 − </a:t>
-            </a:r>
-            <a:r>
-              <a:rPr lang="en-US" sz="2400" dirty="0" smtClean="0">
-                <a:solidFill>
-                  <a:srgbClr val="000000"/>
-                </a:solidFill>
-                <a:latin typeface="Symbol" charset="2"/>
-                <a:cs typeface="Symbol" charset="2"/>
-              </a:rPr>
-              <a:t>a</a:t>
-            </a:r>
-            <a:r>
-              <a:rPr lang="en-US" sz="2400" dirty="0" smtClean="0">
-                <a:solidFill>
-                  <a:srgbClr val="000000"/>
-                </a:solidFill>
-                <a:latin typeface="Times New Roman" pitchFamily="18" charset="0"/>
-              </a:rPr>
-              <a:t>)×100% CIs for a </a:t>
-            </a:r>
-            <a:r>
-              <a:rPr lang="en-US" sz="2400" b="1" u="sng" dirty="0" smtClean="0">
-                <a:solidFill>
-                  <a:srgbClr val="000000"/>
-                </a:solidFill>
-                <a:latin typeface="Times New Roman" pitchFamily="18" charset="0"/>
-              </a:rPr>
-              <a:t>Poisson mean counts</a:t>
-            </a:r>
-            <a:r>
-              <a:rPr lang="en-US" sz="2400" dirty="0" smtClean="0">
-                <a:solidFill>
-                  <a:srgbClr val="000000"/>
-                </a:solidFill>
-                <a:latin typeface="Times New Roman"/>
-                <a:cs typeface="Times New Roman"/>
-              </a:rPr>
-              <a:t> </a:t>
-            </a:r>
-            <a:r>
-              <a:rPr lang="en-US" sz="2400" i="1" dirty="0" smtClean="0">
-                <a:solidFill>
-                  <a:srgbClr val="000000"/>
-                </a:solidFill>
-                <a:latin typeface="Symbol" charset="2"/>
-                <a:cs typeface="Symbol" charset="2"/>
-              </a:rPr>
-              <a:t>l</a:t>
-            </a:r>
-            <a:r>
-              <a:rPr lang="en-US" sz="2400" dirty="0" smtClean="0">
-                <a:solidFill>
-                  <a:srgbClr val="000000"/>
-                </a:solidFill>
-                <a:latin typeface="Times New Roman"/>
-                <a:cs typeface="Times New Roman"/>
-              </a:rPr>
-              <a:t>:</a:t>
-            </a:r>
-          </a:p>
-          <a:p>
-            <a:pPr marL="887413" lvl="1" indent="-323850">
-              <a:spcBef>
-                <a:spcPts val="800"/>
-              </a:spcBef>
-              <a:buFont typeface="Times New Roman" pitchFamily="18" charset="0"/>
-              <a:buChar char="•"/>
-              <a:tabLst>
-                <a:tab pos="430213" algn="l"/>
-                <a:tab pos="1344613" algn="l"/>
-                <a:tab pos="2259013" algn="l"/>
-                <a:tab pos="3173413" algn="l"/>
-                <a:tab pos="4087813" algn="l"/>
-                <a:tab pos="5002213" algn="l"/>
-                <a:tab pos="5916613" algn="l"/>
-                <a:tab pos="6831013" algn="l"/>
-                <a:tab pos="7745413" algn="l"/>
-                <a:tab pos="8659813" algn="l"/>
-                <a:tab pos="9574213" algn="l"/>
-                <a:tab pos="10488613" algn="l"/>
-              </a:tabLst>
-            </a:pPr>
-            <a:r>
-              <a:rPr lang="en-US" sz="2400" b="1" dirty="0" smtClean="0">
-                <a:solidFill>
-                  <a:srgbClr val="000000"/>
-                </a:solidFill>
-                <a:latin typeface="Times New Roman"/>
-                <a:cs typeface="Times New Roman"/>
-              </a:rPr>
-              <a:t>Large sample</a:t>
-            </a:r>
-            <a:r>
-              <a:rPr lang="en-US" sz="2400" dirty="0" smtClean="0">
-                <a:solidFill>
-                  <a:srgbClr val="000000"/>
-                </a:solidFill>
-                <a:latin typeface="Times New Roman"/>
-                <a:cs typeface="Times New Roman"/>
-              </a:rPr>
-              <a:t> </a:t>
-            </a:r>
-            <a:r>
-              <a:rPr lang="en-US" sz="2400" i="1" dirty="0" smtClean="0">
-                <a:solidFill>
-                  <a:srgbClr val="000000"/>
-                </a:solidFill>
-                <a:latin typeface="Times New Roman"/>
-                <a:cs typeface="Times New Roman"/>
-              </a:rPr>
-              <a:t>n</a:t>
-            </a:r>
-            <a:r>
-              <a:rPr lang="en-US" sz="2400" dirty="0" smtClean="0">
-                <a:solidFill>
-                  <a:srgbClr val="000000"/>
-                </a:solidFill>
-                <a:latin typeface="Times New Roman"/>
-                <a:cs typeface="Times New Roman"/>
-              </a:rPr>
-              <a:t> (</a:t>
-            </a:r>
-            <a:r>
-              <a:rPr lang="en-US" sz="2400" i="1" u="sng" dirty="0" smtClean="0">
-                <a:solidFill>
-                  <a:srgbClr val="000000"/>
-                </a:solidFill>
-                <a:latin typeface="Times New Roman"/>
-                <a:cs typeface="Times New Roman"/>
-              </a:rPr>
-              <a:t>at least</a:t>
-            </a:r>
-            <a:r>
-              <a:rPr lang="en-US" sz="2400" dirty="0" smtClean="0">
-                <a:solidFill>
-                  <a:srgbClr val="000000"/>
-                </a:solidFill>
-                <a:latin typeface="Times New Roman"/>
-                <a:cs typeface="Times New Roman"/>
-              </a:rPr>
-              <a:t> 30)</a:t>
-            </a:r>
-            <a:r>
-              <a:rPr lang="en-US" sz="2400" dirty="0" smtClean="0">
-                <a:solidFill>
-                  <a:srgbClr val="000000"/>
-                </a:solidFill>
-                <a:latin typeface="Times New Roman" pitchFamily="18" charset="0"/>
-              </a:rPr>
-              <a:t>: </a:t>
-            </a:r>
-          </a:p>
-        </p:txBody>
-      </p:sp>
-      <p:sp>
-        <p:nvSpPr>
-          <p:cNvPr id="24" name="Rectangle 23"/>
-          <p:cNvSpPr/>
-          <p:nvPr/>
-        </p:nvSpPr>
-        <p:spPr>
-          <a:xfrm>
-            <a:off x="6497264" y="3747663"/>
-            <a:ext cx="1504438" cy="461665"/>
-          </a:xfrm>
-          <a:prstGeom prst="rect">
-            <a:avLst/>
-          </a:prstGeom>
-        </p:spPr>
-        <p:txBody>
-          <a:bodyPr wrap="none">
-            <a:spAutoFit/>
-          </a:bodyPr>
-          <a:lstStyle/>
-          <a:p>
-            <a:r>
-              <a:rPr lang="en-US" sz="2400" b="1" dirty="0" smtClean="0">
-                <a:solidFill>
-                  <a:srgbClr val="000000"/>
-                </a:solidFill>
-                <a:latin typeface="Times New Roman" pitchFamily="18" charset="0"/>
-              </a:rPr>
-              <a:t>Two sided</a:t>
-            </a:r>
-            <a:endParaRPr lang="en-US" sz="2400" b="1" dirty="0"/>
-          </a:p>
-        </p:txBody>
-      </p:sp>
-      <p:pic>
-        <p:nvPicPr>
-          <p:cNvPr id="6" name="Picture 5"/>
-          <p:cNvPicPr>
-            <a:picLocks noChangeAspect="1"/>
-          </p:cNvPicPr>
-          <p:nvPr/>
-        </p:nvPicPr>
-        <p:blipFill>
-          <a:blip r:embed="rId3"/>
-          <a:stretch>
-            <a:fillRect/>
-          </a:stretch>
-        </p:blipFill>
-        <p:spPr>
-          <a:xfrm>
-            <a:off x="962888" y="3538628"/>
-            <a:ext cx="5336822" cy="806282"/>
-          </a:xfrm>
-          <a:prstGeom prst="rect">
-            <a:avLst/>
-          </a:prstGeom>
-        </p:spPr>
-      </p:pic>
-    </p:spTree>
-    <p:extLst>
-      <p:ext uri="{BB962C8B-B14F-4D97-AF65-F5344CB8AC3E}">
-        <p14:creationId xmlns:p14="http://schemas.microsoft.com/office/powerpoint/2010/main" val="1129816883"/>
-      </p:ext>
-    </p:extLst>
-  </p:cSld>
-  <p:clrMapOvr>
-    <a:masterClrMapping/>
-  </p:clrMapOvr>
-  <p:timing>
-    <p:tnLst>
-      <p:par>
-        <p:cTn xmlns:p14="http://schemas.microsoft.com/office/powerpoint/2010/main" id="1" dur="indefinite" restart="never" nodeType="tmRoot"/>
-      </p:par>
-    </p:tnLst>
-  </p:timing>
-</p:sld>
-</file>
-
-<file path=ppt/slides/slide26.xml><?xml version="1.0" encoding="utf-8"?>
-<p:sld xmlns:a="http://schemas.openxmlformats.org/drawingml/2006/main" xmlns:r="http://schemas.openxmlformats.org/officeDocument/2006/relationships" xmlns:p="http://schemas.openxmlformats.org/presentationml/2006/main">
-  <p:cSld>
-    <p:spTree>
-      <p:nvGrpSpPr>
-        <p:cNvPr id="1" name=""/>
-        <p:cNvGrpSpPr/>
-        <p:nvPr/>
-      </p:nvGrpSpPr>
-      <p:grpSpPr>
-        <a:xfrm>
-          <a:off x="0" y="0"/>
-          <a:ext cx="0" cy="0"/>
-          <a:chOff x="0" y="0"/>
-          <a:chExt cx="0" cy="0"/>
-        </a:xfrm>
-      </p:grpSpPr>
-      <p:sp>
-        <p:nvSpPr>
-          <p:cNvPr id="2" name="Rectangle 4"/>
-          <p:cNvSpPr>
-            <a:spLocks noChangeArrowheads="1"/>
-          </p:cNvSpPr>
-          <p:nvPr/>
-        </p:nvSpPr>
-        <p:spPr bwMode="auto">
-          <a:xfrm>
-            <a:off x="231775" y="394726"/>
-            <a:ext cx="8607425" cy="762000"/>
-          </a:xfrm>
-          <a:prstGeom prst="rect">
-            <a:avLst/>
-          </a:prstGeom>
-          <a:noFill/>
-          <a:ln w="9525">
-            <a:noFill/>
-            <a:round/>
-            <a:headEnd/>
-            <a:tailEnd/>
-          </a:ln>
-        </p:spPr>
-        <p:txBody>
-          <a:bodyPr lIns="0" tIns="0" rIns="0" bIns="0" anchor="ctr"/>
-          <a:lstStyle/>
-          <a:p>
-            <a:pPr algn="ctr">
-              <a:lnSpc>
-                <a:spcPct val="100000"/>
-              </a:lnSpc>
-              <a:buFont typeface="Times New Roman" pitchFamily="18" charset="0"/>
-              <a:buNone/>
-              <a:tabLst>
-                <a:tab pos="0" algn="l"/>
-                <a:tab pos="914400" algn="l"/>
-                <a:tab pos="1828800" algn="l"/>
-                <a:tab pos="2743200" algn="l"/>
-                <a:tab pos="3657600" algn="l"/>
-                <a:tab pos="4572000" algn="l"/>
-                <a:tab pos="5486400" algn="l"/>
-                <a:tab pos="6400800" algn="l"/>
-                <a:tab pos="7315200" algn="l"/>
-                <a:tab pos="8229600" algn="l"/>
-                <a:tab pos="9144000" algn="l"/>
-                <a:tab pos="10058400" algn="l"/>
-              </a:tabLst>
-            </a:pPr>
-            <a:r>
-              <a:rPr lang="en-GB" sz="4000" dirty="0" smtClean="0">
-                <a:solidFill>
-                  <a:srgbClr val="000000"/>
-                </a:solidFill>
-                <a:latin typeface="Times New Roman" pitchFamily="18" charset="0"/>
-              </a:rPr>
-              <a:t>Bootstrap Confidence Intervals</a:t>
-            </a:r>
-            <a:endParaRPr lang="en-GB" sz="4000" dirty="0">
-              <a:solidFill>
-                <a:srgbClr val="000000"/>
-              </a:solidFill>
-              <a:latin typeface="Times New Roman" pitchFamily="18" charset="0"/>
-            </a:endParaRPr>
-          </a:p>
-        </p:txBody>
-      </p:sp>
-      <p:pic>
-        <p:nvPicPr>
-          <p:cNvPr id="3" name="Picture 2"/>
-          <p:cNvPicPr>
-            <a:picLocks noChangeAspect="1" noChangeArrowheads="1"/>
-          </p:cNvPicPr>
-          <p:nvPr/>
-        </p:nvPicPr>
-        <p:blipFill>
-          <a:blip r:embed="rId2" cstate="print"/>
-          <a:srcRect/>
-          <a:stretch>
-            <a:fillRect/>
-          </a:stretch>
-        </p:blipFill>
-        <p:spPr bwMode="auto">
-          <a:xfrm>
-            <a:off x="484188" y="76200"/>
-            <a:ext cx="8202612" cy="239712"/>
-          </a:xfrm>
-          <a:prstGeom prst="rect">
-            <a:avLst/>
-          </a:prstGeom>
-          <a:noFill/>
-          <a:ln w="9525">
-            <a:noFill/>
-            <a:round/>
-            <a:headEnd/>
-            <a:tailEnd/>
-          </a:ln>
-        </p:spPr>
-      </p:pic>
-      <p:sp>
-        <p:nvSpPr>
-          <p:cNvPr id="4" name="Rectangle 3"/>
-          <p:cNvSpPr/>
-          <p:nvPr/>
-        </p:nvSpPr>
-        <p:spPr>
-          <a:xfrm>
-            <a:off x="0" y="1156726"/>
-            <a:ext cx="8839200" cy="830997"/>
-          </a:xfrm>
-          <a:prstGeom prst="rect">
-            <a:avLst/>
-          </a:prstGeom>
-        </p:spPr>
-        <p:txBody>
-          <a:bodyPr wrap="square">
-            <a:spAutoFit/>
-          </a:bodyPr>
-          <a:lstStyle/>
-          <a:p>
-            <a:pPr marL="430213" indent="-323850">
-              <a:spcBef>
-                <a:spcPts val="800"/>
-              </a:spcBef>
-              <a:buFont typeface="Times New Roman" pitchFamily="18" charset="0"/>
-              <a:buChar char="•"/>
-              <a:tabLst>
-                <a:tab pos="430213" algn="l"/>
-                <a:tab pos="1344613" algn="l"/>
-                <a:tab pos="2259013" algn="l"/>
-                <a:tab pos="3173413" algn="l"/>
-                <a:tab pos="4087813" algn="l"/>
-                <a:tab pos="5002213" algn="l"/>
-                <a:tab pos="5916613" algn="l"/>
-                <a:tab pos="6831013" algn="l"/>
-                <a:tab pos="7745413" algn="l"/>
-                <a:tab pos="8659813" algn="l"/>
-                <a:tab pos="9574213" algn="l"/>
-                <a:tab pos="10488613" algn="l"/>
-              </a:tabLst>
-            </a:pPr>
-            <a:r>
-              <a:rPr lang="en-US" sz="2400" dirty="0" smtClean="0">
-                <a:solidFill>
-                  <a:srgbClr val="000000"/>
-                </a:solidFill>
-                <a:latin typeface="Times New Roman" pitchFamily="18" charset="0"/>
-              </a:rPr>
-              <a:t>So how do we compute a (1 − </a:t>
-            </a:r>
-            <a:r>
-              <a:rPr lang="en-US" sz="2400" dirty="0" smtClean="0">
-                <a:solidFill>
-                  <a:srgbClr val="000000"/>
-                </a:solidFill>
-                <a:latin typeface="Symbol" charset="2"/>
-                <a:cs typeface="Symbol" charset="2"/>
-              </a:rPr>
-              <a:t>a</a:t>
-            </a:r>
-            <a:r>
-              <a:rPr lang="en-US" sz="2400" dirty="0" smtClean="0">
+              <a:rPr lang="en-US" sz="2400" dirty="0">
                 <a:solidFill>
                   <a:srgbClr val="000000"/>
                 </a:solidFill>
@@ -18597,7 +15894,7 @@
               </a:tabLst>
             </a:pPr>
             <a:r>
-              <a:rPr lang="en-US" sz="2400" b="1" dirty="0" smtClean="0">
+              <a:rPr lang="en-US" sz="2400" b="1" dirty="0">
                 <a:solidFill>
                   <a:srgbClr val="000000"/>
                 </a:solidFill>
@@ -18606,7 +15903,7 @@
               <a:t>For any parameter</a:t>
             </a:r>
             <a:r>
-              <a:rPr lang="en-US" sz="2400" dirty="0" smtClean="0">
+              <a:rPr lang="en-US" sz="2400" dirty="0">
                 <a:solidFill>
                   <a:srgbClr val="000000"/>
                 </a:solidFill>
@@ -18660,7 +15957,7 @@
               </a:tabLst>
             </a:pPr>
             <a:r>
-              <a:rPr lang="en-US" sz="2400" dirty="0" smtClean="0">
+              <a:rPr lang="en-US" sz="2400" dirty="0">
                 <a:solidFill>
                   <a:srgbClr val="000000"/>
                 </a:solidFill>
@@ -18669,7 +15966,7 @@
               <a:t>For a sample of size </a:t>
             </a:r>
             <a:r>
-              <a:rPr lang="en-US" sz="2400" i="1" dirty="0" smtClean="0">
+              <a:rPr lang="en-US" sz="2400" i="1" dirty="0">
                 <a:solidFill>
                   <a:srgbClr val="000000"/>
                 </a:solidFill>
@@ -18678,7 +15975,7 @@
               <a:t>n</a:t>
             </a:r>
             <a:r>
-              <a:rPr lang="en-US" sz="2400" dirty="0" smtClean="0">
+              <a:rPr lang="en-US" sz="2400" dirty="0">
                 <a:solidFill>
                   <a:srgbClr val="000000"/>
                 </a:solidFill>
@@ -18710,7 +16007,7 @@
               </a:tabLst>
             </a:pPr>
             <a:r>
-              <a:rPr lang="en-US" sz="2400" dirty="0" smtClean="0">
+              <a:rPr lang="en-US" sz="2400" dirty="0">
                 <a:solidFill>
                   <a:srgbClr val="000000"/>
                 </a:solidFill>
@@ -18719,7 +16016,7 @@
               <a:t>Obtain a bootstrap sampling distribution for </a:t>
             </a:r>
             <a:r>
-              <a:rPr lang="en-US" sz="2400" i="1" dirty="0" smtClean="0">
+              <a:rPr lang="en-US" sz="2400" i="1" dirty="0">
                 <a:solidFill>
                   <a:srgbClr val="000000"/>
                 </a:solidFill>
@@ -18729,7 +16026,7 @@
               <a:t>q</a:t>
             </a:r>
             <a:r>
-              <a:rPr lang="en-US" sz="2400" dirty="0" smtClean="0">
+              <a:rPr lang="en-US" sz="2400" dirty="0">
                 <a:solidFill>
                   <a:srgbClr val="000000"/>
                 </a:solidFill>
@@ -18738,7 +16035,7 @@
               <a:t>: </a:t>
             </a:r>
             <a:r>
-              <a:rPr lang="en-US" sz="2400" b="1" dirty="0" err="1" smtClean="0">
+              <a:rPr lang="en-US" sz="2400" b="1" dirty="0" err="1">
                 <a:solidFill>
                   <a:srgbClr val="000000"/>
                 </a:solidFill>
@@ -18748,7 +16045,7 @@
               <a:t>boot.reps</a:t>
             </a:r>
             <a:r>
-              <a:rPr lang="en-US" sz="2400" b="1" dirty="0" smtClean="0">
+              <a:rPr lang="en-US" sz="2400" b="1" dirty="0">
                 <a:solidFill>
                   <a:srgbClr val="000000"/>
                 </a:solidFill>
@@ -18780,7 +16077,7 @@
               </a:tabLst>
             </a:pPr>
             <a:r>
-              <a:rPr lang="en-US" sz="2400" dirty="0" smtClean="0">
+              <a:rPr lang="en-US" sz="2400" dirty="0">
                 <a:solidFill>
                   <a:srgbClr val="000000"/>
                 </a:solidFill>
@@ -18789,7 +16086,7 @@
               <a:t>Find the (1 − </a:t>
             </a:r>
             <a:r>
-              <a:rPr lang="en-US" sz="2400" dirty="0" smtClean="0">
+              <a:rPr lang="en-US" sz="2400" dirty="0">
                 <a:solidFill>
                   <a:srgbClr val="000000"/>
                 </a:solidFill>
@@ -18799,7 +16096,7 @@
               <a:t>a</a:t>
             </a:r>
             <a:r>
-              <a:rPr lang="en-US" sz="2400" dirty="0" smtClean="0">
+              <a:rPr lang="en-US" sz="2400" dirty="0">
                 <a:solidFill>
                   <a:srgbClr val="000000"/>
                 </a:solidFill>
@@ -18858,69 +16155,59 @@
                 <a:latin typeface="Courier"/>
                 <a:cs typeface="Courier"/>
               </a:rPr>
-              <a:t>q</a:t>
-            </a:r>
-            <a:r>
-              <a:rPr lang="en-US" sz="2000" b="1" dirty="0" err="1" smtClean="0">
+              <a:t>quantile</a:t>
+            </a:r>
+            <a:r>
+              <a:rPr lang="en-US" sz="2000" b="1" dirty="0">
                 <a:solidFill>
                   <a:srgbClr val="000000"/>
                 </a:solidFill>
                 <a:latin typeface="Courier"/>
                 <a:cs typeface="Courier"/>
               </a:rPr>
-              <a:t>uantile</a:t>
-            </a:r>
-            <a:r>
-              <a:rPr lang="en-US" sz="2000" b="1" dirty="0" smtClean="0">
+              <a:t>(</a:t>
+            </a:r>
+            <a:r>
+              <a:rPr lang="en-US" sz="2000" b="1" dirty="0" err="1">
                 <a:solidFill>
                   <a:srgbClr val="000000"/>
                 </a:solidFill>
                 <a:latin typeface="Courier"/>
                 <a:cs typeface="Courier"/>
               </a:rPr>
-              <a:t>(</a:t>
-            </a:r>
-            <a:r>
-              <a:rPr lang="en-US" sz="2000" b="1" dirty="0" err="1" smtClean="0">
+              <a:t>boot.reps</a:t>
+            </a:r>
+            <a:r>
+              <a:rPr lang="en-US" sz="2000" b="1" dirty="0">
                 <a:solidFill>
                   <a:srgbClr val="000000"/>
                 </a:solidFill>
                 <a:latin typeface="Courier"/>
                 <a:cs typeface="Courier"/>
               </a:rPr>
-              <a:t>boot.reps</a:t>
-            </a:r>
-            <a:r>
-              <a:rPr lang="en-US" sz="2000" b="1" dirty="0" smtClean="0">
+              <a:t>, </a:t>
+            </a:r>
+            <a:r>
+              <a:rPr lang="en-US" sz="2000" b="1" dirty="0" err="1">
                 <a:solidFill>
                   <a:srgbClr val="000000"/>
                 </a:solidFill>
                 <a:latin typeface="Courier"/>
                 <a:cs typeface="Courier"/>
               </a:rPr>
-              <a:t>, </a:t>
-            </a:r>
-            <a:r>
-              <a:rPr lang="en-US" sz="2000" b="1" dirty="0" err="1" smtClean="0">
+              <a:t>probs</a:t>
+            </a:r>
+            <a:r>
+              <a:rPr lang="en-US" sz="2000" b="1" dirty="0">
                 <a:solidFill>
                   <a:srgbClr val="000000"/>
                 </a:solidFill>
                 <a:latin typeface="Courier"/>
                 <a:cs typeface="Courier"/>
               </a:rPr>
-              <a:t>probs</a:t>
-            </a:r>
-            <a:r>
-              <a:rPr lang="en-US" sz="2000" b="1" dirty="0" smtClean="0">
-                <a:solidFill>
-                  <a:srgbClr val="000000"/>
-                </a:solidFill>
-                <a:latin typeface="Courier"/>
-                <a:cs typeface="Courier"/>
-              </a:rPr>
               <a:t>=c(a/2, 1-a/2))</a:t>
             </a:r>
-            <a:endParaRPr lang="en-US" sz="2000" b="1" dirty="0" smtClean="0">
+            <a:endParaRPr lang="en-US" sz="2000" b="1" dirty="0">
               <a:solidFill>
                 <a:srgbClr val="000000"/>
               </a:solidFill>
@@ -18951,7 +16238,7 @@
           <a:lstStyle/>
           <a:p>
             <a:r>
-              <a:rPr lang="en-US" sz="2400" b="1" dirty="0" smtClean="0">
+              <a:rPr lang="en-US" sz="2400" b="1" dirty="0">
                 <a:solidFill>
                   <a:srgbClr val="000000"/>
                 </a:solidFill>
@@ -18985,7 +16272,7 @@
           <a:lstStyle/>
           <a:p>
             <a:r>
-              <a:rPr lang="en-US" sz="2400" b="1" dirty="0" smtClean="0">
+              <a:rPr lang="en-US" sz="2400" b="1" dirty="0">
                 <a:solidFill>
                   <a:srgbClr val="000000"/>
                 </a:solidFill>
@@ -19019,7 +16306,7 @@
           <a:lstStyle/>
           <a:p>
             <a:r>
-              <a:rPr lang="en-US" sz="2400" b="1" dirty="0" smtClean="0">
+              <a:rPr lang="en-US" sz="2400" b="1" dirty="0">
                 <a:solidFill>
                   <a:srgbClr val="000000"/>
                 </a:solidFill>
@@ -19079,69 +16366,59 @@
                 <a:latin typeface="Courier"/>
                 <a:cs typeface="Courier"/>
               </a:rPr>
-              <a:t>q</a:t>
-            </a:r>
-            <a:r>
-              <a:rPr lang="en-US" sz="2000" b="1" dirty="0" err="1" smtClean="0">
+              <a:t>quantile</a:t>
+            </a:r>
+            <a:r>
+              <a:rPr lang="en-US" sz="2000" b="1" dirty="0">
                 <a:solidFill>
                   <a:srgbClr val="000000"/>
                 </a:solidFill>
                 <a:latin typeface="Courier"/>
                 <a:cs typeface="Courier"/>
               </a:rPr>
-              <a:t>uantile</a:t>
-            </a:r>
-            <a:r>
-              <a:rPr lang="en-US" sz="2000" b="1" dirty="0" smtClean="0">
+              <a:t>(</a:t>
+            </a:r>
+            <a:r>
+              <a:rPr lang="en-US" sz="2000" b="1" dirty="0" err="1">
                 <a:solidFill>
                   <a:srgbClr val="000000"/>
                 </a:solidFill>
                 <a:latin typeface="Courier"/>
                 <a:cs typeface="Courier"/>
               </a:rPr>
-              <a:t>(</a:t>
-            </a:r>
-            <a:r>
-              <a:rPr lang="en-US" sz="2000" b="1" dirty="0" err="1" smtClean="0">
+              <a:t>boot.reps</a:t>
+            </a:r>
+            <a:r>
+              <a:rPr lang="en-US" sz="2000" b="1" dirty="0">
                 <a:solidFill>
                   <a:srgbClr val="000000"/>
                 </a:solidFill>
                 <a:latin typeface="Courier"/>
                 <a:cs typeface="Courier"/>
               </a:rPr>
-              <a:t>boot.reps</a:t>
-            </a:r>
-            <a:r>
-              <a:rPr lang="en-US" sz="2000" b="1" dirty="0" smtClean="0">
+              <a:t>, </a:t>
+            </a:r>
+            <a:r>
+              <a:rPr lang="en-US" sz="2000" b="1" dirty="0" err="1">
                 <a:solidFill>
                   <a:srgbClr val="000000"/>
                 </a:solidFill>
                 <a:latin typeface="Courier"/>
                 <a:cs typeface="Courier"/>
               </a:rPr>
-              <a:t>, </a:t>
-            </a:r>
-            <a:r>
-              <a:rPr lang="en-US" sz="2000" b="1" dirty="0" err="1" smtClean="0">
+              <a:t>probs</a:t>
+            </a:r>
+            <a:r>
+              <a:rPr lang="en-US" sz="2000" b="1" dirty="0">
                 <a:solidFill>
                   <a:srgbClr val="000000"/>
                 </a:solidFill>
                 <a:latin typeface="Courier"/>
                 <a:cs typeface="Courier"/>
               </a:rPr>
-              <a:t>probs</a:t>
-            </a:r>
-            <a:r>
-              <a:rPr lang="en-US" sz="2000" b="1" dirty="0" smtClean="0">
-                <a:solidFill>
-                  <a:srgbClr val="000000"/>
-                </a:solidFill>
-                <a:latin typeface="Courier"/>
-                <a:cs typeface="Courier"/>
-              </a:rPr>
               <a:t>=c(a))</a:t>
             </a:r>
-            <a:endParaRPr lang="en-US" sz="2000" b="1" dirty="0" smtClean="0">
+            <a:endParaRPr lang="en-US" sz="2000" b="1" dirty="0">
               <a:solidFill>
                 <a:srgbClr val="000000"/>
               </a:solidFill>
@@ -19198,69 +16475,59 @@
                 <a:latin typeface="Courier"/>
                 <a:cs typeface="Courier"/>
               </a:rPr>
-              <a:t>q</a:t>
-            </a:r>
-            <a:r>
-              <a:rPr lang="en-US" sz="2000" b="1" dirty="0" err="1" smtClean="0">
+              <a:t>quantile</a:t>
+            </a:r>
+            <a:r>
+              <a:rPr lang="en-US" sz="2000" b="1" dirty="0">
                 <a:solidFill>
                   <a:srgbClr val="000000"/>
                 </a:solidFill>
                 <a:latin typeface="Courier"/>
                 <a:cs typeface="Courier"/>
               </a:rPr>
-              <a:t>uantile</a:t>
-            </a:r>
-            <a:r>
-              <a:rPr lang="en-US" sz="2000" b="1" dirty="0" smtClean="0">
+              <a:t>(</a:t>
+            </a:r>
+            <a:r>
+              <a:rPr lang="en-US" sz="2000" b="1" dirty="0" err="1">
                 <a:solidFill>
                   <a:srgbClr val="000000"/>
                 </a:solidFill>
                 <a:latin typeface="Courier"/>
                 <a:cs typeface="Courier"/>
               </a:rPr>
-              <a:t>(</a:t>
-            </a:r>
-            <a:r>
-              <a:rPr lang="en-US" sz="2000" b="1" dirty="0" err="1" smtClean="0">
+              <a:t>boot.reps</a:t>
+            </a:r>
+            <a:r>
+              <a:rPr lang="en-US" sz="2000" b="1" dirty="0">
                 <a:solidFill>
                   <a:srgbClr val="000000"/>
                 </a:solidFill>
                 <a:latin typeface="Courier"/>
                 <a:cs typeface="Courier"/>
               </a:rPr>
-              <a:t>boot.reps</a:t>
-            </a:r>
-            <a:r>
-              <a:rPr lang="en-US" sz="2000" b="1" dirty="0" smtClean="0">
+              <a:t>, </a:t>
+            </a:r>
+            <a:r>
+              <a:rPr lang="en-US" sz="2000" b="1" dirty="0" err="1">
                 <a:solidFill>
                   <a:srgbClr val="000000"/>
                 </a:solidFill>
                 <a:latin typeface="Courier"/>
                 <a:cs typeface="Courier"/>
               </a:rPr>
-              <a:t>, </a:t>
-            </a:r>
-            <a:r>
-              <a:rPr lang="en-US" sz="2000" b="1" dirty="0" err="1" smtClean="0">
+              <a:t>probs</a:t>
+            </a:r>
+            <a:r>
+              <a:rPr lang="en-US" sz="2000" b="1" dirty="0">
                 <a:solidFill>
                   <a:srgbClr val="000000"/>
                 </a:solidFill>
                 <a:latin typeface="Courier"/>
                 <a:cs typeface="Courier"/>
               </a:rPr>
-              <a:t>probs</a:t>
-            </a:r>
-            <a:r>
-              <a:rPr lang="en-US" sz="2000" b="1" dirty="0" smtClean="0">
-                <a:solidFill>
-                  <a:srgbClr val="000000"/>
-                </a:solidFill>
-                <a:latin typeface="Courier"/>
-                <a:cs typeface="Courier"/>
-              </a:rPr>
               <a:t>=c(1-a))</a:t>
             </a:r>
-            <a:endParaRPr lang="en-US" sz="2000" b="1" dirty="0" smtClean="0">
+            <a:endParaRPr lang="en-US" sz="2000" b="1" dirty="0">
               <a:solidFill>
                 <a:srgbClr val="000000"/>
               </a:solidFill>
@@ -19279,17 +16546,10 @@
   <p:clrMapOvr>
     <a:masterClrMapping/>
   </p:clrMapOvr>
-  <p:timing>
-    <p:tnLst>
-      <p:par>
-        <p:cTn xmlns:p14="http://schemas.microsoft.com/office/powerpoint/2010/main" id="1" dur="indefinite" restart="never" nodeType="tmRoot"/>
-      </p:par>
-    </p:tnLst>
-  </p:timing>
 </p:sld>
 </file>
 
-<file path=ppt/slides/slide27.xml><?xml version="1.0" encoding="utf-8"?>
+<file path=ppt/slides/slide22.xml><?xml version="1.0" encoding="utf-8"?>
 <p:sld xmlns:a="http://schemas.openxmlformats.org/drawingml/2006/main" xmlns:r="http://schemas.openxmlformats.org/officeDocument/2006/relationships" xmlns:p="http://schemas.openxmlformats.org/presentationml/2006/main">
   <p:cSld>
     <p:spTree>
@@ -19328,25 +16588,11 @@
           <a:lstStyle/>
           <a:p>
             <a:r>
-              <a:rPr lang="en-US" dirty="0" smtClean="0">
-                <a:latin typeface="Times New Roman"/>
-                <a:cs typeface="Times New Roman"/>
-              </a:rPr>
-              <a:t>Consider again the case of Mr</a:t>
-            </a:r>
-            <a:r>
               <a:rPr lang="en-US" dirty="0">
                 <a:latin typeface="Times New Roman"/>
                 <a:cs typeface="Times New Roman"/>
               </a:rPr>
-              <a:t>.</a:t>
-            </a:r>
-            <a:r>
-              <a:rPr lang="en-US" dirty="0" smtClean="0">
-                <a:latin typeface="Times New Roman"/>
-                <a:cs typeface="Times New Roman"/>
-              </a:rPr>
-              <a:t> B. Mayhew with seizure mass measurements of:</a:t>
+              <a:t>Consider again the case of Mr. B. Mayhew with seizure mass measurements of:</a:t>
             </a:r>
           </a:p>
         </p:txBody>
@@ -19373,7 +16619,7 @@
           <a:lstStyle/>
           <a:p>
             <a:r>
-              <a:rPr lang="en-US" dirty="0" smtClean="0">
+              <a:rPr lang="en-US" dirty="0">
                 <a:latin typeface="Times New Roman"/>
                 <a:cs typeface="Times New Roman"/>
               </a:rPr>
@@ -19382,7 +16628,7 @@
           </a:p>
           <a:p>
             <a:r>
-              <a:rPr lang="en-US" dirty="0" smtClean="0">
+              <a:rPr lang="en-US" dirty="0">
                 <a:latin typeface="Times New Roman"/>
                 <a:cs typeface="Times New Roman"/>
               </a:rPr>
@@ -19391,7 +16637,7 @@
           </a:p>
           <a:p>
             <a:r>
-              <a:rPr lang="en-US" dirty="0" smtClean="0">
+              <a:rPr lang="en-US" dirty="0">
                 <a:latin typeface="Times New Roman"/>
                 <a:cs typeface="Times New Roman"/>
               </a:rPr>
@@ -19400,7 +16646,7 @@
           </a:p>
           <a:p>
             <a:r>
-              <a:rPr lang="en-US" dirty="0" smtClean="0">
+              <a:rPr lang="en-US" dirty="0">
                 <a:latin typeface="Times New Roman"/>
                 <a:cs typeface="Times New Roman"/>
               </a:rPr>
@@ -19409,16 +16655,12 @@
           </a:p>
           <a:p>
             <a:r>
-              <a:rPr lang="en-US" dirty="0" smtClean="0">
+              <a:rPr lang="en-US" dirty="0">
                 <a:latin typeface="Times New Roman"/>
                 <a:cs typeface="Times New Roman"/>
               </a:rPr>
               <a:t>49.9995g</a:t>
             </a:r>
-            <a:endParaRPr lang="en-US" dirty="0">
-              <a:latin typeface="Times New Roman"/>
-              <a:cs typeface="Times New Roman"/>
-            </a:endParaRPr>
           </a:p>
         </p:txBody>
       </p:sp>
@@ -19444,7 +16686,7 @@
           <a:lstStyle/>
           <a:p>
             <a:r>
-              <a:rPr lang="en-US" dirty="0" smtClean="0">
+              <a:rPr lang="en-US" dirty="0">
                 <a:latin typeface="Times New Roman"/>
                 <a:cs typeface="Times New Roman"/>
               </a:rPr>
@@ -19453,7 +16695,7 @@
           </a:p>
           <a:p>
             <a:r>
-              <a:rPr lang="en-US" dirty="0" smtClean="0">
+              <a:rPr lang="en-US" dirty="0">
                 <a:latin typeface="Times New Roman"/>
                 <a:cs typeface="Times New Roman"/>
               </a:rPr>
@@ -19462,7 +16704,7 @@
           </a:p>
           <a:p>
             <a:r>
-              <a:rPr lang="en-US" dirty="0" smtClean="0">
+              <a:rPr lang="en-US" dirty="0">
                 <a:latin typeface="Times New Roman"/>
                 <a:cs typeface="Times New Roman"/>
               </a:rPr>
@@ -19471,7 +16713,7 @@
           </a:p>
           <a:p>
             <a:r>
-              <a:rPr lang="en-US" dirty="0" smtClean="0">
+              <a:rPr lang="en-US" dirty="0">
                 <a:latin typeface="Times New Roman"/>
                 <a:cs typeface="Times New Roman"/>
               </a:rPr>
@@ -19480,7 +16722,7 @@
           </a:p>
           <a:p>
             <a:r>
-              <a:rPr lang="en-US" dirty="0" smtClean="0">
+              <a:rPr lang="en-US" dirty="0">
                 <a:latin typeface="Times New Roman"/>
                 <a:cs typeface="Times New Roman"/>
               </a:rPr>
@@ -19540,7 +16782,7 @@
               </a:tabLst>
             </a:pPr>
             <a:r>
-              <a:rPr lang="en-GB" sz="3200" dirty="0" smtClean="0">
+              <a:rPr lang="en-GB" sz="3200" dirty="0">
                 <a:solidFill>
                   <a:srgbClr val="000000"/>
                 </a:solidFill>
@@ -19548,12 +16790,6 @@
               </a:rPr>
               <a:t>Example: Bootstrap Confidence Intervals</a:t>
             </a:r>
-            <a:endParaRPr lang="en-GB" sz="3200" dirty="0">
-              <a:solidFill>
-                <a:srgbClr val="000000"/>
-              </a:solidFill>
-              <a:latin typeface="Times New Roman" pitchFamily="18" charset="0"/>
-            </a:endParaRPr>
           </a:p>
         </p:txBody>
       </p:sp>
@@ -19574,7 +16810,7 @@
         </p:blipFill>
         <p:spPr bwMode="auto">
           <a:xfrm>
-            <a:off x="484188" y="76200"/>
+            <a:off x="470694" y="41279"/>
             <a:ext cx="8202612" cy="239712"/>
           </a:xfrm>
           <a:prstGeom prst="rect">
@@ -19614,11 +16850,37 @@
               <a:buAutoNum type="alphaLcPeriod"/>
             </a:pPr>
             <a:r>
-              <a:rPr lang="en-US" dirty="0" smtClean="0">
+              <a:rPr lang="en-US" dirty="0">
                 <a:latin typeface="Times New Roman"/>
                 <a:cs typeface="Times New Roman"/>
               </a:rPr>
-              <a:t>Compute the 99% CI for the mean mass via the bootstrap. </a:t>
+              <a:t>Compute the 99% Two-sided CI for the mean mass via the bootstrap.</a:t>
+            </a:r>
+          </a:p>
+          <a:p>
+            <a:pPr marL="342900" indent="-342900">
+              <a:buFontTx/>
+              <a:buAutoNum type="alphaLcPeriod"/>
+            </a:pPr>
+            <a:r>
+              <a:rPr lang="en-US" dirty="0">
+                <a:latin typeface="Times New Roman"/>
+                <a:cs typeface="Times New Roman"/>
+              </a:rPr>
+              <a:t>Compute the 95% One-sided lower bound CI for the mean mass via the bootstrap.</a:t>
+            </a:r>
+          </a:p>
+          <a:p>
+            <a:pPr marL="342900" indent="-342900">
+              <a:buFontTx/>
+              <a:buAutoNum type="alphaLcPeriod"/>
+            </a:pPr>
+            <a:r>
+              <a:rPr lang="en-US" dirty="0">
+                <a:latin typeface="Times New Roman"/>
+                <a:cs typeface="Times New Roman"/>
+              </a:rPr>
+              <a:t>Compute the 93% One-sided upper bound CI for the mean mass via the bootstrap.</a:t>
             </a:r>
           </a:p>
           <a:p>
@@ -19626,23 +16888,11 @@
               <a:buAutoNum type="alphaLcPeriod"/>
             </a:pPr>
             <a:r>
-              <a:rPr lang="en-US" dirty="0" smtClean="0">
+              <a:rPr lang="en-US" dirty="0">
                 <a:latin typeface="Times New Roman"/>
                 <a:cs typeface="Times New Roman"/>
               </a:rPr>
               <a:t>What is your bootstrap standard error estimate for the estimated mean?</a:t>
-            </a:r>
-          </a:p>
-          <a:p>
-            <a:pPr marL="342900" indent="-342900">
-              <a:buAutoNum type="alphaLcPeriod"/>
-            </a:pPr>
-            <a:r>
-              <a:rPr lang="en-US" dirty="0" smtClean="0">
-                <a:latin typeface="Times New Roman"/>
-                <a:cs typeface="Times New Roman"/>
-              </a:rPr>
-              <a:t>Approximately, with what level of confidence can you report the mean measurement is equal to or exceeds 50.0000g?</a:t>
             </a:r>
           </a:p>
         </p:txBody>
@@ -19657,17 +16907,10 @@
   <p:clrMapOvr>
     <a:masterClrMapping/>
   </p:clrMapOvr>
-  <p:timing>
-    <p:tnLst>
-      <p:par>
-        <p:cTn xmlns:p14="http://schemas.microsoft.com/office/powerpoint/2010/main" id="1" dur="indefinite" restart="never" nodeType="tmRoot"/>
-      </p:par>
-    </p:tnLst>
-  </p:timing>
 </p:sld>
 </file>
 
-<file path=ppt/slides/slide28.xml><?xml version="1.0" encoding="utf-8"?>
+<file path=ppt/slides/slide23.xml><?xml version="1.0" encoding="utf-8"?>
 <p:sld xmlns:a="http://schemas.openxmlformats.org/drawingml/2006/main" xmlns:r="http://schemas.openxmlformats.org/officeDocument/2006/relationships" xmlns:p="http://schemas.openxmlformats.org/presentationml/2006/main">
   <p:cSld>
     <p:spTree>
@@ -19686,31 +16929,519 @@
       </p:grpSpPr>
       <p:pic>
         <p:nvPicPr>
-          <p:cNvPr id="2" name="Picture 1"/>
+          <p:cNvPr id="3" name="Picture 2">
+            <a:extLst>
+              <a:ext uri="{FF2B5EF4-FFF2-40B4-BE49-F238E27FC236}">
+                <a16:creationId xmlns:a16="http://schemas.microsoft.com/office/drawing/2014/main" id="{649A52AE-A6F8-194D-AF3D-AC99887C71B2}"/>
+              </a:ext>
+            </a:extLst>
+          </p:cNvPr>
           <p:cNvPicPr>
-            <a:picLocks noChangeAspect="1"/>
+            <a:picLocks noChangeAspect="1" noChangeArrowheads="1"/>
           </p:cNvPicPr>
           <p:nvPr/>
         </p:nvPicPr>
         <p:blipFill>
-          <a:blip r:embed="rId2"/>
+          <a:blip r:embed="rId2" cstate="print"/>
+          <a:srcRect/>
           <a:stretch>
             <a:fillRect/>
           </a:stretch>
         </p:blipFill>
-        <p:spPr>
+        <p:spPr bwMode="auto">
           <a:xfrm>
-            <a:off x="712123" y="795581"/>
-            <a:ext cx="7640194" cy="3877582"/>
+            <a:off x="470694" y="41279"/>
+            <a:ext cx="8202612" cy="239712"/>
           </a:xfrm>
           <a:prstGeom prst="rect">
             <a:avLst/>
           </a:prstGeom>
+          <a:noFill/>
+          <a:ln w="9525">
+            <a:noFill/>
+            <a:round/>
+            <a:headEnd/>
+            <a:tailEnd/>
+          </a:ln>
         </p:spPr>
       </p:pic>
       <p:sp>
         <p:nvSpPr>
-          <p:cNvPr id="3" name="Rectangle 4"/>
+          <p:cNvPr id="5" name="Rectangle 4">
+            <a:extLst>
+              <a:ext uri="{FF2B5EF4-FFF2-40B4-BE49-F238E27FC236}">
+                <a16:creationId xmlns:a16="http://schemas.microsoft.com/office/drawing/2014/main" id="{8236B55D-CD30-DF42-BE11-6D6EAF569629}"/>
+              </a:ext>
+            </a:extLst>
+          </p:cNvPr>
+          <p:cNvSpPr/>
+          <p:nvPr/>
+        </p:nvSpPr>
+        <p:spPr>
+          <a:xfrm>
+            <a:off x="68384" y="1235252"/>
+            <a:ext cx="9007231" cy="5493812"/>
+          </a:xfrm>
+          <a:prstGeom prst="rect">
+            <a:avLst/>
+          </a:prstGeom>
+          <a:solidFill>
+            <a:srgbClr val="000C78"/>
+          </a:solidFill>
+        </p:spPr>
+        <p:txBody>
+          <a:bodyPr wrap="square">
+            <a:spAutoFit/>
+          </a:bodyPr>
+          <a:lstStyle/>
+          <a:p>
+            <a:r>
+              <a:rPr lang="en-US" sz="1350" dirty="0">
+                <a:solidFill>
+                  <a:srgbClr val="FFFFFF"/>
+                </a:solidFill>
+                <a:latin typeface="Courier"/>
+                <a:cs typeface="Courier"/>
+              </a:rPr>
+              <a:t>x &lt;- c(49.9996, 49.9994, 49.9993, 49.9996, 49.9995, </a:t>
+            </a:r>
+          </a:p>
+          <a:p>
+            <a:r>
+              <a:rPr lang="en-US" sz="1350" dirty="0">
+                <a:solidFill>
+                  <a:srgbClr val="FFFFFF"/>
+                </a:solidFill>
+                <a:latin typeface="Courier"/>
+                <a:cs typeface="Courier"/>
+              </a:rPr>
+              <a:t>       49.9995, 49.9995, 49.9994, 49.9995, 49.9994)</a:t>
+            </a:r>
+          </a:p>
+          <a:p>
+            <a:endParaRPr lang="en-US" sz="1350" dirty="0">
+              <a:solidFill>
+                <a:srgbClr val="FFFFFF"/>
+              </a:solidFill>
+              <a:latin typeface="Courier"/>
+              <a:cs typeface="Courier"/>
+            </a:endParaRPr>
+          </a:p>
+          <a:p>
+            <a:r>
+              <a:rPr lang="en-US" sz="1350" dirty="0">
+                <a:solidFill>
+                  <a:srgbClr val="FFFF00"/>
+                </a:solidFill>
+                <a:latin typeface="Courier"/>
+                <a:cs typeface="Courier"/>
+              </a:rPr>
+              <a:t># The bootstrap calculation for a mean:</a:t>
+            </a:r>
+          </a:p>
+          <a:p>
+            <a:r>
+              <a:rPr lang="en-US" sz="1350" dirty="0">
+                <a:solidFill>
+                  <a:srgbClr val="FFFFFF"/>
+                </a:solidFill>
+                <a:latin typeface="Courier"/>
+                <a:cs typeface="Courier"/>
+              </a:rPr>
+              <a:t>n &lt;- length(x)</a:t>
+            </a:r>
+          </a:p>
+          <a:p>
+            <a:r>
+              <a:rPr lang="en-US" sz="1350" dirty="0">
+                <a:solidFill>
+                  <a:srgbClr val="FFFFFF"/>
+                </a:solidFill>
+                <a:latin typeface="Courier"/>
+                <a:cs typeface="Courier"/>
+              </a:rPr>
+              <a:t>B &lt;- 2000</a:t>
+            </a:r>
+          </a:p>
+          <a:p>
+            <a:r>
+              <a:rPr lang="en-US" sz="1350" dirty="0" err="1">
+                <a:solidFill>
+                  <a:srgbClr val="FFFFFF"/>
+                </a:solidFill>
+                <a:latin typeface="Courier"/>
+                <a:cs typeface="Courier"/>
+              </a:rPr>
+              <a:t>boot.reps</a:t>
+            </a:r>
+            <a:r>
+              <a:rPr lang="en-US" sz="1350" dirty="0">
+                <a:solidFill>
+                  <a:srgbClr val="FFFFFF"/>
+                </a:solidFill>
+                <a:latin typeface="Courier"/>
+                <a:cs typeface="Courier"/>
+              </a:rPr>
+              <a:t> &lt;- </a:t>
+            </a:r>
+            <a:r>
+              <a:rPr lang="en-US" sz="1350" dirty="0" err="1">
+                <a:solidFill>
+                  <a:srgbClr val="FFFFFF"/>
+                </a:solidFill>
+                <a:latin typeface="Courier"/>
+                <a:cs typeface="Courier"/>
+              </a:rPr>
+              <a:t>sapply</a:t>
+            </a:r>
+            <a:r>
+              <a:rPr lang="en-US" sz="1350" dirty="0">
+                <a:solidFill>
+                  <a:srgbClr val="FFFFFF"/>
+                </a:solidFill>
+                <a:latin typeface="Courier"/>
+                <a:cs typeface="Courier"/>
+              </a:rPr>
+              <a:t>(1:B, function(ii){mean(sample(x, size = n, replace = T))})</a:t>
+            </a:r>
+          </a:p>
+          <a:p>
+            <a:r>
+              <a:rPr lang="en-US" sz="1350" dirty="0">
+                <a:solidFill>
+                  <a:srgbClr val="FFFFFF"/>
+                </a:solidFill>
+                <a:latin typeface="Courier"/>
+                <a:cs typeface="Courier"/>
+              </a:rPr>
+              <a:t>hist(</a:t>
+            </a:r>
+            <a:r>
+              <a:rPr lang="en-US" sz="1350" dirty="0" err="1">
+                <a:solidFill>
+                  <a:srgbClr val="FFFFFF"/>
+                </a:solidFill>
+                <a:latin typeface="Courier"/>
+                <a:cs typeface="Courier"/>
+              </a:rPr>
+              <a:t>boot.reps</a:t>
+            </a:r>
+            <a:r>
+              <a:rPr lang="en-US" sz="1350" dirty="0">
+                <a:solidFill>
+                  <a:srgbClr val="FFFFFF"/>
+                </a:solidFill>
+                <a:latin typeface="Courier"/>
+                <a:cs typeface="Courier"/>
+              </a:rPr>
+              <a:t>)</a:t>
+            </a:r>
+          </a:p>
+          <a:p>
+            <a:endParaRPr lang="en-US" sz="1350" dirty="0">
+              <a:solidFill>
+                <a:srgbClr val="FFFFFF"/>
+              </a:solidFill>
+              <a:latin typeface="Courier"/>
+              <a:cs typeface="Courier"/>
+            </a:endParaRPr>
+          </a:p>
+          <a:p>
+            <a:r>
+              <a:rPr lang="en-US" sz="1350" dirty="0">
+                <a:solidFill>
+                  <a:srgbClr val="FFFF00"/>
+                </a:solidFill>
+                <a:latin typeface="Courier"/>
+                <a:cs typeface="Courier"/>
+              </a:rPr>
+              <a:t># a. 99% Two-sided CI for the mean mass via the bootstrap:</a:t>
+            </a:r>
+          </a:p>
+          <a:p>
+            <a:r>
+              <a:rPr lang="en-US" sz="1350" dirty="0">
+                <a:solidFill>
+                  <a:srgbClr val="FFFFFF"/>
+                </a:solidFill>
+                <a:latin typeface="Courier"/>
+                <a:cs typeface="Courier"/>
+              </a:rPr>
+              <a:t>conf &lt;- 0.99</a:t>
+            </a:r>
+          </a:p>
+          <a:p>
+            <a:r>
+              <a:rPr lang="en-US" sz="1350" dirty="0">
+                <a:solidFill>
+                  <a:srgbClr val="FFFFFF"/>
+                </a:solidFill>
+                <a:latin typeface="Courier"/>
+                <a:cs typeface="Courier"/>
+              </a:rPr>
+              <a:t>a &lt;- 1 - conf</a:t>
+            </a:r>
+          </a:p>
+          <a:p>
+            <a:r>
+              <a:rPr lang="en-US" sz="1350" dirty="0">
+                <a:solidFill>
+                  <a:srgbClr val="FFFFFF"/>
+                </a:solidFill>
+                <a:latin typeface="Courier"/>
+                <a:cs typeface="Courier"/>
+              </a:rPr>
+              <a:t>quantile(</a:t>
+            </a:r>
+            <a:r>
+              <a:rPr lang="en-US" sz="1350" dirty="0" err="1">
+                <a:solidFill>
+                  <a:srgbClr val="FFFFFF"/>
+                </a:solidFill>
+                <a:latin typeface="Courier"/>
+                <a:cs typeface="Courier"/>
+              </a:rPr>
+              <a:t>boot.reps</a:t>
+            </a:r>
+            <a:r>
+              <a:rPr lang="en-US" sz="1350" dirty="0">
+                <a:solidFill>
+                  <a:srgbClr val="FFFFFF"/>
+                </a:solidFill>
+                <a:latin typeface="Courier"/>
+                <a:cs typeface="Courier"/>
+              </a:rPr>
+              <a:t>, probs = c(a/2, 1-a/2)) # two-sided BS CI</a:t>
+            </a:r>
+          </a:p>
+          <a:p>
+            <a:endParaRPr lang="en-US" sz="1350" dirty="0">
+              <a:solidFill>
+                <a:srgbClr val="FFFFFF"/>
+              </a:solidFill>
+              <a:latin typeface="Courier"/>
+              <a:cs typeface="Courier"/>
+            </a:endParaRPr>
+          </a:p>
+          <a:p>
+            <a:r>
+              <a:rPr lang="en-US" sz="1350" dirty="0">
+                <a:solidFill>
+                  <a:srgbClr val="FFFF00"/>
+                </a:solidFill>
+                <a:latin typeface="Courier"/>
+                <a:cs typeface="Courier"/>
+              </a:rPr>
+              <a:t># b. 95% One-sided lower bound CI for the mean mass via the bootstrap:</a:t>
+            </a:r>
+          </a:p>
+          <a:p>
+            <a:r>
+              <a:rPr lang="en-US" sz="1350" dirty="0">
+                <a:solidFill>
+                  <a:srgbClr val="FFFFFF"/>
+                </a:solidFill>
+                <a:latin typeface="Courier"/>
+                <a:cs typeface="Courier"/>
+              </a:rPr>
+              <a:t>conf &lt;- 0.95</a:t>
+            </a:r>
+          </a:p>
+          <a:p>
+            <a:r>
+              <a:rPr lang="en-US" sz="1350" dirty="0">
+                <a:solidFill>
+                  <a:srgbClr val="FFFFFF"/>
+                </a:solidFill>
+                <a:latin typeface="Courier"/>
+                <a:cs typeface="Courier"/>
+              </a:rPr>
+              <a:t>a &lt;- 1 - conf</a:t>
+            </a:r>
+          </a:p>
+          <a:p>
+            <a:r>
+              <a:rPr lang="en-US" sz="1350" dirty="0">
+                <a:solidFill>
+                  <a:srgbClr val="FFFFFF"/>
+                </a:solidFill>
+                <a:latin typeface="Courier"/>
+                <a:cs typeface="Courier"/>
+              </a:rPr>
+              <a:t>quantile(</a:t>
+            </a:r>
+            <a:r>
+              <a:rPr lang="en-US" sz="1350" dirty="0" err="1">
+                <a:solidFill>
+                  <a:srgbClr val="FFFFFF"/>
+                </a:solidFill>
+                <a:latin typeface="Courier"/>
+                <a:cs typeface="Courier"/>
+              </a:rPr>
+              <a:t>boot.reps</a:t>
+            </a:r>
+            <a:r>
+              <a:rPr lang="en-US" sz="1350" dirty="0">
+                <a:solidFill>
+                  <a:srgbClr val="FFFFFF"/>
+                </a:solidFill>
+                <a:latin typeface="Courier"/>
+                <a:cs typeface="Courier"/>
+              </a:rPr>
+              <a:t>, probs = c(a)) # one-sided lower BS CI</a:t>
+            </a:r>
+          </a:p>
+          <a:p>
+            <a:endParaRPr lang="en-US" sz="1350" dirty="0">
+              <a:solidFill>
+                <a:srgbClr val="FFFFFF"/>
+              </a:solidFill>
+              <a:latin typeface="Courier"/>
+              <a:cs typeface="Courier"/>
+            </a:endParaRPr>
+          </a:p>
+          <a:p>
+            <a:r>
+              <a:rPr lang="en-US" sz="1350" dirty="0">
+                <a:solidFill>
+                  <a:srgbClr val="FFFF00"/>
+                </a:solidFill>
+                <a:latin typeface="Courier"/>
+                <a:cs typeface="Courier"/>
+              </a:rPr>
+              <a:t># c. 93% One-sided upper bound CI for the mean mass via the bootstrap:</a:t>
+            </a:r>
+          </a:p>
+          <a:p>
+            <a:r>
+              <a:rPr lang="en-US" sz="1350" dirty="0">
+                <a:solidFill>
+                  <a:srgbClr val="FFFFFF"/>
+                </a:solidFill>
+                <a:latin typeface="Courier"/>
+                <a:cs typeface="Courier"/>
+              </a:rPr>
+              <a:t>conf &lt;- 0.93</a:t>
+            </a:r>
+          </a:p>
+          <a:p>
+            <a:r>
+              <a:rPr lang="en-US" sz="1350" dirty="0">
+                <a:solidFill>
+                  <a:srgbClr val="FFFFFF"/>
+                </a:solidFill>
+                <a:latin typeface="Courier"/>
+                <a:cs typeface="Courier"/>
+              </a:rPr>
+              <a:t>a &lt;- 1 - conf</a:t>
+            </a:r>
+          </a:p>
+          <a:p>
+            <a:r>
+              <a:rPr lang="en-US" sz="1350" dirty="0">
+                <a:solidFill>
+                  <a:srgbClr val="FFFFFF"/>
+                </a:solidFill>
+                <a:latin typeface="Courier"/>
+                <a:cs typeface="Courier"/>
+              </a:rPr>
+              <a:t>quantile(</a:t>
+            </a:r>
+            <a:r>
+              <a:rPr lang="en-US" sz="1350" dirty="0" err="1">
+                <a:solidFill>
+                  <a:srgbClr val="FFFFFF"/>
+                </a:solidFill>
+                <a:latin typeface="Courier"/>
+                <a:cs typeface="Courier"/>
+              </a:rPr>
+              <a:t>boot.reps</a:t>
+            </a:r>
+            <a:r>
+              <a:rPr lang="en-US" sz="1350" dirty="0">
+                <a:solidFill>
+                  <a:srgbClr val="FFFFFF"/>
+                </a:solidFill>
+                <a:latin typeface="Courier"/>
+                <a:cs typeface="Courier"/>
+              </a:rPr>
+              <a:t>, probs = c(1 - a)) # one-sided upper BS CI</a:t>
+            </a:r>
+          </a:p>
+          <a:p>
+            <a:endParaRPr lang="en-US" sz="1350" dirty="0">
+              <a:solidFill>
+                <a:srgbClr val="FFFFFF"/>
+              </a:solidFill>
+              <a:latin typeface="Courier"/>
+              <a:cs typeface="Courier"/>
+            </a:endParaRPr>
+          </a:p>
+          <a:p>
+            <a:r>
+              <a:rPr lang="en-US" sz="1350" dirty="0">
+                <a:solidFill>
+                  <a:srgbClr val="FFFF00"/>
+                </a:solidFill>
+                <a:latin typeface="Courier"/>
+                <a:cs typeface="Courier"/>
+              </a:rPr>
+              <a:t># d. Bootstrap standard error estimate for the estimated mean:</a:t>
+            </a:r>
+          </a:p>
+          <a:p>
+            <a:r>
+              <a:rPr lang="en-US" sz="1350" dirty="0" err="1">
+                <a:solidFill>
+                  <a:srgbClr val="FFFFFF"/>
+                </a:solidFill>
+                <a:latin typeface="Courier"/>
+                <a:cs typeface="Courier"/>
+              </a:rPr>
+              <a:t>sd</a:t>
+            </a:r>
+            <a:r>
+              <a:rPr lang="en-US" sz="1350" dirty="0">
+                <a:solidFill>
+                  <a:srgbClr val="FFFFFF"/>
+                </a:solidFill>
+                <a:latin typeface="Courier"/>
+                <a:cs typeface="Courier"/>
+              </a:rPr>
+              <a:t>(</a:t>
+            </a:r>
+            <a:r>
+              <a:rPr lang="en-US" sz="1350" dirty="0" err="1">
+                <a:solidFill>
+                  <a:srgbClr val="FFFFFF"/>
+                </a:solidFill>
+                <a:latin typeface="Courier"/>
+                <a:cs typeface="Courier"/>
+              </a:rPr>
+              <a:t>boot.reps</a:t>
+            </a:r>
+            <a:r>
+              <a:rPr lang="en-US" sz="1350" dirty="0">
+                <a:solidFill>
+                  <a:srgbClr val="FFFFFF"/>
+                </a:solidFill>
+                <a:latin typeface="Courier"/>
+                <a:cs typeface="Courier"/>
+              </a:rPr>
+              <a:t>)</a:t>
+            </a:r>
+          </a:p>
+        </p:txBody>
+      </p:sp>
+      <p:sp>
+        <p:nvSpPr>
+          <p:cNvPr id="6" name="Rectangle 4">
+            <a:extLst>
+              <a:ext uri="{FF2B5EF4-FFF2-40B4-BE49-F238E27FC236}">
+                <a16:creationId xmlns:a16="http://schemas.microsoft.com/office/drawing/2014/main" id="{F3DC3A7B-D0A3-2B4B-A8B5-6EDA40BC3B78}"/>
+              </a:ext>
+            </a:extLst>
+          </p:cNvPr>
           <p:cNvSpPr>
             <a:spLocks noChangeArrowheads="1"/>
           </p:cNvSpPr>
@@ -19718,7 +17449,7 @@
         </p:nvSpPr>
         <p:spPr bwMode="auto">
           <a:xfrm>
-            <a:off x="231775" y="85406"/>
+            <a:off x="231775" y="209585"/>
             <a:ext cx="8607425" cy="762000"/>
           </a:xfrm>
           <a:prstGeom prst="rect">
@@ -19758,7 +17489,7 @@
               </a:tabLst>
             </a:pPr>
             <a:r>
-              <a:rPr lang="en-GB" sz="3200" dirty="0" smtClean="0">
+              <a:rPr lang="en-GB" sz="3200" dirty="0">
                 <a:solidFill>
                   <a:srgbClr val="000000"/>
                 </a:solidFill>
@@ -19766,544 +17497,19 @@
               </a:rPr>
               <a:t>Example: Bootstrap Confidence Intervals</a:t>
             </a:r>
-            <a:endParaRPr lang="en-GB" sz="3200" dirty="0">
-              <a:solidFill>
-                <a:srgbClr val="000000"/>
-              </a:solidFill>
-              <a:latin typeface="Times New Roman" pitchFamily="18" charset="0"/>
-            </a:endParaRPr>
-          </a:p>
-        </p:txBody>
-      </p:sp>
-      <p:pic>
-        <p:nvPicPr>
-          <p:cNvPr id="4" name="Picture 3"/>
-          <p:cNvPicPr>
-            <a:picLocks noChangeAspect="1" noChangeArrowheads="1"/>
-          </p:cNvPicPr>
-          <p:nvPr/>
-        </p:nvPicPr>
-        <p:blipFill>
-          <a:blip r:embed="rId3" cstate="print"/>
-          <a:srcRect/>
-          <a:stretch>
-            <a:fillRect/>
-          </a:stretch>
-        </p:blipFill>
-        <p:spPr bwMode="auto">
-          <a:xfrm>
-            <a:off x="484188" y="76200"/>
-            <a:ext cx="8202612" cy="239712"/>
-          </a:xfrm>
-          <a:prstGeom prst="rect">
-            <a:avLst/>
-          </a:prstGeom>
-          <a:noFill/>
-          <a:ln w="9525">
-            <a:noFill/>
-            <a:round/>
-            <a:headEnd/>
-            <a:tailEnd/>
-          </a:ln>
-        </p:spPr>
-      </p:pic>
-      <p:pic>
-        <p:nvPicPr>
-          <p:cNvPr id="5" name="Picture 4"/>
-          <p:cNvPicPr>
-            <a:picLocks noChangeAspect="1"/>
-          </p:cNvPicPr>
-          <p:nvPr/>
-        </p:nvPicPr>
-        <p:blipFill>
-          <a:blip r:embed="rId4"/>
-          <a:stretch>
-            <a:fillRect/>
-          </a:stretch>
-        </p:blipFill>
-        <p:spPr>
-          <a:xfrm>
-            <a:off x="3550676" y="4803404"/>
-            <a:ext cx="4850457" cy="1938017"/>
-          </a:xfrm>
-          <a:prstGeom prst="rect">
-            <a:avLst/>
-          </a:prstGeom>
-        </p:spPr>
-      </p:pic>
-      <p:cxnSp>
-        <p:nvCxnSpPr>
-          <p:cNvPr id="7" name="Straight Arrow Connector 6"/>
-          <p:cNvCxnSpPr/>
-          <p:nvPr/>
-        </p:nvCxnSpPr>
-        <p:spPr>
-          <a:xfrm flipV="1">
-            <a:off x="1970041" y="5714322"/>
-            <a:ext cx="1937477" cy="309322"/>
-          </a:xfrm>
-          <a:prstGeom prst="straightConnector1">
-            <a:avLst/>
-          </a:prstGeom>
-          <a:ln>
-            <a:tailEnd type="arrow"/>
-          </a:ln>
-        </p:spPr>
-        <p:style>
-          <a:lnRef idx="2">
-            <a:schemeClr val="accent1"/>
-          </a:lnRef>
-          <a:fillRef idx="0">
-            <a:schemeClr val="accent1"/>
-          </a:fillRef>
-          <a:effectRef idx="1">
-            <a:schemeClr val="accent1"/>
-          </a:effectRef>
-          <a:fontRef idx="minor">
-            <a:schemeClr val="tx1"/>
-          </a:fontRef>
-        </p:style>
-      </p:cxnSp>
-      <p:cxnSp>
-        <p:nvCxnSpPr>
-          <p:cNvPr id="8" name="Straight Arrow Connector 7"/>
-          <p:cNvCxnSpPr/>
-          <p:nvPr/>
-        </p:nvCxnSpPr>
-        <p:spPr>
-          <a:xfrm>
-            <a:off x="1970041" y="6023644"/>
-            <a:ext cx="1790945" cy="537244"/>
-          </a:xfrm>
-          <a:prstGeom prst="straightConnector1">
-            <a:avLst/>
-          </a:prstGeom>
-          <a:ln>
-            <a:tailEnd type="arrow"/>
-          </a:ln>
-        </p:spPr>
-        <p:style>
-          <a:lnRef idx="2">
-            <a:schemeClr val="accent1"/>
-          </a:lnRef>
-          <a:fillRef idx="0">
-            <a:schemeClr val="accent1"/>
-          </a:fillRef>
-          <a:effectRef idx="1">
-            <a:schemeClr val="accent1"/>
-          </a:effectRef>
-          <a:fontRef idx="minor">
-            <a:schemeClr val="tx1"/>
-          </a:fontRef>
-        </p:style>
-      </p:cxnSp>
-      <p:sp>
-        <p:nvSpPr>
-          <p:cNvPr id="11" name="TextBox 10"/>
-          <p:cNvSpPr txBox="1"/>
-          <p:nvPr/>
-        </p:nvSpPr>
-        <p:spPr>
-          <a:xfrm>
-            <a:off x="16281" y="5409636"/>
-            <a:ext cx="2470927" cy="923330"/>
-          </a:xfrm>
-          <a:prstGeom prst="rect">
-            <a:avLst/>
-          </a:prstGeom>
-          <a:noFill/>
-        </p:spPr>
-        <p:txBody>
-          <a:bodyPr wrap="square" rtlCol="0">
-            <a:spAutoFit/>
-          </a:bodyPr>
-          <a:lstStyle/>
-          <a:p>
-            <a:r>
-              <a:rPr lang="en-US" dirty="0" smtClean="0">
-                <a:latin typeface="Times"/>
-                <a:cs typeface="Times"/>
-              </a:rPr>
-              <a:t>Look at what happens by just demanding a little more precision:</a:t>
-            </a:r>
-            <a:endParaRPr lang="en-US" dirty="0">
-              <a:latin typeface="Times"/>
-              <a:cs typeface="Times"/>
-            </a:endParaRPr>
           </a:p>
         </p:txBody>
       </p:sp>
     </p:spTree>
     <p:extLst>
       <p:ext uri="{BB962C8B-B14F-4D97-AF65-F5344CB8AC3E}">
-        <p14:creationId xmlns:p14="http://schemas.microsoft.com/office/powerpoint/2010/main" val="2356873228"/>
+        <p14:creationId xmlns:p14="http://schemas.microsoft.com/office/powerpoint/2010/main" val="533092070"/>
       </p:ext>
     </p:extLst>
   </p:cSld>
   <p:clrMapOvr>
     <a:masterClrMapping/>
   </p:clrMapOvr>
-  <p:timing>
-    <p:tnLst>
-      <p:par>
-        <p:cTn xmlns:p14="http://schemas.microsoft.com/office/powerpoint/2010/main" id="1" dur="indefinite" restart="never" nodeType="tmRoot">
-          <p:childTnLst>
-            <p:seq concurrent="1" nextAc="seek">
-              <p:cTn id="2" dur="indefinite" nodeType="mainSeq">
-                <p:childTnLst>
-                  <p:par>
-                    <p:cTn id="3" fill="hold">
-                      <p:stCondLst>
-                        <p:cond delay="indefinite"/>
-                      </p:stCondLst>
-                      <p:childTnLst>
-                        <p:par>
-                          <p:cTn id="4" fill="hold">
-                            <p:stCondLst>
-                              <p:cond delay="0"/>
-                            </p:stCondLst>
-                            <p:childTnLst>
-                              <p:par>
-                                <p:cTn id="5" presetID="2" presetClass="entr" presetSubtype="4" fill="hold" nodeType="clickEffect">
-                                  <p:stCondLst>
-                                    <p:cond delay="0"/>
-                                  </p:stCondLst>
-                                  <p:childTnLst>
-                                    <p:set>
-                                      <p:cBhvr>
-                                        <p:cTn id="6" dur="1" fill="hold">
-                                          <p:stCondLst>
-                                            <p:cond delay="0"/>
-                                          </p:stCondLst>
-                                        </p:cTn>
-                                        <p:tgtEl>
-                                          <p:spTgt spid="5"/>
-                                        </p:tgtEl>
-                                        <p:attrNameLst>
-                                          <p:attrName>style.visibility</p:attrName>
-                                        </p:attrNameLst>
-                                      </p:cBhvr>
-                                      <p:to>
-                                        <p:strVal val="visible"/>
-                                      </p:to>
-                                    </p:set>
-                                    <p:anim calcmode="lin" valueType="num">
-                                      <p:cBhvr additive="base">
-                                        <p:cTn id="7" dur="500" fill="hold"/>
-                                        <p:tgtEl>
-                                          <p:spTgt spid="5"/>
-                                        </p:tgtEl>
-                                        <p:attrNameLst>
-                                          <p:attrName>ppt_x</p:attrName>
-                                        </p:attrNameLst>
-                                      </p:cBhvr>
-                                      <p:tavLst>
-                                        <p:tav tm="0">
-                                          <p:val>
-                                            <p:strVal val="#ppt_x"/>
-                                          </p:val>
-                                        </p:tav>
-                                        <p:tav tm="100000">
-                                          <p:val>
-                                            <p:strVal val="#ppt_x"/>
-                                          </p:val>
-                                        </p:tav>
-                                      </p:tavLst>
-                                    </p:anim>
-                                    <p:anim calcmode="lin" valueType="num">
-                                      <p:cBhvr additive="base">
-                                        <p:cTn id="8" dur="500" fill="hold"/>
-                                        <p:tgtEl>
-                                          <p:spTgt spid="5"/>
-                                        </p:tgtEl>
-                                        <p:attrNameLst>
-                                          <p:attrName>ppt_y</p:attrName>
-                                        </p:attrNameLst>
-                                      </p:cBhvr>
-                                      <p:tavLst>
-                                        <p:tav tm="0">
-                                          <p:val>
-                                            <p:strVal val="1+#ppt_h/2"/>
-                                          </p:val>
-                                        </p:tav>
-                                        <p:tav tm="100000">
-                                          <p:val>
-                                            <p:strVal val="#ppt_y"/>
-                                          </p:val>
-                                        </p:tav>
-                                      </p:tavLst>
-                                    </p:anim>
-                                  </p:childTnLst>
-                                </p:cTn>
-                              </p:par>
-                            </p:childTnLst>
-                          </p:cTn>
-                        </p:par>
-                      </p:childTnLst>
-                    </p:cTn>
-                  </p:par>
-                  <p:par>
-                    <p:cTn id="9" fill="hold">
-                      <p:stCondLst>
-                        <p:cond delay="indefinite"/>
-                      </p:stCondLst>
-                      <p:childTnLst>
-                        <p:par>
-                          <p:cTn id="10" fill="hold">
-                            <p:stCondLst>
-                              <p:cond delay="0"/>
-                            </p:stCondLst>
-                            <p:childTnLst>
-                              <p:par>
-                                <p:cTn id="11" presetID="2" presetClass="entr" presetSubtype="4" fill="hold" grpId="0" nodeType="clickEffect">
-                                  <p:stCondLst>
-                                    <p:cond delay="0"/>
-                                  </p:stCondLst>
-                                  <p:childTnLst>
-                                    <p:set>
-                                      <p:cBhvr>
-                                        <p:cTn id="12" dur="1" fill="hold">
-                                          <p:stCondLst>
-                                            <p:cond delay="0"/>
-                                          </p:stCondLst>
-                                        </p:cTn>
-                                        <p:tgtEl>
-                                          <p:spTgt spid="11"/>
-                                        </p:tgtEl>
-                                        <p:attrNameLst>
-                                          <p:attrName>style.visibility</p:attrName>
-                                        </p:attrNameLst>
-                                      </p:cBhvr>
-                                      <p:to>
-                                        <p:strVal val="visible"/>
-                                      </p:to>
-                                    </p:set>
-                                    <p:anim calcmode="lin" valueType="num">
-                                      <p:cBhvr additive="base">
-                                        <p:cTn id="13" dur="500" fill="hold"/>
-                                        <p:tgtEl>
-                                          <p:spTgt spid="11"/>
-                                        </p:tgtEl>
-                                        <p:attrNameLst>
-                                          <p:attrName>ppt_x</p:attrName>
-                                        </p:attrNameLst>
-                                      </p:cBhvr>
-                                      <p:tavLst>
-                                        <p:tav tm="0">
-                                          <p:val>
-                                            <p:strVal val="#ppt_x"/>
-                                          </p:val>
-                                        </p:tav>
-                                        <p:tav tm="100000">
-                                          <p:val>
-                                            <p:strVal val="#ppt_x"/>
-                                          </p:val>
-                                        </p:tav>
-                                      </p:tavLst>
-                                    </p:anim>
-                                    <p:anim calcmode="lin" valueType="num">
-                                      <p:cBhvr additive="base">
-                                        <p:cTn id="14" dur="500" fill="hold"/>
-                                        <p:tgtEl>
-                                          <p:spTgt spid="11"/>
-                                        </p:tgtEl>
-                                        <p:attrNameLst>
-                                          <p:attrName>ppt_y</p:attrName>
-                                        </p:attrNameLst>
-                                      </p:cBhvr>
-                                      <p:tavLst>
-                                        <p:tav tm="0">
-                                          <p:val>
-                                            <p:strVal val="1+#ppt_h/2"/>
-                                          </p:val>
-                                        </p:tav>
-                                        <p:tav tm="100000">
-                                          <p:val>
-                                            <p:strVal val="#ppt_y"/>
-                                          </p:val>
-                                        </p:tav>
-                                      </p:tavLst>
-                                    </p:anim>
-                                  </p:childTnLst>
-                                </p:cTn>
-                              </p:par>
-                              <p:par>
-                                <p:cTn id="15" presetID="2" presetClass="entr" presetSubtype="4" fill="hold" nodeType="withEffect">
-                                  <p:stCondLst>
-                                    <p:cond delay="0"/>
-                                  </p:stCondLst>
-                                  <p:childTnLst>
-                                    <p:set>
-                                      <p:cBhvr>
-                                        <p:cTn id="16" dur="1" fill="hold">
-                                          <p:stCondLst>
-                                            <p:cond delay="0"/>
-                                          </p:stCondLst>
-                                        </p:cTn>
-                                        <p:tgtEl>
-                                          <p:spTgt spid="7"/>
-                                        </p:tgtEl>
-                                        <p:attrNameLst>
-                                          <p:attrName>style.visibility</p:attrName>
-                                        </p:attrNameLst>
-                                      </p:cBhvr>
-                                      <p:to>
-                                        <p:strVal val="visible"/>
-                                      </p:to>
-                                    </p:set>
-                                    <p:anim calcmode="lin" valueType="num">
-                                      <p:cBhvr additive="base">
-                                        <p:cTn id="17" dur="500" fill="hold"/>
-                                        <p:tgtEl>
-                                          <p:spTgt spid="7"/>
-                                        </p:tgtEl>
-                                        <p:attrNameLst>
-                                          <p:attrName>ppt_x</p:attrName>
-                                        </p:attrNameLst>
-                                      </p:cBhvr>
-                                      <p:tavLst>
-                                        <p:tav tm="0">
-                                          <p:val>
-                                            <p:strVal val="#ppt_x"/>
-                                          </p:val>
-                                        </p:tav>
-                                        <p:tav tm="100000">
-                                          <p:val>
-                                            <p:strVal val="#ppt_x"/>
-                                          </p:val>
-                                        </p:tav>
-                                      </p:tavLst>
-                                    </p:anim>
-                                    <p:anim calcmode="lin" valueType="num">
-                                      <p:cBhvr additive="base">
-                                        <p:cTn id="18" dur="500" fill="hold"/>
-                                        <p:tgtEl>
-                                          <p:spTgt spid="7"/>
-                                        </p:tgtEl>
-                                        <p:attrNameLst>
-                                          <p:attrName>ppt_y</p:attrName>
-                                        </p:attrNameLst>
-                                      </p:cBhvr>
-                                      <p:tavLst>
-                                        <p:tav tm="0">
-                                          <p:val>
-                                            <p:strVal val="1+#ppt_h/2"/>
-                                          </p:val>
-                                        </p:tav>
-                                        <p:tav tm="100000">
-                                          <p:val>
-                                            <p:strVal val="#ppt_y"/>
-                                          </p:val>
-                                        </p:tav>
-                                      </p:tavLst>
-                                    </p:anim>
-                                  </p:childTnLst>
-                                </p:cTn>
-                              </p:par>
-                              <p:par>
-                                <p:cTn id="19" presetID="2" presetClass="entr" presetSubtype="4" fill="hold" nodeType="withEffect">
-                                  <p:stCondLst>
-                                    <p:cond delay="0"/>
-                                  </p:stCondLst>
-                                  <p:childTnLst>
-                                    <p:set>
-                                      <p:cBhvr>
-                                        <p:cTn id="20" dur="1" fill="hold">
-                                          <p:stCondLst>
-                                            <p:cond delay="0"/>
-                                          </p:stCondLst>
-                                        </p:cTn>
-                                        <p:tgtEl>
-                                          <p:spTgt spid="8"/>
-                                        </p:tgtEl>
-                                        <p:attrNameLst>
-                                          <p:attrName>style.visibility</p:attrName>
-                                        </p:attrNameLst>
-                                      </p:cBhvr>
-                                      <p:to>
-                                        <p:strVal val="visible"/>
-                                      </p:to>
-                                    </p:set>
-                                    <p:anim calcmode="lin" valueType="num">
-                                      <p:cBhvr additive="base">
-                                        <p:cTn id="21" dur="500" fill="hold"/>
-                                        <p:tgtEl>
-                                          <p:spTgt spid="8"/>
-                                        </p:tgtEl>
-                                        <p:attrNameLst>
-                                          <p:attrName>ppt_x</p:attrName>
-                                        </p:attrNameLst>
-                                      </p:cBhvr>
-                                      <p:tavLst>
-                                        <p:tav tm="0">
-                                          <p:val>
-                                            <p:strVal val="#ppt_x"/>
-                                          </p:val>
-                                        </p:tav>
-                                        <p:tav tm="100000">
-                                          <p:val>
-                                            <p:strVal val="#ppt_x"/>
-                                          </p:val>
-                                        </p:tav>
-                                      </p:tavLst>
-                                    </p:anim>
-                                    <p:anim calcmode="lin" valueType="num">
-                                      <p:cBhvr additive="base">
-                                        <p:cTn id="22" dur="500" fill="hold"/>
-                                        <p:tgtEl>
-                                          <p:spTgt spid="8"/>
-                                        </p:tgtEl>
-                                        <p:attrNameLst>
-                                          <p:attrName>ppt_y</p:attrName>
-                                        </p:attrNameLst>
-                                      </p:cBhvr>
-                                      <p:tavLst>
-                                        <p:tav tm="0">
-                                          <p:val>
-                                            <p:strVal val="1+#ppt_h/2"/>
-                                          </p:val>
-                                        </p:tav>
-                                        <p:tav tm="100000">
-                                          <p:val>
-                                            <p:strVal val="#ppt_y"/>
-                                          </p:val>
-                                        </p:tav>
-                                      </p:tavLst>
-                                    </p:anim>
-                                  </p:childTnLst>
-                                </p:cTn>
-                              </p:par>
-                            </p:childTnLst>
-                          </p:cTn>
-                        </p:par>
-                      </p:childTnLst>
-                    </p:cTn>
-                  </p:par>
-                </p:childTnLst>
-              </p:cTn>
-              <p:prevCondLst>
-                <p:cond evt="onPrev" delay="0">
-                  <p:tgtEl>
-                    <p:sldTgt/>
-                  </p:tgtEl>
-                </p:cond>
-              </p:prevCondLst>
-              <p:nextCondLst>
-                <p:cond evt="onNext" delay="0">
-                  <p:tgtEl>
-                    <p:sldTgt/>
-                  </p:tgtEl>
-                </p:cond>
-              </p:nextCondLst>
-            </p:seq>
-          </p:childTnLst>
-        </p:cTn>
-      </p:par>
-    </p:tnLst>
-    <p:bldLst>
-      <p:bldP spid="11" grpId="0"/>
-    </p:bldLst>
-  </p:timing>
 </p:sld>
 </file>
 
@@ -20374,7 +17580,7 @@
               </a:tabLst>
             </a:pPr>
             <a:r>
-              <a:rPr lang="en-GB" sz="4000" dirty="0" smtClean="0">
+              <a:rPr lang="en-GB" sz="4000" dirty="0">
                 <a:solidFill>
                   <a:srgbClr val="000000"/>
                 </a:solidFill>
@@ -20382,12 +17588,6 @@
               </a:rPr>
               <a:t>Confidence Intervals</a:t>
             </a:r>
-            <a:endParaRPr lang="en-GB" sz="4000" dirty="0">
-              <a:solidFill>
-                <a:srgbClr val="000000"/>
-              </a:solidFill>
-              <a:latin typeface="Times New Roman" pitchFamily="18" charset="0"/>
-            </a:endParaRPr>
           </a:p>
         </p:txBody>
       </p:sp>
@@ -20472,16 +17672,7 @@
                 </a:solidFill>
                 <a:latin typeface="Times New Roman" pitchFamily="18" charset="0"/>
               </a:rPr>
-              <a:t>I</a:t>
-            </a:r>
-            <a:r>
-              <a:rPr lang="en-US" sz="2400" dirty="0" smtClean="0">
-                <a:solidFill>
-                  <a:srgbClr val="000000"/>
-                </a:solidFill>
-                <a:latin typeface="Times New Roman" pitchFamily="18" charset="0"/>
-              </a:rPr>
-              <a:t>n order to get actual numerical values for       and       we perform the experiment and plug in the data</a:t>
+              <a:t>In order to get actual numerical values for       and       we perform the experiment and plug in the data</a:t>
             </a:r>
           </a:p>
           <a:p>
@@ -20507,7 +17698,7 @@
               </a:tabLst>
             </a:pPr>
             <a:r>
-              <a:rPr lang="en-US" sz="2400" dirty="0" smtClean="0">
+              <a:rPr lang="en-US" sz="2400" dirty="0">
                 <a:latin typeface="Times New Roman"/>
                 <a:cs typeface="Times New Roman"/>
               </a:rPr>
@@ -20588,63 +17779,63 @@
               <a:buChar char="•"/>
             </a:pPr>
             <a:r>
-              <a:rPr lang="en-US" sz="2400" dirty="0" smtClean="0">
+              <a:rPr lang="en-US" sz="2400" dirty="0">
                 <a:latin typeface="Times New Roman"/>
                 <a:cs typeface="Times New Roman"/>
               </a:rPr>
               <a:t>Under the </a:t>
             </a:r>
             <a:r>
-              <a:rPr lang="en-US" sz="2400" b="1" i="1" dirty="0" smtClean="0">
+              <a:rPr lang="en-US" sz="2400" b="1" i="1" dirty="0">
                 <a:latin typeface="Times New Roman"/>
                 <a:cs typeface="Times New Roman"/>
               </a:rPr>
               <a:t>frequentist definition</a:t>
             </a:r>
             <a:r>
-              <a:rPr lang="en-US" sz="2400" dirty="0" smtClean="0">
+              <a:rPr lang="en-US" sz="2400" dirty="0">
                 <a:latin typeface="Times New Roman"/>
                 <a:cs typeface="Times New Roman"/>
               </a:rPr>
               <a:t>, </a:t>
             </a:r>
             <a:r>
-              <a:rPr lang="en-US" sz="2400" i="1" u="sng" dirty="0" smtClean="0">
+              <a:rPr lang="en-US" sz="2400" i="1" u="sng" dirty="0">
                 <a:latin typeface="Times New Roman"/>
                 <a:cs typeface="Times New Roman"/>
               </a:rPr>
               <a:t>probabilities</a:t>
             </a:r>
             <a:r>
-              <a:rPr lang="en-US" sz="2400" dirty="0" smtClean="0">
+              <a:rPr lang="en-US" sz="2400" dirty="0">
                 <a:latin typeface="Times New Roman"/>
                 <a:cs typeface="Times New Roman"/>
               </a:rPr>
               <a:t> (other than 0 or 1) </a:t>
             </a:r>
             <a:r>
-              <a:rPr lang="en-US" sz="2400" i="1" u="sng" dirty="0" smtClean="0">
+              <a:rPr lang="en-US" sz="2400" i="1" u="sng" dirty="0">
                 <a:latin typeface="Times New Roman"/>
                 <a:cs typeface="Times New Roman"/>
               </a:rPr>
               <a:t>only exist</a:t>
             </a:r>
             <a:r>
-              <a:rPr lang="en-US" sz="2400" dirty="0" smtClean="0">
+              <a:rPr lang="en-US" sz="2400" dirty="0">
                 <a:latin typeface="Times New Roman"/>
                 <a:cs typeface="Times New Roman"/>
               </a:rPr>
               <a:t> </a:t>
             </a:r>
             <a:r>
-              <a:rPr lang="en-US" sz="2400" i="1" u="sng" dirty="0" smtClean="0">
+              <a:rPr lang="en-US" sz="2400" i="1" u="sng" dirty="0">
                 <a:latin typeface="Times New Roman"/>
                 <a:cs typeface="Times New Roman"/>
               </a:rPr>
               <a:t>for outcomes of experiments that haven’t happened yet</a:t>
             </a:r>
             <a:r>
-              <a:rPr lang="en-US" sz="2400" dirty="0" smtClean="0">
+              <a:rPr lang="en-US" sz="2400" dirty="0">
                 <a:latin typeface="Times New Roman"/>
                 <a:cs typeface="Times New Roman"/>
               </a:rPr>
@@ -20690,7 +17881,7 @@
   <p:timing>
     <p:tnLst>
       <p:par>
-        <p:cTn xmlns:p14="http://schemas.microsoft.com/office/powerpoint/2010/main" id="1" dur="indefinite" restart="never" nodeType="tmRoot">
+        <p:cTn id="1" dur="indefinite" restart="never" nodeType="tmRoot">
           <p:childTnLst>
             <p:seq concurrent="1" nextAc="seek">
               <p:cTn id="2" dur="indefinite" nodeType="mainSeq">
@@ -20972,7 +18163,7 @@
               </a:tabLst>
             </a:pPr>
             <a:r>
-              <a:rPr lang="en-GB" sz="4000" dirty="0" smtClean="0">
+              <a:rPr lang="en-GB" sz="4000" dirty="0">
                 <a:solidFill>
                   <a:srgbClr val="000000"/>
                 </a:solidFill>
@@ -20980,12 +18171,6 @@
               </a:rPr>
               <a:t>Confidence Intervals</a:t>
             </a:r>
-            <a:endParaRPr lang="en-GB" sz="4000" dirty="0">
-              <a:solidFill>
-                <a:srgbClr val="000000"/>
-              </a:solidFill>
-              <a:latin typeface="Times New Roman" pitchFamily="18" charset="0"/>
-            </a:endParaRPr>
           </a:p>
         </p:txBody>
       </p:sp>
@@ -21064,7 +18249,7 @@
               </a:tabLst>
             </a:pPr>
             <a:r>
-              <a:rPr lang="en-US" sz="2400" dirty="0" smtClean="0">
+              <a:rPr lang="en-US" sz="2400" dirty="0">
                 <a:solidFill>
                   <a:srgbClr val="000000"/>
                 </a:solidFill>
@@ -21073,7 +18258,7 @@
               <a:t>Once the data is collected we cannot say that </a:t>
             </a:r>
             <a:r>
-              <a:rPr lang="en-US" sz="2400" i="1" dirty="0" smtClean="0">
+              <a:rPr lang="en-US" sz="2400" i="1" dirty="0">
                 <a:solidFill>
                   <a:srgbClr val="000000"/>
                 </a:solidFill>
@@ -21083,7 +18268,7 @@
               <a:t>q</a:t>
             </a:r>
             <a:r>
-              <a:rPr lang="en-US" sz="2400" dirty="0" smtClean="0">
+              <a:rPr lang="en-US" sz="2400" dirty="0">
                 <a:solidFill>
                   <a:srgbClr val="000000"/>
                 </a:solidFill>
@@ -21092,7 +18277,7 @@
               <a:t> is in the specific, realized interval with probability greater than or equal to 1-</a:t>
             </a:r>
             <a:r>
-              <a:rPr lang="en-US" sz="2400" dirty="0" smtClean="0">
+              <a:rPr lang="en-US" sz="2400" dirty="0">
                 <a:solidFill>
                   <a:srgbClr val="000000"/>
                 </a:solidFill>
@@ -21101,7 +18286,7 @@
               </a:rPr>
               <a:t>a</a:t>
             </a:r>
-            <a:endParaRPr lang="en-US" sz="2400" dirty="0" smtClean="0">
+            <a:endParaRPr lang="en-US" sz="2400" dirty="0">
               <a:solidFill>
                 <a:srgbClr val="000000"/>
               </a:solidFill>
@@ -21153,43 +18338,25 @@
               </a:tabLst>
             </a:pPr>
             <a:r>
-              <a:rPr lang="en-US" sz="2400" dirty="0" smtClean="0">
+              <a:rPr lang="en-US" sz="2400" dirty="0">
                 <a:solidFill>
                   <a:srgbClr val="000000"/>
                 </a:solidFill>
                 <a:latin typeface="Times New Roman" pitchFamily="18" charset="0"/>
               </a:rPr>
-              <a:t>But that’s a mouthful, </a:t>
+              <a:t>But that’s a mouthful, so let’s make up a new word: </a:t>
+            </a:r>
+            <a:r>
+              <a:rPr lang="en-US" sz="2400" b="1" dirty="0">
+                <a:solidFill>
+                  <a:srgbClr val="000000"/>
+                </a:solidFill>
+                <a:latin typeface="Times New Roman" pitchFamily="18" charset="0"/>
+              </a:rPr>
+              <a:t>confidence</a:t>
             </a:r>
             <a:r>
               <a:rPr lang="en-US" sz="2400" dirty="0">
-                <a:solidFill>
-                  <a:srgbClr val="000000"/>
-                </a:solidFill>
-                <a:latin typeface="Times New Roman" pitchFamily="18" charset="0"/>
-              </a:rPr>
-              <a:t>s</a:t>
-            </a:r>
-            <a:r>
-              <a:rPr lang="en-US" sz="2400" dirty="0" smtClean="0">
-                <a:solidFill>
-                  <a:srgbClr val="000000"/>
-                </a:solidFill>
-                <a:latin typeface="Times New Roman" pitchFamily="18" charset="0"/>
-              </a:rPr>
-              <a:t>o let’s make up a new word: </a:t>
-            </a:r>
-            <a:r>
-              <a:rPr lang="en-US" sz="2400" b="1" dirty="0" smtClean="0">
-                <a:solidFill>
-                  <a:srgbClr val="000000"/>
-                </a:solidFill>
-                <a:latin typeface="Times New Roman" pitchFamily="18" charset="0"/>
-              </a:rPr>
-              <a:t>confidence</a:t>
-            </a:r>
-            <a:r>
-              <a:rPr lang="en-US" sz="2400" dirty="0" smtClean="0">
                 <a:solidFill>
                   <a:srgbClr val="000000"/>
                 </a:solidFill>
@@ -21226,7 +18393,7 @@
               <a:buChar char="•"/>
             </a:pPr>
             <a:r>
-              <a:rPr lang="en-US" sz="2200" dirty="0" smtClean="0">
+              <a:rPr lang="en-US" sz="2200" dirty="0">
                 <a:latin typeface="Times New Roman"/>
                 <a:cs typeface="Times New Roman"/>
               </a:rPr>
@@ -21261,30 +18428,26 @@
               <a:buChar char="•"/>
             </a:pPr>
             <a:r>
-              <a:rPr lang="en-US" sz="2200" dirty="0" smtClean="0">
+              <a:rPr lang="en-US" sz="2200" dirty="0">
                 <a:latin typeface="Times New Roman"/>
                 <a:cs typeface="Times New Roman"/>
               </a:rPr>
               <a:t>This is true </a:t>
             </a:r>
             <a:r>
-              <a:rPr lang="en-US" sz="2200" i="1" u="sng" dirty="0" smtClean="0">
+              <a:rPr lang="en-US" sz="2200" i="1" u="sng" dirty="0">
                 <a:latin typeface="Times New Roman"/>
                 <a:cs typeface="Times New Roman"/>
               </a:rPr>
               <a:t>even if you don’t know what the outcome was</a:t>
             </a:r>
             <a:r>
-              <a:rPr lang="en-US" sz="2200" dirty="0" smtClean="0">
+              <a:rPr lang="en-US" sz="2200" dirty="0">
                 <a:latin typeface="Times New Roman"/>
                 <a:cs typeface="Times New Roman"/>
               </a:rPr>
               <a:t>.</a:t>
             </a:r>
-            <a:endParaRPr lang="en-US" sz="2200" dirty="0">
-              <a:latin typeface="Times New Roman"/>
-              <a:cs typeface="Times New Roman"/>
-            </a:endParaRPr>
           </a:p>
         </p:txBody>
       </p:sp>
@@ -21314,30 +18477,26 @@
               <a:buChar char="•"/>
             </a:pPr>
             <a:r>
-              <a:rPr lang="en-US" sz="2200" dirty="0" smtClean="0">
+              <a:rPr lang="en-US" sz="2200" dirty="0">
                 <a:latin typeface="Times New Roman"/>
                 <a:cs typeface="Times New Roman"/>
               </a:rPr>
               <a:t>For realized CIs something happened. We just can’t tell what the outcome was if we don’t know the true value of </a:t>
             </a:r>
             <a:r>
-              <a:rPr lang="en-US" sz="2200" i="1" dirty="0" smtClean="0">
+              <a:rPr lang="en-US" sz="2200" i="1" dirty="0">
                 <a:latin typeface="Symbol" charset="2"/>
                 <a:cs typeface="Symbol" charset="2"/>
               </a:rPr>
               <a:t>q</a:t>
             </a:r>
             <a:r>
-              <a:rPr lang="en-US" sz="2200" dirty="0" smtClean="0">
+              <a:rPr lang="en-US" sz="2200" dirty="0">
                 <a:latin typeface="Times New Roman"/>
                 <a:cs typeface="Times New Roman"/>
               </a:rPr>
               <a:t>.</a:t>
             </a:r>
-            <a:endParaRPr lang="en-US" sz="2200" dirty="0">
-              <a:latin typeface="Times New Roman"/>
-              <a:cs typeface="Times New Roman"/>
-            </a:endParaRPr>
           </a:p>
         </p:txBody>
       </p:sp>
@@ -21384,7 +18543,7 @@
               </a:tabLst>
             </a:pPr>
             <a:r>
-              <a:rPr lang="en-US" sz="2400" i="1" u="sng" dirty="0" smtClean="0">
+              <a:rPr lang="en-US" sz="2400" i="1" u="sng" dirty="0">
                 <a:solidFill>
                   <a:srgbClr val="000000"/>
                 </a:solidFill>
@@ -21393,7 +18552,7 @@
               <a:t>What we could say is</a:t>
             </a:r>
             <a:r>
-              <a:rPr lang="en-US" sz="2400" dirty="0" smtClean="0">
+              <a:rPr lang="en-US" sz="2400" dirty="0">
                 <a:solidFill>
                   <a:srgbClr val="000000"/>
                 </a:solidFill>
@@ -21402,7 +18561,7 @@
               <a:t>: “considering the data we’ve collected              is a set of plausible values for </a:t>
             </a:r>
             <a:r>
-              <a:rPr lang="en-US" sz="2400" i="1" dirty="0" smtClean="0">
+              <a:rPr lang="en-US" sz="2400" i="1" dirty="0">
                 <a:solidFill>
                   <a:srgbClr val="000000"/>
                 </a:solidFill>
@@ -21412,7 +18571,7 @@
               <a:t>q </a:t>
             </a:r>
             <a:r>
-              <a:rPr lang="en-US" sz="2400" dirty="0" smtClean="0">
+              <a:rPr lang="en-US" sz="2400" dirty="0">
                 <a:solidFill>
                   <a:srgbClr val="000000"/>
                 </a:solidFill>
@@ -21460,7 +18619,7 @@
   <p:timing>
     <p:tnLst>
       <p:par>
-        <p:cTn xmlns:p14="http://schemas.microsoft.com/office/powerpoint/2010/main" id="1" dur="indefinite" restart="never" nodeType="tmRoot">
+        <p:cTn id="1" dur="indefinite" restart="never" nodeType="tmRoot">
           <p:childTnLst>
             <p:seq concurrent="1" nextAc="seek">
               <p:cTn id="2" dur="indefinite" nodeType="mainSeq">
@@ -22092,7 +19251,7 @@
               </a:tabLst>
             </a:pPr>
             <a:r>
-              <a:rPr lang="en-GB" sz="4000" dirty="0" smtClean="0">
+              <a:rPr lang="en-GB" sz="4000" dirty="0">
                 <a:solidFill>
                   <a:srgbClr val="000000"/>
                 </a:solidFill>
@@ -22100,12 +19259,6 @@
               </a:rPr>
               <a:t>Confidence Intervals</a:t>
             </a:r>
-            <a:endParaRPr lang="en-GB" sz="4000" dirty="0">
-              <a:solidFill>
-                <a:srgbClr val="000000"/>
-              </a:solidFill>
-              <a:latin typeface="Times New Roman" pitchFamily="18" charset="0"/>
-            </a:endParaRPr>
           </a:p>
         </p:txBody>
       </p:sp>
@@ -22162,7 +19315,7 @@
               </a:tabLst>
             </a:pPr>
             <a:r>
-              <a:rPr lang="en-US" sz="2400" b="1" dirty="0" smtClean="0">
+              <a:rPr lang="en-US" sz="2400" b="1" dirty="0">
                 <a:solidFill>
                   <a:schemeClr val="tx1"/>
                 </a:solidFill>
@@ -22172,7 +19325,7 @@
               <a:t>Caution</a:t>
             </a:r>
             <a:r>
-              <a:rPr lang="en-US" sz="2400" dirty="0" smtClean="0">
+              <a:rPr lang="en-US" sz="2400" dirty="0">
                 <a:solidFill>
                   <a:schemeClr val="tx1"/>
                 </a:solidFill>
@@ -22182,7 +19335,7 @@
               <a:t>: </a:t>
             </a:r>
             <a:r>
-              <a:rPr lang="en-US" sz="2400" i="1" u="sng" dirty="0" smtClean="0">
+              <a:rPr lang="en-US" sz="2400" i="1" u="sng" dirty="0">
                 <a:solidFill>
                   <a:schemeClr val="tx1"/>
                 </a:solidFill>
@@ -22192,7 +19345,7 @@
               <a:t>The method</a:t>
             </a:r>
             <a:r>
-              <a:rPr lang="en-US" sz="2400" dirty="0" smtClean="0">
+              <a:rPr lang="en-US" sz="2400" dirty="0">
                 <a:solidFill>
                   <a:schemeClr val="tx1"/>
                 </a:solidFill>
@@ -22206,42 +19359,21 @@
                 <a:latin typeface="Times New Roman" pitchFamily="18" charset="0"/>
                 <a:cs typeface="Times New Roman" pitchFamily="18" charset="0"/>
               </a:rPr>
-              <a:t>with </a:t>
-            </a:r>
-            <a:r>
-              <a:rPr lang="en-US" sz="2400" dirty="0" smtClean="0">
-                <a:latin typeface="Times New Roman" pitchFamily="18" charset="0"/>
+              <a:t>with a probability of (1-</a:t>
+            </a:r>
+            <a:r>
+              <a:rPr lang="en-US" sz="2400" dirty="0">
+                <a:latin typeface="Symbol" pitchFamily="18" charset="2"/>
                 <a:cs typeface="Times New Roman" pitchFamily="18" charset="0"/>
               </a:rPr>
-              <a:t>a probability of (</a:t>
+              <a:t> </a:t>
             </a:r>
             <a:r>
               <a:rPr lang="en-US" sz="2400" dirty="0">
                 <a:latin typeface="Times New Roman" pitchFamily="18" charset="0"/>
                 <a:cs typeface="Times New Roman" pitchFamily="18" charset="0"/>
               </a:rPr>
-              <a:t>1-</a:t>
-            </a:r>
-            <a:r>
-              <a:rPr lang="en-US" sz="2400" dirty="0">
-                <a:latin typeface="Symbol" pitchFamily="18" charset="2"/>
-                <a:cs typeface="Times New Roman" pitchFamily="18" charset="0"/>
-              </a:rPr>
-              <a:t> </a:t>
-            </a:r>
-            <a:r>
-              <a:rPr lang="en-US" sz="2400" dirty="0">
-                <a:latin typeface="Times New Roman" pitchFamily="18" charset="0"/>
-                <a:cs typeface="Times New Roman" pitchFamily="18" charset="0"/>
-              </a:rPr>
-              <a:t>α)×100</a:t>
-            </a:r>
-            <a:r>
-              <a:rPr lang="en-US" sz="2400" dirty="0" smtClean="0">
-                <a:latin typeface="Times New Roman" pitchFamily="18" charset="0"/>
-                <a:cs typeface="Times New Roman" pitchFamily="18" charset="0"/>
-              </a:rPr>
-              <a:t>%</a:t>
+              <a:t>α)×100%</a:t>
             </a:r>
           </a:p>
           <a:p>
@@ -22267,54 +19399,14 @@
               </a:tabLst>
             </a:pPr>
             <a:r>
-              <a:rPr lang="en-US" sz="2000" dirty="0" smtClean="0">
+              <a:rPr lang="en-US" sz="2000" dirty="0">
                 <a:solidFill>
                   <a:schemeClr val="tx1"/>
                 </a:solidFill>
                 <a:latin typeface="Times New Roman" pitchFamily="18" charset="0"/>
                 <a:cs typeface="Times New Roman" pitchFamily="18" charset="0"/>
               </a:rPr>
-              <a:t>IT </a:t>
-            </a:r>
-            <a:r>
-              <a:rPr lang="en-US" sz="2000" dirty="0" smtClean="0">
-                <a:solidFill>
-                  <a:schemeClr val="tx1"/>
-                </a:solidFill>
-                <a:latin typeface="Times New Roman" pitchFamily="18" charset="0"/>
-                <a:cs typeface="Times New Roman" pitchFamily="18" charset="0"/>
-              </a:rPr>
-              <a:t>IS NOT CORRECT to say that </a:t>
-            </a:r>
-            <a:r>
-              <a:rPr lang="en-US" sz="2000" dirty="0" smtClean="0">
-                <a:solidFill>
-                  <a:schemeClr val="tx1"/>
-                </a:solidFill>
-                <a:latin typeface="Times New Roman" pitchFamily="18" charset="0"/>
-                <a:cs typeface="Times New Roman" pitchFamily="18" charset="0"/>
-              </a:rPr>
-              <a:t>any </a:t>
-            </a:r>
-            <a:r>
-              <a:rPr lang="en-US" sz="2000" dirty="0" smtClean="0">
-                <a:solidFill>
-                  <a:schemeClr val="tx1"/>
-                </a:solidFill>
-                <a:latin typeface="Times New Roman" pitchFamily="18" charset="0"/>
-                <a:cs typeface="Times New Roman" pitchFamily="18" charset="0"/>
-              </a:rPr>
-              <a:t>given  </a:t>
-            </a:r>
-            <a:r>
-              <a:rPr lang="en-US" sz="2000" dirty="0" smtClean="0">
-                <a:solidFill>
-                  <a:schemeClr val="tx1"/>
-                </a:solidFill>
-                <a:latin typeface="Times New Roman" pitchFamily="18" charset="0"/>
-                <a:cs typeface="Times New Roman" pitchFamily="18" charset="0"/>
-              </a:rPr>
-              <a:t>CI has a </a:t>
+              <a:t>IT IS NOT CORRECT to say that any given  CI has a </a:t>
             </a:r>
             <a:r>
               <a:rPr lang="en-US" sz="2000" dirty="0">
@@ -22335,26 +19427,19 @@
                 <a:latin typeface="Times New Roman" pitchFamily="18" charset="0"/>
                 <a:cs typeface="Times New Roman" pitchFamily="18" charset="0"/>
               </a:rPr>
-              <a:t>α)×100</a:t>
-            </a:r>
-            <a:r>
-              <a:rPr lang="en-US" sz="2000" dirty="0" smtClean="0">
+              <a:t>α)×100% probability of containing the true value</a:t>
+            </a:r>
+            <a:r>
+              <a:rPr lang="en-US" sz="2000" dirty="0">
+                <a:solidFill>
+                  <a:schemeClr val="tx1"/>
+                </a:solidFill>
                 <a:latin typeface="Times New Roman" pitchFamily="18" charset="0"/>
                 <a:cs typeface="Times New Roman" pitchFamily="18" charset="0"/>
               </a:rPr>
-              <a:t>% probability of containing the true value</a:t>
-            </a:r>
-            <a:r>
-              <a:rPr lang="en-US" sz="2000" dirty="0" smtClean="0">
-                <a:solidFill>
-                  <a:schemeClr val="tx1"/>
-                </a:solidFill>
-                <a:latin typeface="Times New Roman" pitchFamily="18" charset="0"/>
-                <a:cs typeface="Times New Roman" pitchFamily="18" charset="0"/>
-              </a:rPr>
               <a:t>.</a:t>
             </a:r>
-            <a:endParaRPr lang="en-GB" sz="2000" dirty="0" smtClean="0">
+            <a:endParaRPr lang="en-GB" sz="2000" dirty="0">
               <a:solidFill>
                 <a:schemeClr val="tx1"/>
               </a:solidFill>
@@ -22416,7 +19501,7 @@
           <a:p>
             <a:pPr algn="ctr"/>
             <a:r>
-              <a:rPr lang="en-GB" sz="1600" dirty="0" smtClean="0">
+              <a:rPr lang="en-GB" sz="1600" dirty="0">
                 <a:solidFill>
                   <a:srgbClr val="000000"/>
                 </a:solidFill>
@@ -22428,7 +19513,7 @@
           <a:p>
             <a:pPr algn="ctr"/>
             <a:r>
-              <a:rPr lang="en-GB" sz="1600" dirty="0" smtClean="0">
+              <a:rPr lang="en-GB" sz="1600" dirty="0">
                 <a:solidFill>
                   <a:srgbClr val="000000"/>
                 </a:solidFill>
@@ -23482,7 +20567,7 @@
           <a:lstStyle/>
           <a:p>
             <a:r>
-              <a:rPr lang="en-GB" sz="2600" dirty="0" smtClean="0">
+              <a:rPr lang="en-GB" sz="2600" dirty="0">
                 <a:solidFill>
                   <a:srgbClr val="000000"/>
                 </a:solidFill>
@@ -23493,7 +20578,7 @@
           </a:p>
           <a:p>
             <a:r>
-              <a:rPr lang="en-GB" sz="2600" dirty="0" smtClean="0">
+              <a:rPr lang="en-GB" sz="2600" dirty="0">
                 <a:solidFill>
                   <a:srgbClr val="000000"/>
                 </a:solidFill>
@@ -23504,7 +20589,7 @@
           </a:p>
           <a:p>
             <a:r>
-              <a:rPr lang="en-GB" sz="2600" dirty="0" smtClean="0">
+              <a:rPr lang="en-GB" sz="2600" dirty="0">
                 <a:solidFill>
                   <a:srgbClr val="000000"/>
                 </a:solidFill>
@@ -23515,7 +20600,7 @@
           </a:p>
           <a:p>
             <a:r>
-              <a:rPr lang="en-GB" sz="2600" dirty="0" smtClean="0">
+              <a:rPr lang="en-GB" sz="2600" dirty="0">
                 <a:solidFill>
                   <a:srgbClr val="000000"/>
                 </a:solidFill>
@@ -23581,7 +20666,7 @@
           <a:lstStyle/>
           <a:p>
             <a:r>
-              <a:rPr lang="en-US" sz="2400" dirty="0" smtClean="0">
+              <a:rPr lang="en-US" sz="2400" dirty="0">
                 <a:latin typeface="Times New Roman" pitchFamily="18" charset="0"/>
                 <a:cs typeface="Times New Roman" pitchFamily="18" charset="0"/>
               </a:rPr>
@@ -23590,21 +20675,21 @@
           </a:p>
           <a:p>
             <a:r>
-              <a:rPr lang="en-US" sz="2400" dirty="0" smtClean="0">
+              <a:rPr lang="en-US" sz="2400" dirty="0">
                 <a:latin typeface="Times New Roman" pitchFamily="18" charset="0"/>
                 <a:cs typeface="Times New Roman" pitchFamily="18" charset="0"/>
               </a:rPr>
               <a:t>90% </a:t>
             </a:r>
             <a:r>
-              <a:rPr lang="en-US" sz="2400" dirty="0" err="1" smtClean="0">
+              <a:rPr lang="en-US" sz="2400" dirty="0" err="1">
                 <a:latin typeface="Times New Roman" pitchFamily="18" charset="0"/>
                 <a:cs typeface="Times New Roman" pitchFamily="18" charset="0"/>
               </a:rPr>
               <a:t>CIs</a:t>
             </a:r>
             <a:r>
-              <a:rPr lang="en-US" sz="2400" dirty="0" smtClean="0">
+              <a:rPr lang="en-US" sz="2400" dirty="0">
                 <a:latin typeface="Times New Roman" pitchFamily="18" charset="0"/>
                 <a:cs typeface="Times New Roman" pitchFamily="18" charset="0"/>
               </a:rPr>
@@ -23650,17 +20735,17 @@
             <a:lstStyle/>
             <a:p>
               <a:r>
-                <a:rPr lang="en-US" dirty="0" smtClean="0">
+                <a:rPr lang="en-US" dirty="0">
                   <a:latin typeface="Times New Roman" pitchFamily="18" charset="0"/>
                   <a:cs typeface="Times New Roman" pitchFamily="18" charset="0"/>
                 </a:rPr>
                 <a:t>Take a sample.</a:t>
               </a:r>
-              <a:endParaRPr lang="en-US" dirty="0" smtClean="0"/>
+              <a:endParaRPr lang="en-US" dirty="0"/>
             </a:p>
             <a:p>
               <a:r>
-                <a:rPr lang="en-US" dirty="0" smtClean="0">
+                <a:rPr lang="en-US" dirty="0">
                   <a:latin typeface="Times New Roman" pitchFamily="18" charset="0"/>
                   <a:cs typeface="Times New Roman" pitchFamily="18" charset="0"/>
                 </a:rPr>
@@ -23726,24 +20811,17 @@
                 <a:latin typeface="Times New Roman"/>
                 <a:cs typeface="Times New Roman"/>
               </a:rPr>
-              <a:t>c</a:t>
-            </a:r>
-            <a:r>
-              <a:rPr lang="en-US" sz="2600" dirty="0" smtClean="0">
+              <a:t>confidence </a:t>
+            </a:r>
+            <a:r>
+              <a:rPr lang="en-US" sz="2600" b="1" i="1" u="sng" dirty="0">
                 <a:latin typeface="Times New Roman"/>
                 <a:cs typeface="Times New Roman"/>
               </a:rPr>
-              <a:t>onfidence </a:t>
-            </a:r>
-            <a:r>
-              <a:rPr lang="en-US" sz="2600" b="1" i="1" u="sng" dirty="0" smtClean="0">
-                <a:latin typeface="Times New Roman"/>
-                <a:cs typeface="Times New Roman"/>
-              </a:rPr>
               <a:t>is not</a:t>
             </a:r>
             <a:r>
-              <a:rPr lang="en-US" sz="2600" dirty="0" smtClean="0">
+              <a:rPr lang="en-US" sz="2600" dirty="0">
                 <a:latin typeface="Times New Roman"/>
                 <a:cs typeface="Times New Roman"/>
               </a:rPr>
@@ -23765,7 +20843,7 @@
   <p:timing>
     <p:tnLst>
       <p:par>
-        <p:cTn xmlns:p14="http://schemas.microsoft.com/office/powerpoint/2010/main" id="1" dur="indefinite" restart="never" nodeType="tmRoot">
+        <p:cTn id="1" dur="indefinite" restart="never" nodeType="tmRoot">
           <p:childTnLst>
             <p:seq concurrent="1" nextAc="seek">
               <p:cTn id="2" dur="indefinite" nodeType="mainSeq">
@@ -25508,7 +22586,7 @@
               </a:tabLst>
             </a:pPr>
             <a:r>
-              <a:rPr lang="en-GB" sz="4000" dirty="0" smtClean="0">
+              <a:rPr lang="en-GB" sz="4000" dirty="0">
                 <a:solidFill>
                   <a:srgbClr val="000000"/>
                 </a:solidFill>
@@ -25516,12 +22594,6 @@
               </a:rPr>
               <a:t>Confidence Intervals</a:t>
             </a:r>
-            <a:endParaRPr lang="en-GB" sz="4000" dirty="0">
-              <a:solidFill>
-                <a:srgbClr val="000000"/>
-              </a:solidFill>
-              <a:latin typeface="Times New Roman" pitchFamily="18" charset="0"/>
-            </a:endParaRPr>
           </a:p>
         </p:txBody>
       </p:sp>
@@ -25600,7 +22672,7 @@
               </a:tabLst>
             </a:pPr>
             <a:r>
-              <a:rPr lang="en-US" sz="2400" dirty="0" smtClean="0">
+              <a:rPr lang="en-US" sz="2400" dirty="0">
                 <a:solidFill>
                   <a:srgbClr val="000000"/>
                 </a:solidFill>
@@ -25609,7 +22681,7 @@
               <a:t>So how do we compute a (1 − </a:t>
             </a:r>
             <a:r>
-              <a:rPr lang="en-US" sz="2400" dirty="0" smtClean="0">
+              <a:rPr lang="en-US" sz="2400" dirty="0">
                 <a:solidFill>
                   <a:srgbClr val="000000"/>
                 </a:solidFill>
@@ -25619,7 +22691,7 @@
               <a:t>a</a:t>
             </a:r>
             <a:r>
-              <a:rPr lang="en-US" sz="2400" dirty="0" smtClean="0">
+              <a:rPr lang="en-US" sz="2400" dirty="0">
                 <a:solidFill>
                   <a:srgbClr val="000000"/>
                 </a:solidFill>
@@ -25673,7 +22745,7 @@
               </a:tabLst>
             </a:pPr>
             <a:r>
-              <a:rPr lang="en-US" sz="2400" dirty="0" smtClean="0">
+              <a:rPr lang="en-US" sz="2400" dirty="0">
                 <a:solidFill>
                   <a:srgbClr val="000000"/>
                 </a:solidFill>
@@ -25682,7 +22754,7 @@
               <a:t>Conceptually, if we are trying to estimate a parameter </a:t>
             </a:r>
             <a:r>
-              <a:rPr lang="en-US" sz="2400" i="1" dirty="0" smtClean="0">
+              <a:rPr lang="en-US" sz="2400" i="1" dirty="0">
                 <a:solidFill>
                   <a:srgbClr val="000000"/>
                 </a:solidFill>
@@ -25692,7 +22764,7 @@
               <a:t>q</a:t>
             </a:r>
             <a:r>
-              <a:rPr lang="en-US" sz="2400" dirty="0" smtClean="0">
+              <a:rPr lang="en-US" sz="2400" dirty="0">
                 <a:solidFill>
                   <a:srgbClr val="000000"/>
                 </a:solidFill>
@@ -25769,7 +22841,7 @@
               </a:tabLst>
             </a:pPr>
             <a:r>
-              <a:rPr lang="en-US" sz="2200" dirty="0" smtClean="0">
+              <a:rPr lang="en-US" sz="2200" dirty="0">
                 <a:solidFill>
                   <a:srgbClr val="000000"/>
                 </a:solidFill>
@@ -25825,31 +22897,13 @@
           <a:lstStyle/>
           <a:p>
             <a:r>
-              <a:rPr lang="en-US" dirty="0" smtClean="0">
+              <a:rPr lang="en-US" dirty="0">
                 <a:solidFill>
                   <a:srgbClr val="000000"/>
                 </a:solidFill>
                 <a:latin typeface="Times New Roman" pitchFamily="18" charset="0"/>
               </a:rPr>
-              <a:t>Approx. </a:t>
-            </a:r>
-            <a:r>
-              <a:rPr lang="en-US" dirty="0">
-                <a:solidFill>
-                  <a:srgbClr val="000000"/>
-                </a:solidFill>
-                <a:latin typeface="Times New Roman" pitchFamily="18" charset="0"/>
-              </a:rPr>
-              <a:t>s</a:t>
-            </a:r>
-            <a:r>
-              <a:rPr lang="en-US" dirty="0" smtClean="0">
-                <a:solidFill>
-                  <a:srgbClr val="000000"/>
-                </a:solidFill>
-                <a:latin typeface="Times New Roman" pitchFamily="18" charset="0"/>
-              </a:rPr>
-              <a:t>ampling dist. of an estimator (large IID sample assumed)</a:t>
+              <a:t>Approx. sampling dist. of an estimator (large IID sample assumed)</a:t>
             </a:r>
             <a:endParaRPr lang="en-US" dirty="0"/>
           </a:p>
@@ -25892,7 +22946,7 @@
   <p:timing>
     <p:tnLst>
       <p:par>
-        <p:cTn xmlns:p14="http://schemas.microsoft.com/office/powerpoint/2010/main" id="1" dur="indefinite" restart="never" nodeType="tmRoot">
+        <p:cTn id="1" dur="indefinite" restart="never" nodeType="tmRoot">
           <p:childTnLst>
             <p:seq concurrent="1" nextAc="seek">
               <p:cTn id="2" dur="indefinite" nodeType="mainSeq">
@@ -26468,7 +23522,7 @@
               </a:tabLst>
             </a:pPr>
             <a:r>
-              <a:rPr lang="en-GB" sz="4000" dirty="0" smtClean="0">
+              <a:rPr lang="en-GB" sz="4000" dirty="0">
                 <a:solidFill>
                   <a:srgbClr val="000000"/>
                 </a:solidFill>
@@ -26476,12 +23530,6 @@
               </a:rPr>
               <a:t>Confidence Intervals</a:t>
             </a:r>
-            <a:endParaRPr lang="en-GB" sz="4000" dirty="0">
-              <a:solidFill>
-                <a:srgbClr val="000000"/>
-              </a:solidFill>
-              <a:latin typeface="Times New Roman" pitchFamily="18" charset="0"/>
-            </a:endParaRPr>
           </a:p>
         </p:txBody>
       </p:sp>
@@ -26560,7 +23608,7 @@
               </a:tabLst>
             </a:pPr>
             <a:r>
-              <a:rPr lang="en-US" sz="2200" dirty="0" smtClean="0">
+              <a:rPr lang="en-US" sz="2200" dirty="0">
                 <a:solidFill>
                   <a:srgbClr val="000000"/>
                 </a:solidFill>
@@ -26569,7 +23617,7 @@
               <a:t>To explicitly take sample size, </a:t>
             </a:r>
             <a:r>
-              <a:rPr lang="en-US" sz="2200" i="1" dirty="0" smtClean="0">
+              <a:rPr lang="en-US" sz="2200" i="1" dirty="0">
                 <a:solidFill>
                   <a:srgbClr val="000000"/>
                 </a:solidFill>
@@ -26578,7 +23626,7 @@
               <a:t>n</a:t>
             </a:r>
             <a:r>
-              <a:rPr lang="en-US" sz="2200" dirty="0" smtClean="0">
+              <a:rPr lang="en-US" sz="2200" dirty="0">
                 <a:solidFill>
                   <a:srgbClr val="000000"/>
                 </a:solidFill>
@@ -26586,12 +23634,6 @@
               </a:rPr>
               <a:t>, into account (and thus be more conservative), instead use the student-T distribution: </a:t>
             </a:r>
-            <a:endParaRPr lang="en-US" sz="2200" dirty="0" smtClean="0">
-              <a:solidFill>
-                <a:srgbClr val="000000"/>
-              </a:solidFill>
-              <a:latin typeface="Times New Roman" pitchFamily="18" charset="0"/>
-            </a:endParaRPr>
           </a:p>
         </p:txBody>
       </p:sp>
@@ -26617,52 +23659,25 @@
           <a:lstStyle/>
           <a:p>
             <a:r>
-              <a:rPr lang="en-US" dirty="0" smtClean="0">
+              <a:rPr lang="en-US" dirty="0">
                 <a:solidFill>
                   <a:srgbClr val="000000"/>
                 </a:solidFill>
                 <a:latin typeface="Times New Roman" pitchFamily="18" charset="0"/>
               </a:rPr>
-              <a:t>Approx. </a:t>
+              <a:t>Approx. sampling dist. of an estimator (IID sample of size </a:t>
+            </a:r>
+            <a:r>
+              <a:rPr lang="en-US" i="1" dirty="0">
+                <a:solidFill>
+                  <a:srgbClr val="000000"/>
+                </a:solidFill>
+                <a:latin typeface="Times New Roman" pitchFamily="18" charset="0"/>
+              </a:rPr>
+              <a:t>n</a:t>
             </a:r>
             <a:r>
               <a:rPr lang="en-US" dirty="0">
-                <a:solidFill>
-                  <a:srgbClr val="000000"/>
-                </a:solidFill>
-                <a:latin typeface="Times New Roman" pitchFamily="18" charset="0"/>
-              </a:rPr>
-              <a:t>s</a:t>
-            </a:r>
-            <a:r>
-              <a:rPr lang="en-US" dirty="0" smtClean="0">
-                <a:solidFill>
-                  <a:srgbClr val="000000"/>
-                </a:solidFill>
-                <a:latin typeface="Times New Roman" pitchFamily="18" charset="0"/>
-              </a:rPr>
-              <a:t>ampling dist. of an estimator </a:t>
-            </a:r>
-            <a:r>
-              <a:rPr lang="en-US" dirty="0" smtClean="0">
-                <a:solidFill>
-                  <a:srgbClr val="000000"/>
-                </a:solidFill>
-                <a:latin typeface="Times New Roman" pitchFamily="18" charset="0"/>
-              </a:rPr>
-              <a:t>(IID sample of size </a:t>
-            </a:r>
-            <a:r>
-              <a:rPr lang="en-US" i="1" dirty="0" smtClean="0">
-                <a:solidFill>
-                  <a:srgbClr val="000000"/>
-                </a:solidFill>
-                <a:latin typeface="Times New Roman" pitchFamily="18" charset="0"/>
-              </a:rPr>
-              <a:t>n</a:t>
-            </a:r>
-            <a:r>
-              <a:rPr lang="en-US" dirty="0" smtClean="0">
                 <a:solidFill>
                   <a:srgbClr val="000000"/>
                 </a:solidFill>
@@ -26721,7 +23736,7 @@
           <a:p>
             <a:pPr algn="ctr"/>
             <a:r>
-              <a:rPr lang="en-US" sz="2800" dirty="0" smtClean="0">
+              <a:rPr lang="en-US" sz="2800" dirty="0">
                 <a:solidFill>
                   <a:srgbClr val="000000"/>
                 </a:solidFill>
@@ -26746,7 +23761,7 @@
   <p:timing>
     <p:tnLst>
       <p:par>
-        <p:cTn xmlns:p14="http://schemas.microsoft.com/office/powerpoint/2010/main" id="1" dur="indefinite" restart="never" nodeType="tmRoot">
+        <p:cTn id="1" dur="indefinite" restart="never" nodeType="tmRoot">
           <p:childTnLst>
             <p:seq concurrent="1" nextAc="seek">
               <p:cTn id="2" dur="indefinite" nodeType="mainSeq">
@@ -27064,7 +24079,7 @@
               </a:tabLst>
             </a:pPr>
             <a:r>
-              <a:rPr lang="en-GB" sz="4000" dirty="0" smtClean="0">
+              <a:rPr lang="en-GB" sz="4000" dirty="0">
                 <a:solidFill>
                   <a:srgbClr val="000000"/>
                 </a:solidFill>
@@ -27073,7 +24088,7 @@
               <a:t>Intuition: Student-t and </a:t>
             </a:r>
             <a:r>
-              <a:rPr lang="en-GB" sz="4000" i="1" dirty="0" err="1" smtClean="0">
+              <a:rPr lang="en-GB" sz="4000" i="1" dirty="0" err="1">
                 <a:solidFill>
                   <a:srgbClr val="000000"/>
                 </a:solidFill>
@@ -27082,7 +24097,7 @@
               <a:t>t</a:t>
             </a:r>
             <a:r>
-              <a:rPr lang="en-GB" sz="4000" i="1" baseline="-25000" dirty="0" err="1" smtClean="0">
+              <a:rPr lang="en-GB" sz="4000" i="1" baseline="-25000" dirty="0" err="1">
                 <a:solidFill>
                   <a:srgbClr val="000000"/>
                 </a:solidFill>
@@ -27177,23 +24192,19 @@
           <a:lstStyle/>
           <a:p>
             <a:r>
-              <a:rPr lang="en-US" sz="1700" b="1" dirty="0" err="1" smtClean="0">
+              <a:rPr lang="en-US" sz="1700" b="1" dirty="0" err="1">
                 <a:latin typeface="Times New Roman"/>
                 <a:cs typeface="Times New Roman"/>
               </a:rPr>
               <a:t>Measurand’s</a:t>
             </a:r>
             <a:r>
-              <a:rPr lang="en-US" sz="1700" b="1" dirty="0" smtClean="0">
+              <a:rPr lang="en-US" sz="1700" b="1" dirty="0">
                 <a:latin typeface="Times New Roman"/>
                 <a:cs typeface="Times New Roman"/>
               </a:rPr>
               <a:t> (barrel length) approximate sampling distribution</a:t>
             </a:r>
-            <a:endParaRPr lang="en-US" sz="1700" b="1" dirty="0">
-              <a:latin typeface="Times New Roman"/>
-              <a:cs typeface="Times New Roman"/>
-            </a:endParaRPr>
           </a:p>
         </p:txBody>
       </p:sp>
@@ -27220,7 +24231,7 @@
           <a:lstStyle/>
           <a:p>
             <a:r>
-              <a:rPr lang="en-US" b="1" dirty="0" smtClean="0">
+              <a:rPr lang="en-US" b="1" dirty="0">
                 <a:solidFill>
                   <a:srgbClr val="FF0000"/>
                 </a:solidFill>
@@ -27229,13 +24240,6 @@
               </a:rPr>
               <a:t>Normal distribution</a:t>
             </a:r>
-            <a:endParaRPr lang="en-US" b="1" dirty="0">
-              <a:solidFill>
-                <a:srgbClr val="FF0000"/>
-              </a:solidFill>
-              <a:latin typeface="Times New Roman"/>
-              <a:cs typeface="Times New Roman"/>
-            </a:endParaRPr>
           </a:p>
         </p:txBody>
       </p:sp>
@@ -27262,7 +24266,7 @@
           <a:lstStyle/>
           <a:p>
             <a:r>
-              <a:rPr lang="en-US" b="1" dirty="0" smtClean="0">
+              <a:rPr lang="en-US" b="1" dirty="0">
                 <a:solidFill>
                   <a:srgbClr val="0000FF"/>
                 </a:solidFill>
@@ -27271,13 +24275,6 @@
               </a:rPr>
               <a:t>Student-t distribution</a:t>
             </a:r>
-            <a:endParaRPr lang="en-US" b="1" dirty="0">
-              <a:solidFill>
-                <a:srgbClr val="0000FF"/>
-              </a:solidFill>
-              <a:latin typeface="Times New Roman"/>
-              <a:cs typeface="Times New Roman"/>
-            </a:endParaRPr>
           </a:p>
         </p:txBody>
       </p:sp>
@@ -27376,7 +24373,7 @@
           <a:lstStyle/>
           <a:p>
             <a:r>
-              <a:rPr lang="en-US" b="1" dirty="0" smtClean="0">
+              <a:rPr lang="en-US" b="1" dirty="0">
                 <a:solidFill>
                   <a:srgbClr val="0000FF"/>
                 </a:solidFill>
@@ -27385,13 +24382,6 @@
               </a:rPr>
               <a:t>Fatter in the tails</a:t>
             </a:r>
-            <a:endParaRPr lang="en-US" b="1" dirty="0">
-              <a:solidFill>
-                <a:srgbClr val="0000FF"/>
-              </a:solidFill>
-              <a:latin typeface="Times New Roman"/>
-              <a:cs typeface="Times New Roman"/>
-            </a:endParaRPr>
           </a:p>
         </p:txBody>
       </p:sp>
@@ -27517,7 +24507,7 @@
   <p:timing>
     <p:tnLst>
       <p:par>
-        <p:cTn xmlns:p14="http://schemas.microsoft.com/office/powerpoint/2010/main" id="1" dur="indefinite" restart="never" nodeType="tmRoot">
+        <p:cTn id="1" dur="indefinite" restart="never" nodeType="tmRoot">
           <p:childTnLst>
             <p:seq concurrent="1" nextAc="seek">
               <p:cTn id="2" dur="indefinite" nodeType="mainSeq">
@@ -28251,7 +25241,7 @@
               </a:tabLst>
             </a:pPr>
             <a:r>
-              <a:rPr lang="en-GB" sz="4000" dirty="0" smtClean="0">
+              <a:rPr lang="en-GB" sz="4000" dirty="0">
                 <a:solidFill>
                   <a:srgbClr val="000000"/>
                 </a:solidFill>
@@ -28260,7 +25250,7 @@
               <a:t>Intuition: Student-t and </a:t>
             </a:r>
             <a:r>
-              <a:rPr lang="en-GB" sz="4000" i="1" dirty="0" err="1" smtClean="0">
+              <a:rPr lang="en-GB" sz="4000" i="1" dirty="0" err="1">
                 <a:solidFill>
                   <a:srgbClr val="000000"/>
                 </a:solidFill>
@@ -28269,7 +25259,7 @@
               <a:t>t</a:t>
             </a:r>
             <a:r>
-              <a:rPr lang="en-GB" sz="4000" i="1" baseline="-25000" dirty="0" err="1" smtClean="0">
+              <a:rPr lang="en-GB" sz="4000" i="1" baseline="-25000" dirty="0" err="1">
                 <a:solidFill>
                   <a:srgbClr val="000000"/>
                 </a:solidFill>
@@ -28341,30 +25331,26 @@
           <a:lstStyle/>
           <a:p>
             <a:r>
-              <a:rPr lang="en-US" sz="2400" b="1" dirty="0" smtClean="0">
+              <a:rPr lang="en-US" sz="2400" b="1" dirty="0">
                 <a:latin typeface="Times New Roman"/>
                 <a:cs typeface="Times New Roman"/>
               </a:rPr>
               <a:t>Student-t PDF, </a:t>
             </a:r>
             <a:r>
-              <a:rPr lang="en-US" sz="2400" b="1" dirty="0" err="1" smtClean="0">
+              <a:rPr lang="en-US" sz="2400" b="1" dirty="0" err="1">
                 <a:latin typeface="Times New Roman"/>
                 <a:cs typeface="Times New Roman"/>
               </a:rPr>
               <a:t>d.f.</a:t>
             </a:r>
             <a:r>
-              <a:rPr lang="en-US" sz="2400" b="1" dirty="0" smtClean="0">
+              <a:rPr lang="en-US" sz="2400" b="1" dirty="0">
                 <a:latin typeface="Times New Roman"/>
                 <a:cs typeface="Times New Roman"/>
               </a:rPr>
               <a:t> = 3</a:t>
             </a:r>
-            <a:endParaRPr lang="en-US" sz="2400" b="1" dirty="0">
-              <a:latin typeface="Times New Roman"/>
-              <a:cs typeface="Times New Roman"/>
-            </a:endParaRPr>
           </a:p>
         </p:txBody>
       </p:sp>
@@ -28398,23 +25384,19 @@
               <a:t>t</a:t>
             </a:r>
             <a:r>
-              <a:rPr lang="en-US" sz="2400" i="1" baseline="-25000" dirty="0" err="1" smtClean="0">
+              <a:rPr lang="en-US" sz="2400" i="1" baseline="-25000" dirty="0" err="1">
                 <a:latin typeface="Times New Roman"/>
                 <a:cs typeface="Times New Roman"/>
               </a:rPr>
               <a:t>c</a:t>
             </a:r>
             <a:r>
-              <a:rPr lang="en-US" sz="2400" dirty="0" smtClean="0">
+              <a:rPr lang="en-US" sz="2400" dirty="0">
                 <a:latin typeface="Times New Roman"/>
                 <a:cs typeface="Times New Roman"/>
               </a:rPr>
               <a:t> = 3.18 for (two-sided) 95% confidence</a:t>
             </a:r>
-            <a:endParaRPr lang="en-US" sz="2400" dirty="0">
-              <a:latin typeface="Times New Roman"/>
-              <a:cs typeface="Times New Roman"/>
-            </a:endParaRPr>
           </a:p>
         </p:txBody>
       </p:sp>
@@ -28563,7 +25545,7 @@
           <a:lstStyle/>
           <a:p>
             <a:r>
-              <a:rPr lang="en-US" dirty="0" smtClean="0">
+              <a:rPr lang="en-US" dirty="0">
                 <a:latin typeface="Times New Roman"/>
                 <a:cs typeface="Times New Roman"/>
               </a:rPr>
@@ -28634,7 +25616,7 @@
           <a:p>
             <a:pPr algn="ctr"/>
             <a:r>
-              <a:rPr lang="en-US" sz="2400" dirty="0" smtClean="0">
+              <a:rPr lang="en-US" sz="2400" dirty="0">
                 <a:latin typeface="Times New Roman"/>
                 <a:cs typeface="Times New Roman"/>
               </a:rPr>
@@ -28644,7 +25626,7 @@
           <a:p>
             <a:pPr algn="ctr"/>
             <a:r>
-              <a:rPr lang="en-US" sz="2400" dirty="0" smtClean="0">
+              <a:rPr lang="en-US" sz="2400" dirty="0">
                 <a:latin typeface="Times New Roman"/>
                 <a:cs typeface="Times New Roman"/>
               </a:rPr>
@@ -28710,7 +25692,7 @@
           <a:lstStyle/>
           <a:p>
             <a:r>
-              <a:rPr lang="en-US" dirty="0" smtClean="0">
+              <a:rPr lang="en-US" dirty="0">
                 <a:latin typeface="Times New Roman"/>
                 <a:cs typeface="Times New Roman"/>
               </a:rPr>
@@ -28776,7 +25758,7 @@
           <a:lstStyle/>
           <a:p>
             <a:r>
-              <a:rPr lang="en-US" dirty="0" smtClean="0">
+              <a:rPr lang="en-US" dirty="0">
                 <a:latin typeface="Times New Roman"/>
                 <a:cs typeface="Times New Roman"/>
               </a:rPr>
@@ -28809,7 +25791,7 @@
           <a:p>
             <a:pPr algn="ctr"/>
             <a:r>
-              <a:rPr lang="en-US" sz="2400" dirty="0" smtClean="0">
+              <a:rPr lang="en-US" sz="2400" dirty="0">
                 <a:latin typeface="Times New Roman"/>
                 <a:cs typeface="Times New Roman"/>
               </a:rPr>
@@ -28819,7 +25801,7 @@
           <a:p>
             <a:pPr algn="ctr"/>
             <a:r>
-              <a:rPr lang="en-US" sz="2400" dirty="0" smtClean="0">
+              <a:rPr lang="en-US" sz="2400" dirty="0">
                 <a:latin typeface="Times New Roman"/>
                 <a:cs typeface="Times New Roman"/>
               </a:rPr>
@@ -28859,23 +25841,19 @@
               <a:t>t</a:t>
             </a:r>
             <a:r>
-              <a:rPr lang="en-US" sz="2400" i="1" baseline="-25000" dirty="0" err="1" smtClean="0">
+              <a:rPr lang="en-US" sz="2400" i="1" baseline="-25000" dirty="0" err="1">
                 <a:latin typeface="Times New Roman"/>
                 <a:cs typeface="Times New Roman"/>
               </a:rPr>
               <a:t>c</a:t>
             </a:r>
             <a:r>
-              <a:rPr lang="en-US" sz="2400" dirty="0" smtClean="0">
+              <a:rPr lang="en-US" sz="2400" dirty="0">
                 <a:latin typeface="Times New Roman"/>
                 <a:cs typeface="Times New Roman"/>
               </a:rPr>
               <a:t> = 5.84 for (two-sided) 99% confidence</a:t>
             </a:r>
-            <a:endParaRPr lang="en-US" sz="2400" dirty="0">
-              <a:latin typeface="Times New Roman"/>
-              <a:cs typeface="Times New Roman"/>
-            </a:endParaRPr>
           </a:p>
         </p:txBody>
       </p:sp>
@@ -28892,7 +25870,7 @@
   <p:timing>
     <p:tnLst>
       <p:par>
-        <p:cTn xmlns:p14="http://schemas.microsoft.com/office/powerpoint/2010/main" id="1" dur="indefinite" restart="never" nodeType="tmRoot">
+        <p:cTn id="1" dur="indefinite" restart="never" nodeType="tmRoot">
           <p:childTnLst>
             <p:seq concurrent="1" nextAc="seek">
               <p:cTn id="2" dur="indefinite" nodeType="mainSeq">
